--- a/Session4_Automate/Session4_Automation.pptx
+++ b/Session4_Automate/Session4_Automation.pptx
@@ -298,7 +298,7 @@
       </p15:sldGuideLst>
     </p:ext>
     <p:ext uri="http://customooxmlschemas.google.com/">
-      <go:slidesCustomData xmlns:go="http://customooxmlschemas.google.com/" xmlns:ahyp="http://schemas.microsoft.com/office/drawing/2018/hyperlinkcolor" xmlns:p15="http://schemas.microsoft.com/office/powerpoint/2012/main" xmlns:p14="http://schemas.microsoft.com/office/powerpoint/2010/main" xmlns:com="http://schemas.openxmlformats.org/drawingml/2006/compatibility" xmlns:pvml="urn:schemas-microsoft-com:office:powerpoint" xmlns:v="urn:schemas-microsoft-com:vml" xmlns:o="urn:schemas-microsoft-com:office:office" xmlns:dgm="http://schemas.openxmlformats.org/drawingml/2006/diagram" xmlns:c="http://schemas.openxmlformats.org/drawingml/2006/chart" xmlns:mv="urn:schemas-microsoft-com:mac:vml" xmlns:mc="http://schemas.openxmlformats.org/markup-compatibility/2006" xmlns="" r:id="rId34" roundtripDataSignature="AMtx7mgJb/dxg8SBACTioISI2Z3PoJo6hg=="/>
+      <go:slidesCustomData xmlns="" xmlns:mc="http://schemas.openxmlformats.org/markup-compatibility/2006" xmlns:mv="urn:schemas-microsoft-com:mac:vml" xmlns:c="http://schemas.openxmlformats.org/drawingml/2006/chart" xmlns:dgm="http://schemas.openxmlformats.org/drawingml/2006/diagram" xmlns:o="urn:schemas-microsoft-com:office:office" xmlns:v="urn:schemas-microsoft-com:vml" xmlns:pvml="urn:schemas-microsoft-com:office:powerpoint" xmlns:com="http://schemas.openxmlformats.org/drawingml/2006/compatibility" xmlns:p14="http://schemas.microsoft.com/office/powerpoint/2010/main" xmlns:p15="http://schemas.microsoft.com/office/powerpoint/2012/main" xmlns:ahyp="http://schemas.microsoft.com/office/drawing/2018/hyperlinkcolor" xmlns:go="http://customooxmlschemas.google.com/" r:id="rId34" roundtripDataSignature="AMtx7mgJb/dxg8SBACTioISI2Z3PoJo6hg=="/>
     </p:ext>
   </p:extLst>
 </p:presentation>
@@ -1867,117 +1867,6 @@
               <a:buSzPts val="1400"/>
               <a:buNone/>
             </a:pPr>
-            <a:r>
-              <a:rPr lang="en-US" dirty="0"/>
-              <a:t>Welcome. We are so happy you’re here.</a:t>
-            </a:r>
-          </a:p>
-          <a:p>
-            <a:pPr marL="0" lvl="0" indent="0" algn="l" rtl="0">
-              <a:lnSpc>
-                <a:spcPct val="100000"/>
-              </a:lnSpc>
-              <a:spcBef>
-                <a:spcPts val="0"/>
-              </a:spcBef>
-              <a:spcAft>
-                <a:spcPts val="0"/>
-              </a:spcAft>
-              <a:buSzPts val="1400"/>
-              <a:buNone/>
-            </a:pPr>
-            <a:r>
-              <a:rPr lang="en-US" dirty="0"/>
-              <a:t>What you are about to hear next is about the closest you will get to a lecture in this workshop series. Most of the rest of this will be pretty interactive. </a:t>
-            </a:r>
-          </a:p>
-          <a:p>
-            <a:pPr marL="0" lvl="0" indent="0" algn="l" rtl="0">
-              <a:lnSpc>
-                <a:spcPct val="100000"/>
-              </a:lnSpc>
-              <a:spcBef>
-                <a:spcPts val="0"/>
-              </a:spcBef>
-              <a:spcAft>
-                <a:spcPts val="0"/>
-              </a:spcAft>
-              <a:buSzPts val="1400"/>
-              <a:buNone/>
-            </a:pPr>
-            <a:r>
-              <a:rPr lang="en-US" dirty="0"/>
-              <a:t>There will be discussions and you follow along with a demonstration, and maybe try to solve a few problems yourself.</a:t>
-            </a:r>
-          </a:p>
-          <a:p>
-            <a:pPr marL="0" lvl="0" indent="0" algn="l" rtl="0">
-              <a:lnSpc>
-                <a:spcPct val="100000"/>
-              </a:lnSpc>
-              <a:spcBef>
-                <a:spcPts val="0"/>
-              </a:spcBef>
-              <a:spcAft>
-                <a:spcPts val="0"/>
-              </a:spcAft>
-              <a:buSzPts val="1400"/>
-              <a:buNone/>
-            </a:pPr>
-            <a:r>
-              <a:rPr lang="en-US" dirty="0"/>
-              <a:t>But before we get into demonstrations of tools and how to apply them to your research work, I want to talk a bit about the reproducibility of that work you are about to start.</a:t>
-            </a:r>
-          </a:p>
-          <a:p>
-            <a:pPr marL="0" lvl="0" indent="0" algn="l" rtl="0">
-              <a:lnSpc>
-                <a:spcPct val="100000"/>
-              </a:lnSpc>
-              <a:spcBef>
-                <a:spcPts val="0"/>
-              </a:spcBef>
-              <a:spcAft>
-                <a:spcPts val="0"/>
-              </a:spcAft>
-              <a:buSzPts val="1400"/>
-              <a:buNone/>
-            </a:pPr>
-            <a:r>
-              <a:rPr lang="en-US" dirty="0"/>
-              <a:t>It is a very important topic, and I believe there are a few general principles that, if kept in mind, can help you quite a lot when you go to reproduce your work in the future.</a:t>
-            </a:r>
-          </a:p>
-          <a:p>
-            <a:pPr marL="0" lvl="0" indent="0" algn="l" rtl="0">
-              <a:lnSpc>
-                <a:spcPct val="100000"/>
-              </a:lnSpc>
-              <a:spcBef>
-                <a:spcPts val="0"/>
-              </a:spcBef>
-              <a:spcAft>
-                <a:spcPts val="0"/>
-              </a:spcAft>
-              <a:buSzPts val="1400"/>
-              <a:buNone/>
-            </a:pPr>
-            <a:endParaRPr lang="en-US" dirty="0"/>
-          </a:p>
-          <a:p>
-            <a:pPr marL="0" lvl="0" indent="0" algn="l" rtl="0">
-              <a:lnSpc>
-                <a:spcPct val="100000"/>
-              </a:lnSpc>
-              <a:spcBef>
-                <a:spcPts val="0"/>
-              </a:spcBef>
-              <a:spcAft>
-                <a:spcPts val="0"/>
-              </a:spcAft>
-              <a:buSzPts val="1400"/>
-              <a:buNone/>
-            </a:pPr>
             <a:endParaRPr dirty="0"/>
           </a:p>
         </p:txBody>
@@ -2150,107 +2039,7 @@
               <a:buSzPts val="1400"/>
               <a:buNone/>
             </a:pPr>
-            <a:r>
-              <a:rPr lang="en-US"/>
-              <a:t>One final thought about repdocudibility…</a:t>
-            </a:r>
-            <a:endParaRPr/>
-          </a:p>
-          <a:p>
-            <a:pPr marL="0" lvl="0" indent="0" algn="l" rtl="0">
-              <a:lnSpc>
-                <a:spcPct val="100000"/>
-              </a:lnSpc>
-              <a:spcBef>
-                <a:spcPts val="0"/>
-              </a:spcBef>
-              <a:spcAft>
-                <a:spcPts val="0"/>
-              </a:spcAft>
-              <a:buSzPts val="1400"/>
-              <a:buNone/>
-            </a:pPr>
-            <a:r>
-              <a:rPr lang="en-US"/>
-              <a:t>To reproduce results implies that you were able to produce them correctly in the first place.</a:t>
-            </a:r>
-            <a:endParaRPr/>
-          </a:p>
-          <a:p>
-            <a:pPr marL="0" lvl="0" indent="0" algn="l" rtl="0">
-              <a:lnSpc>
-                <a:spcPct val="100000"/>
-              </a:lnSpc>
-              <a:spcBef>
-                <a:spcPts val="0"/>
-              </a:spcBef>
-              <a:spcAft>
-                <a:spcPts val="0"/>
-              </a:spcAft>
-              <a:buSzPts val="1400"/>
-              <a:buNone/>
-            </a:pPr>
-            <a:endParaRPr/>
-          </a:p>
-          <a:p>
-            <a:pPr marL="0" lvl="0" indent="0" algn="l" rtl="0">
-              <a:lnSpc>
-                <a:spcPct val="100000"/>
-              </a:lnSpc>
-              <a:spcBef>
-                <a:spcPts val="0"/>
-              </a:spcBef>
-              <a:spcAft>
-                <a:spcPts val="0"/>
-              </a:spcAft>
-              <a:buSzPts val="1400"/>
-              <a:buNone/>
-            </a:pPr>
-            <a:r>
-              <a:rPr lang="en-US"/>
-              <a:t>So throughout the workshops, we will try to emphasize the virtue of breaking your problems into smaller pieces</a:t>
-            </a:r>
-            <a:endParaRPr/>
-          </a:p>
-          <a:p>
-            <a:pPr marL="0" lvl="0" indent="0" algn="l" rtl="0">
-              <a:lnSpc>
-                <a:spcPct val="100000"/>
-              </a:lnSpc>
-              <a:spcBef>
-                <a:spcPts val="0"/>
-              </a:spcBef>
-              <a:spcAft>
-                <a:spcPts val="0"/>
-              </a:spcAft>
-              <a:buSzPts val="1400"/>
-              <a:buNone/>
-            </a:pPr>
-            <a:r>
-              <a:rPr lang="en-US"/>
-              <a:t>And then testing them relentlessly to convince yourself they are doing what you expect them to do.</a:t>
-            </a:r>
-            <a:endParaRPr/>
-          </a:p>
-          <a:p>
-            <a:pPr marL="0" lvl="0" indent="0" algn="l" rtl="0">
-              <a:lnSpc>
-                <a:spcPct val="100000"/>
-              </a:lnSpc>
-              <a:spcBef>
-                <a:spcPts val="0"/>
-              </a:spcBef>
-              <a:spcAft>
-                <a:spcPts val="0"/>
-              </a:spcAft>
-              <a:buSzPts val="1400"/>
-              <a:buNone/>
-            </a:pPr>
-            <a:r>
-              <a:rPr lang="en-US"/>
-              <a:t>Near the end of the series, one of our hours will be dedicated to helping you make your code “bulletproof.”</a:t>
-            </a:r>
-            <a:endParaRPr/>
+            <a:endParaRPr dirty="0"/>
           </a:p>
         </p:txBody>
       </p:sp>
@@ -2422,107 +2211,7 @@
               <a:buSzPts val="1400"/>
               <a:buNone/>
             </a:pPr>
-            <a:r>
-              <a:rPr lang="en-US"/>
-              <a:t>One final thought about repdocudibility…</a:t>
-            </a:r>
-            <a:endParaRPr/>
-          </a:p>
-          <a:p>
-            <a:pPr marL="0" lvl="0" indent="0" algn="l" rtl="0">
-              <a:lnSpc>
-                <a:spcPct val="100000"/>
-              </a:lnSpc>
-              <a:spcBef>
-                <a:spcPts val="0"/>
-              </a:spcBef>
-              <a:spcAft>
-                <a:spcPts val="0"/>
-              </a:spcAft>
-              <a:buSzPts val="1400"/>
-              <a:buNone/>
-            </a:pPr>
-            <a:r>
-              <a:rPr lang="en-US"/>
-              <a:t>To reproduce results implies that you were able to produce them correctly in the first place.</a:t>
-            </a:r>
-            <a:endParaRPr/>
-          </a:p>
-          <a:p>
-            <a:pPr marL="0" lvl="0" indent="0" algn="l" rtl="0">
-              <a:lnSpc>
-                <a:spcPct val="100000"/>
-              </a:lnSpc>
-              <a:spcBef>
-                <a:spcPts val="0"/>
-              </a:spcBef>
-              <a:spcAft>
-                <a:spcPts val="0"/>
-              </a:spcAft>
-              <a:buSzPts val="1400"/>
-              <a:buNone/>
-            </a:pPr>
-            <a:endParaRPr/>
-          </a:p>
-          <a:p>
-            <a:pPr marL="0" lvl="0" indent="0" algn="l" rtl="0">
-              <a:lnSpc>
-                <a:spcPct val="100000"/>
-              </a:lnSpc>
-              <a:spcBef>
-                <a:spcPts val="0"/>
-              </a:spcBef>
-              <a:spcAft>
-                <a:spcPts val="0"/>
-              </a:spcAft>
-              <a:buSzPts val="1400"/>
-              <a:buNone/>
-            </a:pPr>
-            <a:r>
-              <a:rPr lang="en-US"/>
-              <a:t>So throughout the workshops, we will try to emphasize the virtue of breaking your problems into smaller pieces</a:t>
-            </a:r>
-            <a:endParaRPr/>
-          </a:p>
-          <a:p>
-            <a:pPr marL="0" lvl="0" indent="0" algn="l" rtl="0">
-              <a:lnSpc>
-                <a:spcPct val="100000"/>
-              </a:lnSpc>
-              <a:spcBef>
-                <a:spcPts val="0"/>
-              </a:spcBef>
-              <a:spcAft>
-                <a:spcPts val="0"/>
-              </a:spcAft>
-              <a:buSzPts val="1400"/>
-              <a:buNone/>
-            </a:pPr>
-            <a:r>
-              <a:rPr lang="en-US"/>
-              <a:t>And then testing them relentlessly to convince yourself they are doing what you expect them to do.</a:t>
-            </a:r>
-            <a:endParaRPr/>
-          </a:p>
-          <a:p>
-            <a:pPr marL="0" lvl="0" indent="0" algn="l" rtl="0">
-              <a:lnSpc>
-                <a:spcPct val="100000"/>
-              </a:lnSpc>
-              <a:spcBef>
-                <a:spcPts val="0"/>
-              </a:spcBef>
-              <a:spcAft>
-                <a:spcPts val="0"/>
-              </a:spcAft>
-              <a:buSzPts val="1400"/>
-              <a:buNone/>
-            </a:pPr>
-            <a:r>
-              <a:rPr lang="en-US"/>
-              <a:t>Near the end of the series, one of our hours will be dedicated to helping you make your code “bulletproof.”</a:t>
-            </a:r>
-            <a:endParaRPr/>
+            <a:endParaRPr dirty="0"/>
           </a:p>
         </p:txBody>
       </p:sp>
@@ -2694,107 +2383,7 @@
               <a:buSzPts val="1400"/>
               <a:buNone/>
             </a:pPr>
-            <a:r>
-              <a:rPr lang="en-US"/>
-              <a:t>One final thought about repdocudibility…</a:t>
-            </a:r>
-            <a:endParaRPr/>
-          </a:p>
-          <a:p>
-            <a:pPr marL="0" lvl="0" indent="0" algn="l" rtl="0">
-              <a:lnSpc>
-                <a:spcPct val="100000"/>
-              </a:lnSpc>
-              <a:spcBef>
-                <a:spcPts val="0"/>
-              </a:spcBef>
-              <a:spcAft>
-                <a:spcPts val="0"/>
-              </a:spcAft>
-              <a:buSzPts val="1400"/>
-              <a:buNone/>
-            </a:pPr>
-            <a:r>
-              <a:rPr lang="en-US"/>
-              <a:t>To reproduce results implies that you were able to produce them correctly in the first place.</a:t>
-            </a:r>
-            <a:endParaRPr/>
-          </a:p>
-          <a:p>
-            <a:pPr marL="0" lvl="0" indent="0" algn="l" rtl="0">
-              <a:lnSpc>
-                <a:spcPct val="100000"/>
-              </a:lnSpc>
-              <a:spcBef>
-                <a:spcPts val="0"/>
-              </a:spcBef>
-              <a:spcAft>
-                <a:spcPts val="0"/>
-              </a:spcAft>
-              <a:buSzPts val="1400"/>
-              <a:buNone/>
-            </a:pPr>
-            <a:endParaRPr/>
-          </a:p>
-          <a:p>
-            <a:pPr marL="0" lvl="0" indent="0" algn="l" rtl="0">
-              <a:lnSpc>
-                <a:spcPct val="100000"/>
-              </a:lnSpc>
-              <a:spcBef>
-                <a:spcPts val="0"/>
-              </a:spcBef>
-              <a:spcAft>
-                <a:spcPts val="0"/>
-              </a:spcAft>
-              <a:buSzPts val="1400"/>
-              <a:buNone/>
-            </a:pPr>
-            <a:r>
-              <a:rPr lang="en-US"/>
-              <a:t>So throughout the workshops, we will try to emphasize the virtue of breaking your problems into smaller pieces</a:t>
-            </a:r>
-            <a:endParaRPr/>
-          </a:p>
-          <a:p>
-            <a:pPr marL="0" lvl="0" indent="0" algn="l" rtl="0">
-              <a:lnSpc>
-                <a:spcPct val="100000"/>
-              </a:lnSpc>
-              <a:spcBef>
-                <a:spcPts val="0"/>
-              </a:spcBef>
-              <a:spcAft>
-                <a:spcPts val="0"/>
-              </a:spcAft>
-              <a:buSzPts val="1400"/>
-              <a:buNone/>
-            </a:pPr>
-            <a:r>
-              <a:rPr lang="en-US"/>
-              <a:t>And then testing them relentlessly to convince yourself they are doing what you expect them to do.</a:t>
-            </a:r>
-            <a:endParaRPr/>
-          </a:p>
-          <a:p>
-            <a:pPr marL="0" lvl="0" indent="0" algn="l" rtl="0">
-              <a:lnSpc>
-                <a:spcPct val="100000"/>
-              </a:lnSpc>
-              <a:spcBef>
-                <a:spcPts val="0"/>
-              </a:spcBef>
-              <a:spcAft>
-                <a:spcPts val="0"/>
-              </a:spcAft>
-              <a:buSzPts val="1400"/>
-              <a:buNone/>
-            </a:pPr>
-            <a:r>
-              <a:rPr lang="en-US"/>
-              <a:t>Near the end of the series, one of our hours will be dedicated to helping you make your code “bulletproof.”</a:t>
-            </a:r>
-            <a:endParaRPr/>
+            <a:endParaRPr dirty="0"/>
           </a:p>
         </p:txBody>
       </p:sp>
@@ -2966,107 +2555,7 @@
               <a:buSzPts val="1400"/>
               <a:buNone/>
             </a:pPr>
-            <a:r>
-              <a:rPr lang="en-US"/>
-              <a:t>One final thought about repdocudibility…</a:t>
-            </a:r>
-            <a:endParaRPr/>
-          </a:p>
-          <a:p>
-            <a:pPr marL="0" lvl="0" indent="0" algn="l" rtl="0">
-              <a:lnSpc>
-                <a:spcPct val="100000"/>
-              </a:lnSpc>
-              <a:spcBef>
-                <a:spcPts val="0"/>
-              </a:spcBef>
-              <a:spcAft>
-                <a:spcPts val="0"/>
-              </a:spcAft>
-              <a:buSzPts val="1400"/>
-              <a:buNone/>
-            </a:pPr>
-            <a:r>
-              <a:rPr lang="en-US"/>
-              <a:t>To reproduce results implies that you were able to produce them correctly in the first place.</a:t>
-            </a:r>
-            <a:endParaRPr/>
-          </a:p>
-          <a:p>
-            <a:pPr marL="0" lvl="0" indent="0" algn="l" rtl="0">
-              <a:lnSpc>
-                <a:spcPct val="100000"/>
-              </a:lnSpc>
-              <a:spcBef>
-                <a:spcPts val="0"/>
-              </a:spcBef>
-              <a:spcAft>
-                <a:spcPts val="0"/>
-              </a:spcAft>
-              <a:buSzPts val="1400"/>
-              <a:buNone/>
-            </a:pPr>
-            <a:endParaRPr/>
-          </a:p>
-          <a:p>
-            <a:pPr marL="0" lvl="0" indent="0" algn="l" rtl="0">
-              <a:lnSpc>
-                <a:spcPct val="100000"/>
-              </a:lnSpc>
-              <a:spcBef>
-                <a:spcPts val="0"/>
-              </a:spcBef>
-              <a:spcAft>
-                <a:spcPts val="0"/>
-              </a:spcAft>
-              <a:buSzPts val="1400"/>
-              <a:buNone/>
-            </a:pPr>
-            <a:r>
-              <a:rPr lang="en-US"/>
-              <a:t>So throughout the workshops, we will try to emphasize the virtue of breaking your problems into smaller pieces</a:t>
-            </a:r>
-            <a:endParaRPr/>
-          </a:p>
-          <a:p>
-            <a:pPr marL="0" lvl="0" indent="0" algn="l" rtl="0">
-              <a:lnSpc>
-                <a:spcPct val="100000"/>
-              </a:lnSpc>
-              <a:spcBef>
-                <a:spcPts val="0"/>
-              </a:spcBef>
-              <a:spcAft>
-                <a:spcPts val="0"/>
-              </a:spcAft>
-              <a:buSzPts val="1400"/>
-              <a:buNone/>
-            </a:pPr>
-            <a:r>
-              <a:rPr lang="en-US"/>
-              <a:t>And then testing them relentlessly to convince yourself they are doing what you expect them to do.</a:t>
-            </a:r>
-            <a:endParaRPr/>
-          </a:p>
-          <a:p>
-            <a:pPr marL="0" lvl="0" indent="0" algn="l" rtl="0">
-              <a:lnSpc>
-                <a:spcPct val="100000"/>
-              </a:lnSpc>
-              <a:spcBef>
-                <a:spcPts val="0"/>
-              </a:spcBef>
-              <a:spcAft>
-                <a:spcPts val="0"/>
-              </a:spcAft>
-              <a:buSzPts val="1400"/>
-              <a:buNone/>
-            </a:pPr>
-            <a:r>
-              <a:rPr lang="en-US"/>
-              <a:t>Near the end of the series, one of our hours will be dedicated to helping you make your code “bulletproof.”</a:t>
-            </a:r>
-            <a:endParaRPr/>
+            <a:endParaRPr dirty="0"/>
           </a:p>
         </p:txBody>
       </p:sp>
@@ -3243,107 +2732,7 @@
               <a:buSzPts val="1400"/>
               <a:buNone/>
             </a:pPr>
-            <a:r>
-              <a:rPr lang="en-US"/>
-              <a:t>One final thought about repdocudibility…</a:t>
-            </a:r>
-            <a:endParaRPr/>
-          </a:p>
-          <a:p>
-            <a:pPr marL="0" lvl="0" indent="0" algn="l" rtl="0">
-              <a:lnSpc>
-                <a:spcPct val="100000"/>
-              </a:lnSpc>
-              <a:spcBef>
-                <a:spcPts val="0"/>
-              </a:spcBef>
-              <a:spcAft>
-                <a:spcPts val="0"/>
-              </a:spcAft>
-              <a:buSzPts val="1400"/>
-              <a:buNone/>
-            </a:pPr>
-            <a:r>
-              <a:rPr lang="en-US"/>
-              <a:t>To reproduce results implies that you were able to produce them correctly in the first place.</a:t>
-            </a:r>
-            <a:endParaRPr/>
-          </a:p>
-          <a:p>
-            <a:pPr marL="0" lvl="0" indent="0" algn="l" rtl="0">
-              <a:lnSpc>
-                <a:spcPct val="100000"/>
-              </a:lnSpc>
-              <a:spcBef>
-                <a:spcPts val="0"/>
-              </a:spcBef>
-              <a:spcAft>
-                <a:spcPts val="0"/>
-              </a:spcAft>
-              <a:buSzPts val="1400"/>
-              <a:buNone/>
-            </a:pPr>
-            <a:endParaRPr/>
-          </a:p>
-          <a:p>
-            <a:pPr marL="0" lvl="0" indent="0" algn="l" rtl="0">
-              <a:lnSpc>
-                <a:spcPct val="100000"/>
-              </a:lnSpc>
-              <a:spcBef>
-                <a:spcPts val="0"/>
-              </a:spcBef>
-              <a:spcAft>
-                <a:spcPts val="0"/>
-              </a:spcAft>
-              <a:buSzPts val="1400"/>
-              <a:buNone/>
-            </a:pPr>
-            <a:r>
-              <a:rPr lang="en-US"/>
-              <a:t>So throughout the workshops, we will try to emphasize the virtue of breaking your problems into smaller pieces</a:t>
-            </a:r>
-            <a:endParaRPr/>
-          </a:p>
-          <a:p>
-            <a:pPr marL="0" lvl="0" indent="0" algn="l" rtl="0">
-              <a:lnSpc>
-                <a:spcPct val="100000"/>
-              </a:lnSpc>
-              <a:spcBef>
-                <a:spcPts val="0"/>
-              </a:spcBef>
-              <a:spcAft>
-                <a:spcPts val="0"/>
-              </a:spcAft>
-              <a:buSzPts val="1400"/>
-              <a:buNone/>
-            </a:pPr>
-            <a:r>
-              <a:rPr lang="en-US"/>
-              <a:t>And then testing them relentlessly to convince yourself they are doing what you expect them to do.</a:t>
-            </a:r>
-            <a:endParaRPr/>
-          </a:p>
-          <a:p>
-            <a:pPr marL="0" lvl="0" indent="0" algn="l" rtl="0">
-              <a:lnSpc>
-                <a:spcPct val="100000"/>
-              </a:lnSpc>
-              <a:spcBef>
-                <a:spcPts val="0"/>
-              </a:spcBef>
-              <a:spcAft>
-                <a:spcPts val="0"/>
-              </a:spcAft>
-              <a:buSzPts val="1400"/>
-              <a:buNone/>
-            </a:pPr>
-            <a:r>
-              <a:rPr lang="en-US"/>
-              <a:t>Near the end of the series, one of our hours will be dedicated to helping you make your code “bulletproof.”</a:t>
-            </a:r>
-            <a:endParaRPr/>
+            <a:endParaRPr dirty="0"/>
           </a:p>
         </p:txBody>
       </p:sp>
@@ -3520,215 +2909,7 @@
               <a:buSzPts val="1400"/>
               <a:buNone/>
             </a:pPr>
-            <a:r>
-              <a:rPr lang="en-US"/>
-              <a:t>You should care about reproducibility because it matters to so many different people.</a:t>
-            </a:r>
-            <a:endParaRPr/>
-          </a:p>
-          <a:p>
-            <a:pPr marL="0" lvl="0" indent="0" algn="l" rtl="0">
-              <a:lnSpc>
-                <a:spcPct val="100000"/>
-              </a:lnSpc>
-              <a:spcBef>
-                <a:spcPts val="0"/>
-              </a:spcBef>
-              <a:spcAft>
-                <a:spcPts val="0"/>
-              </a:spcAft>
-              <a:buSzPts val="1400"/>
-              <a:buNone/>
-            </a:pPr>
-            <a:endParaRPr/>
-          </a:p>
-          <a:p>
-            <a:pPr marL="0" lvl="0" indent="0" algn="l" rtl="0">
-              <a:lnSpc>
-                <a:spcPct val="100000"/>
-              </a:lnSpc>
-              <a:spcBef>
-                <a:spcPts val="0"/>
-              </a:spcBef>
-              <a:spcAft>
-                <a:spcPts val="0"/>
-              </a:spcAft>
-              <a:buSzPts val="1400"/>
-              <a:buNone/>
-            </a:pPr>
-            <a:r>
-              <a:rPr lang="en-US"/>
-              <a:t>&lt;CLICK&gt;</a:t>
-            </a:r>
-            <a:endParaRPr/>
-          </a:p>
-          <a:p>
-            <a:pPr marL="0" lvl="0" indent="0" algn="l" rtl="0">
-              <a:lnSpc>
-                <a:spcPct val="100000"/>
-              </a:lnSpc>
-              <a:spcBef>
-                <a:spcPts val="0"/>
-              </a:spcBef>
-              <a:spcAft>
-                <a:spcPts val="0"/>
-              </a:spcAft>
-              <a:buSzPts val="1400"/>
-              <a:buNone/>
-            </a:pPr>
-            <a:r>
-              <a:rPr lang="en-US"/>
-              <a:t>When you publish your work, many stakeholders will need to be able to reproduce your results. It will be a problem for you when they cannot.</a:t>
-            </a:r>
-            <a:endParaRPr/>
-          </a:p>
-          <a:p>
-            <a:pPr marL="0" lvl="0" indent="0" algn="l" rtl="0">
-              <a:lnSpc>
-                <a:spcPct val="100000"/>
-              </a:lnSpc>
-              <a:spcBef>
-                <a:spcPts val="0"/>
-              </a:spcBef>
-              <a:spcAft>
-                <a:spcPts val="0"/>
-              </a:spcAft>
-              <a:buSzPts val="1400"/>
-              <a:buNone/>
-            </a:pPr>
-            <a:endParaRPr/>
-          </a:p>
-          <a:p>
-            <a:pPr marL="0" lvl="0" indent="0" algn="l" rtl="0">
-              <a:lnSpc>
-                <a:spcPct val="100000"/>
-              </a:lnSpc>
-              <a:spcBef>
-                <a:spcPts val="0"/>
-              </a:spcBef>
-              <a:spcAft>
-                <a:spcPts val="0"/>
-              </a:spcAft>
-              <a:buSzPts val="1400"/>
-              <a:buNone/>
-            </a:pPr>
-            <a:r>
-              <a:rPr lang="en-US"/>
-              <a:t>&lt;CLICK&gt;</a:t>
-            </a:r>
-            <a:endParaRPr/>
-          </a:p>
-          <a:p>
-            <a:pPr marL="0" lvl="0" indent="0" algn="l" rtl="0">
-              <a:lnSpc>
-                <a:spcPct val="100000"/>
-              </a:lnSpc>
-              <a:spcBef>
-                <a:spcPts val="0"/>
-              </a:spcBef>
-              <a:spcAft>
-                <a:spcPts val="0"/>
-              </a:spcAft>
-              <a:buSzPts val="1400"/>
-              <a:buNone/>
-            </a:pPr>
-            <a:r>
-              <a:rPr lang="en-US"/>
-              <a:t>Even before publication time, your collaborators will thank you – or curse you – depending on how easy or difficult it is to follow what you have done and replicate results consistently.</a:t>
-            </a:r>
-            <a:endParaRPr/>
-          </a:p>
-          <a:p>
-            <a:pPr marL="0" lvl="0" indent="0" algn="l" rtl="0">
-              <a:lnSpc>
-                <a:spcPct val="100000"/>
-              </a:lnSpc>
-              <a:spcBef>
-                <a:spcPts val="0"/>
-              </a:spcBef>
-              <a:spcAft>
-                <a:spcPts val="0"/>
-              </a:spcAft>
-              <a:buSzPts val="1400"/>
-              <a:buNone/>
-            </a:pPr>
-            <a:r>
-              <a:rPr lang="en-US"/>
-              <a:t>Even if you do not expect to work with others or do not value their comfort, there is one very important collaborator you will always have:</a:t>
-            </a:r>
-            <a:endParaRPr/>
-          </a:p>
-          <a:p>
-            <a:pPr marL="0" lvl="0" indent="0" algn="l" rtl="0">
-              <a:lnSpc>
-                <a:spcPct val="100000"/>
-              </a:lnSpc>
-              <a:spcBef>
-                <a:spcPts val="0"/>
-              </a:spcBef>
-              <a:spcAft>
-                <a:spcPts val="0"/>
-              </a:spcAft>
-              <a:buSzPts val="1400"/>
-              <a:buNone/>
-            </a:pPr>
-            <a:endParaRPr/>
-          </a:p>
-          <a:p>
-            <a:pPr marL="0" lvl="0" indent="0" algn="l" rtl="0">
-              <a:lnSpc>
-                <a:spcPct val="100000"/>
-              </a:lnSpc>
-              <a:spcBef>
-                <a:spcPts val="0"/>
-              </a:spcBef>
-              <a:spcAft>
-                <a:spcPts val="0"/>
-              </a:spcAft>
-              <a:buSzPts val="1400"/>
-              <a:buNone/>
-            </a:pPr>
-            <a:r>
-              <a:rPr lang="en-US"/>
-              <a:t>&lt;CLICK&gt;</a:t>
-            </a:r>
-            <a:endParaRPr/>
-          </a:p>
-          <a:p>
-            <a:pPr marL="0" lvl="0" indent="0" algn="l" rtl="0">
-              <a:lnSpc>
-                <a:spcPct val="100000"/>
-              </a:lnSpc>
-              <a:spcBef>
-                <a:spcPts val="0"/>
-              </a:spcBef>
-              <a:spcAft>
-                <a:spcPts val="0"/>
-              </a:spcAft>
-              <a:buSzPts val="1400"/>
-              <a:buNone/>
-            </a:pPr>
-            <a:r>
-              <a:rPr lang="en-US"/>
-              <a:t>Your future self. That person will always be responsible for everything your younger self does. Be kind to the future version of you.</a:t>
-            </a:r>
-            <a:endParaRPr/>
-          </a:p>
-          <a:p>
-            <a:pPr marL="0" lvl="0" indent="0" algn="l" rtl="0">
-              <a:lnSpc>
-                <a:spcPct val="100000"/>
-              </a:lnSpc>
-              <a:spcBef>
-                <a:spcPts val="0"/>
-              </a:spcBef>
-              <a:spcAft>
-                <a:spcPts val="0"/>
-              </a:spcAft>
-              <a:buSzPts val="1400"/>
-              <a:buNone/>
-            </a:pPr>
-            <a:endParaRPr/>
+            <a:endParaRPr dirty="0"/>
           </a:p>
         </p:txBody>
       </p:sp>
@@ -3900,239 +3081,7 @@
               <a:buSzPts val="1400"/>
               <a:buNone/>
             </a:pPr>
-            <a:r>
-              <a:rPr lang="en-US"/>
-              <a:t>Here is one last cautionary example about manual work.</a:t>
-            </a:r>
-            <a:endParaRPr/>
-          </a:p>
-          <a:p>
-            <a:pPr marL="0" lvl="0" indent="0" algn="l" rtl="0">
-              <a:lnSpc>
-                <a:spcPct val="100000"/>
-              </a:lnSpc>
-              <a:spcBef>
-                <a:spcPts val="0"/>
-              </a:spcBef>
-              <a:spcAft>
-                <a:spcPts val="0"/>
-              </a:spcAft>
-              <a:buSzPts val="1400"/>
-              <a:buNone/>
-            </a:pPr>
-            <a:endParaRPr/>
-          </a:p>
-          <a:p>
-            <a:pPr marL="0" lvl="0" indent="0" algn="l" rtl="0">
-              <a:lnSpc>
-                <a:spcPct val="100000"/>
-              </a:lnSpc>
-              <a:spcBef>
-                <a:spcPts val="0"/>
-              </a:spcBef>
-              <a:spcAft>
-                <a:spcPts val="0"/>
-              </a:spcAft>
-              <a:buSzPts val="1400"/>
-              <a:buNone/>
-            </a:pPr>
-            <a:r>
-              <a:rPr lang="en-US"/>
-              <a:t>This is real source file with historical information about different interest rates, and it is a messy file.</a:t>
-            </a:r>
-            <a:endParaRPr/>
-          </a:p>
-          <a:p>
-            <a:pPr marL="0" lvl="0" indent="0" algn="l" rtl="0">
-              <a:lnSpc>
-                <a:spcPct val="100000"/>
-              </a:lnSpc>
-              <a:spcBef>
-                <a:spcPts val="0"/>
-              </a:spcBef>
-              <a:spcAft>
-                <a:spcPts val="0"/>
-              </a:spcAft>
-              <a:buSzPts val="1400"/>
-              <a:buNone/>
-            </a:pPr>
-            <a:r>
-              <a:rPr lang="en-US"/>
-              <a:t>Highlighted in yellow is a cell that contains a clerical error. The prime rate in April, 2001, should be 7.8 -- not 0.78</a:t>
-            </a:r>
-            <a:endParaRPr/>
-          </a:p>
-          <a:p>
-            <a:pPr marL="0" lvl="0" indent="0" algn="l" rtl="0">
-              <a:lnSpc>
-                <a:spcPct val="100000"/>
-              </a:lnSpc>
-              <a:spcBef>
-                <a:spcPts val="0"/>
-              </a:spcBef>
-              <a:spcAft>
-                <a:spcPts val="0"/>
-              </a:spcAft>
-              <a:buSzPts val="1400"/>
-              <a:buNone/>
-            </a:pPr>
-            <a:r>
-              <a:rPr lang="en-US"/>
-              <a:t>The file also has some inconvenient flaws. The header row keeps repeating throughout the data, what you see highlighted in pink.</a:t>
-            </a:r>
-            <a:endParaRPr/>
-          </a:p>
-          <a:p>
-            <a:pPr marL="0" lvl="0" indent="0" algn="l" rtl="0">
-              <a:lnSpc>
-                <a:spcPct val="100000"/>
-              </a:lnSpc>
-              <a:spcBef>
-                <a:spcPts val="0"/>
-              </a:spcBef>
-              <a:spcAft>
-                <a:spcPts val="0"/>
-              </a:spcAft>
-              <a:buSzPts val="1400"/>
-              <a:buNone/>
-            </a:pPr>
-            <a:r>
-              <a:rPr lang="en-US"/>
-              <a:t>Also, the source file uses “ND” to indicate null. You probably would want those values in the CSV file to be blank before reading these into Stata.</a:t>
-            </a:r>
-            <a:endParaRPr/>
-          </a:p>
-          <a:p>
-            <a:pPr marL="0" lvl="0" indent="0" algn="l" rtl="0">
-              <a:lnSpc>
-                <a:spcPct val="100000"/>
-              </a:lnSpc>
-              <a:spcBef>
-                <a:spcPts val="0"/>
-              </a:spcBef>
-              <a:spcAft>
-                <a:spcPts val="0"/>
-              </a:spcAft>
-              <a:buSzPts val="1400"/>
-              <a:buNone/>
-            </a:pPr>
-            <a:endParaRPr/>
-          </a:p>
-          <a:p>
-            <a:pPr marL="0" lvl="0" indent="0" algn="l" rtl="0">
-              <a:lnSpc>
-                <a:spcPct val="100000"/>
-              </a:lnSpc>
-              <a:spcBef>
-                <a:spcPts val="0"/>
-              </a:spcBef>
-              <a:spcAft>
-                <a:spcPts val="0"/>
-              </a:spcAft>
-              <a:buSzPts val="1400"/>
-              <a:buNone/>
-            </a:pPr>
-            <a:r>
-              <a:rPr lang="en-US"/>
-              <a:t>&lt;CLICK&gt;</a:t>
-            </a:r>
-            <a:endParaRPr/>
-          </a:p>
-          <a:p>
-            <a:pPr marL="0" lvl="0" indent="0" algn="l" rtl="0">
-              <a:lnSpc>
-                <a:spcPct val="100000"/>
-              </a:lnSpc>
-              <a:spcBef>
-                <a:spcPts val="0"/>
-              </a:spcBef>
-              <a:spcAft>
-                <a:spcPts val="0"/>
-              </a:spcAft>
-              <a:buSzPts val="1400"/>
-              <a:buNone/>
-            </a:pPr>
-            <a:r>
-              <a:rPr lang="en-US"/>
-              <a:t>So the dilemma is, you could fix these issues in a few seconds in Excel. </a:t>
-            </a:r>
-            <a:endParaRPr/>
-          </a:p>
-          <a:p>
-            <a:pPr marL="0" lvl="0" indent="0" algn="l" rtl="0">
-              <a:lnSpc>
-                <a:spcPct val="100000"/>
-              </a:lnSpc>
-              <a:spcBef>
-                <a:spcPts val="0"/>
-              </a:spcBef>
-              <a:spcAft>
-                <a:spcPts val="0"/>
-              </a:spcAft>
-              <a:buSzPts val="1400"/>
-              <a:buNone/>
-            </a:pPr>
-            <a:r>
-              <a:rPr lang="en-US"/>
-              <a:t>Just overwrite cell D234. Manually delete the extra headers. Do a global search and replace on “ND.”</a:t>
-            </a:r>
-            <a:endParaRPr/>
-          </a:p>
-          <a:p>
-            <a:pPr marL="0" lvl="0" indent="0" algn="l" rtl="0">
-              <a:lnSpc>
-                <a:spcPct val="100000"/>
-              </a:lnSpc>
-              <a:spcBef>
-                <a:spcPts val="0"/>
-              </a:spcBef>
-              <a:spcAft>
-                <a:spcPts val="0"/>
-              </a:spcAft>
-              <a:buSzPts val="1400"/>
-              <a:buNone/>
-            </a:pPr>
-            <a:r>
-              <a:rPr lang="en-US"/>
-              <a:t>But should you?</a:t>
-            </a:r>
-            <a:endParaRPr/>
-          </a:p>
-          <a:p>
-            <a:pPr marL="0" lvl="0" indent="0" algn="l" rtl="0">
-              <a:lnSpc>
-                <a:spcPct val="100000"/>
-              </a:lnSpc>
-              <a:spcBef>
-                <a:spcPts val="0"/>
-              </a:spcBef>
-              <a:spcAft>
-                <a:spcPts val="0"/>
-              </a:spcAft>
-              <a:buSzPts val="1400"/>
-              <a:buNone/>
-            </a:pPr>
-            <a:endParaRPr/>
-          </a:p>
-          <a:p>
-            <a:pPr marL="0" lvl="0" indent="0" algn="l" rtl="0">
-              <a:lnSpc>
-                <a:spcPct val="100000"/>
-              </a:lnSpc>
-              <a:spcBef>
-                <a:spcPts val="0"/>
-              </a:spcBef>
-              <a:spcAft>
-                <a:spcPts val="0"/>
-              </a:spcAft>
-              <a:buSzPts val="1400"/>
-              <a:buNone/>
-            </a:pPr>
-            <a:r>
-              <a:rPr lang="en-US"/>
-              <a:t>If your future self had to recreate your analysis from scratch in the year 2025, would you remember to do all those things exactly as you had before?</a:t>
-            </a:r>
-            <a:endParaRPr/>
+            <a:endParaRPr dirty="0"/>
           </a:p>
         </p:txBody>
       </p:sp>
@@ -4309,239 +3258,7 @@
               <a:buSzPts val="1400"/>
               <a:buNone/>
             </a:pPr>
-            <a:r>
-              <a:rPr lang="en-US"/>
-              <a:t>Here is one last cautionary example about manual work.</a:t>
-            </a:r>
-            <a:endParaRPr/>
-          </a:p>
-          <a:p>
-            <a:pPr marL="0" lvl="0" indent="0" algn="l" rtl="0">
-              <a:lnSpc>
-                <a:spcPct val="100000"/>
-              </a:lnSpc>
-              <a:spcBef>
-                <a:spcPts val="0"/>
-              </a:spcBef>
-              <a:spcAft>
-                <a:spcPts val="0"/>
-              </a:spcAft>
-              <a:buSzPts val="1400"/>
-              <a:buNone/>
-            </a:pPr>
-            <a:endParaRPr/>
-          </a:p>
-          <a:p>
-            <a:pPr marL="0" lvl="0" indent="0" algn="l" rtl="0">
-              <a:lnSpc>
-                <a:spcPct val="100000"/>
-              </a:lnSpc>
-              <a:spcBef>
-                <a:spcPts val="0"/>
-              </a:spcBef>
-              <a:spcAft>
-                <a:spcPts val="0"/>
-              </a:spcAft>
-              <a:buSzPts val="1400"/>
-              <a:buNone/>
-            </a:pPr>
-            <a:r>
-              <a:rPr lang="en-US"/>
-              <a:t>This is real source file with historical information about different interest rates, and it is a messy file.</a:t>
-            </a:r>
-            <a:endParaRPr/>
-          </a:p>
-          <a:p>
-            <a:pPr marL="0" lvl="0" indent="0" algn="l" rtl="0">
-              <a:lnSpc>
-                <a:spcPct val="100000"/>
-              </a:lnSpc>
-              <a:spcBef>
-                <a:spcPts val="0"/>
-              </a:spcBef>
-              <a:spcAft>
-                <a:spcPts val="0"/>
-              </a:spcAft>
-              <a:buSzPts val="1400"/>
-              <a:buNone/>
-            </a:pPr>
-            <a:r>
-              <a:rPr lang="en-US"/>
-              <a:t>Highlighted in yellow is a cell that contains a clerical error. The prime rate in April, 2001, should be 7.8 -- not 0.78</a:t>
-            </a:r>
-            <a:endParaRPr/>
-          </a:p>
-          <a:p>
-            <a:pPr marL="0" lvl="0" indent="0" algn="l" rtl="0">
-              <a:lnSpc>
-                <a:spcPct val="100000"/>
-              </a:lnSpc>
-              <a:spcBef>
-                <a:spcPts val="0"/>
-              </a:spcBef>
-              <a:spcAft>
-                <a:spcPts val="0"/>
-              </a:spcAft>
-              <a:buSzPts val="1400"/>
-              <a:buNone/>
-            </a:pPr>
-            <a:r>
-              <a:rPr lang="en-US"/>
-              <a:t>The file also has some inconvenient flaws. The header row keeps repeating throughout the data, what you see highlighted in pink.</a:t>
-            </a:r>
-            <a:endParaRPr/>
-          </a:p>
-          <a:p>
-            <a:pPr marL="0" lvl="0" indent="0" algn="l" rtl="0">
-              <a:lnSpc>
-                <a:spcPct val="100000"/>
-              </a:lnSpc>
-              <a:spcBef>
-                <a:spcPts val="0"/>
-              </a:spcBef>
-              <a:spcAft>
-                <a:spcPts val="0"/>
-              </a:spcAft>
-              <a:buSzPts val="1400"/>
-              <a:buNone/>
-            </a:pPr>
-            <a:r>
-              <a:rPr lang="en-US"/>
-              <a:t>Also, the source file uses “ND” to indicate null. You probably would want those values in the CSV file to be blank before reading these into Stata.</a:t>
-            </a:r>
-            <a:endParaRPr/>
-          </a:p>
-          <a:p>
-            <a:pPr marL="0" lvl="0" indent="0" algn="l" rtl="0">
-              <a:lnSpc>
-                <a:spcPct val="100000"/>
-              </a:lnSpc>
-              <a:spcBef>
-                <a:spcPts val="0"/>
-              </a:spcBef>
-              <a:spcAft>
-                <a:spcPts val="0"/>
-              </a:spcAft>
-              <a:buSzPts val="1400"/>
-              <a:buNone/>
-            </a:pPr>
-            <a:endParaRPr/>
-          </a:p>
-          <a:p>
-            <a:pPr marL="0" lvl="0" indent="0" algn="l" rtl="0">
-              <a:lnSpc>
-                <a:spcPct val="100000"/>
-              </a:lnSpc>
-              <a:spcBef>
-                <a:spcPts val="0"/>
-              </a:spcBef>
-              <a:spcAft>
-                <a:spcPts val="0"/>
-              </a:spcAft>
-              <a:buSzPts val="1400"/>
-              <a:buNone/>
-            </a:pPr>
-            <a:r>
-              <a:rPr lang="en-US"/>
-              <a:t>&lt;CLICK&gt;</a:t>
-            </a:r>
-            <a:endParaRPr/>
-          </a:p>
-          <a:p>
-            <a:pPr marL="0" lvl="0" indent="0" algn="l" rtl="0">
-              <a:lnSpc>
-                <a:spcPct val="100000"/>
-              </a:lnSpc>
-              <a:spcBef>
-                <a:spcPts val="0"/>
-              </a:spcBef>
-              <a:spcAft>
-                <a:spcPts val="0"/>
-              </a:spcAft>
-              <a:buSzPts val="1400"/>
-              <a:buNone/>
-            </a:pPr>
-            <a:r>
-              <a:rPr lang="en-US"/>
-              <a:t>So the dilemma is, you could fix these issues in a few seconds in Excel. </a:t>
-            </a:r>
-            <a:endParaRPr/>
-          </a:p>
-          <a:p>
-            <a:pPr marL="0" lvl="0" indent="0" algn="l" rtl="0">
-              <a:lnSpc>
-                <a:spcPct val="100000"/>
-              </a:lnSpc>
-              <a:spcBef>
-                <a:spcPts val="0"/>
-              </a:spcBef>
-              <a:spcAft>
-                <a:spcPts val="0"/>
-              </a:spcAft>
-              <a:buSzPts val="1400"/>
-              <a:buNone/>
-            </a:pPr>
-            <a:r>
-              <a:rPr lang="en-US"/>
-              <a:t>Just overwrite cell D234. Manually delete the extra headers. Do a global search and replace on “ND.”</a:t>
-            </a:r>
-            <a:endParaRPr/>
-          </a:p>
-          <a:p>
-            <a:pPr marL="0" lvl="0" indent="0" algn="l" rtl="0">
-              <a:lnSpc>
-                <a:spcPct val="100000"/>
-              </a:lnSpc>
-              <a:spcBef>
-                <a:spcPts val="0"/>
-              </a:spcBef>
-              <a:spcAft>
-                <a:spcPts val="0"/>
-              </a:spcAft>
-              <a:buSzPts val="1400"/>
-              <a:buNone/>
-            </a:pPr>
-            <a:r>
-              <a:rPr lang="en-US"/>
-              <a:t>But should you?</a:t>
-            </a:r>
-            <a:endParaRPr/>
-          </a:p>
-          <a:p>
-            <a:pPr marL="0" lvl="0" indent="0" algn="l" rtl="0">
-              <a:lnSpc>
-                <a:spcPct val="100000"/>
-              </a:lnSpc>
-              <a:spcBef>
-                <a:spcPts val="0"/>
-              </a:spcBef>
-              <a:spcAft>
-                <a:spcPts val="0"/>
-              </a:spcAft>
-              <a:buSzPts val="1400"/>
-              <a:buNone/>
-            </a:pPr>
-            <a:endParaRPr/>
-          </a:p>
-          <a:p>
-            <a:pPr marL="0" lvl="0" indent="0" algn="l" rtl="0">
-              <a:lnSpc>
-                <a:spcPct val="100000"/>
-              </a:lnSpc>
-              <a:spcBef>
-                <a:spcPts val="0"/>
-              </a:spcBef>
-              <a:spcAft>
-                <a:spcPts val="0"/>
-              </a:spcAft>
-              <a:buSzPts val="1400"/>
-              <a:buNone/>
-            </a:pPr>
-            <a:r>
-              <a:rPr lang="en-US"/>
-              <a:t>If your future self had to recreate your analysis from scratch in the year 2025, would you remember to do all those things exactly as you had before?</a:t>
-            </a:r>
-            <a:endParaRPr/>
+            <a:endParaRPr dirty="0"/>
           </a:p>
         </p:txBody>
       </p:sp>
@@ -4718,107 +3435,7 @@
               <a:buSzPts val="1400"/>
               <a:buNone/>
             </a:pPr>
-            <a:r>
-              <a:rPr lang="en-US"/>
-              <a:t>One final thought about repdocudibility…</a:t>
-            </a:r>
-            <a:endParaRPr/>
-          </a:p>
-          <a:p>
-            <a:pPr marL="0" lvl="0" indent="0" algn="l" rtl="0">
-              <a:lnSpc>
-                <a:spcPct val="100000"/>
-              </a:lnSpc>
-              <a:spcBef>
-                <a:spcPts val="0"/>
-              </a:spcBef>
-              <a:spcAft>
-                <a:spcPts val="0"/>
-              </a:spcAft>
-              <a:buSzPts val="1400"/>
-              <a:buNone/>
-            </a:pPr>
-            <a:r>
-              <a:rPr lang="en-US"/>
-              <a:t>To reproduce results implies that you were able to produce them correctly in the first place.</a:t>
-            </a:r>
-            <a:endParaRPr/>
-          </a:p>
-          <a:p>
-            <a:pPr marL="0" lvl="0" indent="0" algn="l" rtl="0">
-              <a:lnSpc>
-                <a:spcPct val="100000"/>
-              </a:lnSpc>
-              <a:spcBef>
-                <a:spcPts val="0"/>
-              </a:spcBef>
-              <a:spcAft>
-                <a:spcPts val="0"/>
-              </a:spcAft>
-              <a:buSzPts val="1400"/>
-              <a:buNone/>
-            </a:pPr>
-            <a:endParaRPr/>
-          </a:p>
-          <a:p>
-            <a:pPr marL="0" lvl="0" indent="0" algn="l" rtl="0">
-              <a:lnSpc>
-                <a:spcPct val="100000"/>
-              </a:lnSpc>
-              <a:spcBef>
-                <a:spcPts val="0"/>
-              </a:spcBef>
-              <a:spcAft>
-                <a:spcPts val="0"/>
-              </a:spcAft>
-              <a:buSzPts val="1400"/>
-              <a:buNone/>
-            </a:pPr>
-            <a:r>
-              <a:rPr lang="en-US"/>
-              <a:t>So throughout the workshops, we will try to emphasize the virtue of breaking your problems into smaller pieces</a:t>
-            </a:r>
-            <a:endParaRPr/>
-          </a:p>
-          <a:p>
-            <a:pPr marL="0" lvl="0" indent="0" algn="l" rtl="0">
-              <a:lnSpc>
-                <a:spcPct val="100000"/>
-              </a:lnSpc>
-              <a:spcBef>
-                <a:spcPts val="0"/>
-              </a:spcBef>
-              <a:spcAft>
-                <a:spcPts val="0"/>
-              </a:spcAft>
-              <a:buSzPts val="1400"/>
-              <a:buNone/>
-            </a:pPr>
-            <a:r>
-              <a:rPr lang="en-US"/>
-              <a:t>And then testing them relentlessly to convince yourself they are doing what you expect them to do.</a:t>
-            </a:r>
-            <a:endParaRPr/>
-          </a:p>
-          <a:p>
-            <a:pPr marL="0" lvl="0" indent="0" algn="l" rtl="0">
-              <a:lnSpc>
-                <a:spcPct val="100000"/>
-              </a:lnSpc>
-              <a:spcBef>
-                <a:spcPts val="0"/>
-              </a:spcBef>
-              <a:spcAft>
-                <a:spcPts val="0"/>
-              </a:spcAft>
-              <a:buSzPts val="1400"/>
-              <a:buNone/>
-            </a:pPr>
-            <a:r>
-              <a:rPr lang="en-US"/>
-              <a:t>Near the end of the series, one of our hours will be dedicated to helping you make your code “bulletproof.”</a:t>
-            </a:r>
-            <a:endParaRPr/>
+            <a:endParaRPr dirty="0"/>
           </a:p>
         </p:txBody>
       </p:sp>
@@ -4990,107 +3607,7 @@
               <a:buSzPts val="1400"/>
               <a:buNone/>
             </a:pPr>
-            <a:r>
-              <a:rPr lang="en-US"/>
-              <a:t>One final thought about repdocudibility…</a:t>
-            </a:r>
-            <a:endParaRPr/>
-          </a:p>
-          <a:p>
-            <a:pPr marL="0" lvl="0" indent="0" algn="l" rtl="0">
-              <a:lnSpc>
-                <a:spcPct val="100000"/>
-              </a:lnSpc>
-              <a:spcBef>
-                <a:spcPts val="0"/>
-              </a:spcBef>
-              <a:spcAft>
-                <a:spcPts val="0"/>
-              </a:spcAft>
-              <a:buSzPts val="1400"/>
-              <a:buNone/>
-            </a:pPr>
-            <a:r>
-              <a:rPr lang="en-US"/>
-              <a:t>To reproduce results implies that you were able to produce them correctly in the first place.</a:t>
-            </a:r>
-            <a:endParaRPr/>
-          </a:p>
-          <a:p>
-            <a:pPr marL="0" lvl="0" indent="0" algn="l" rtl="0">
-              <a:lnSpc>
-                <a:spcPct val="100000"/>
-              </a:lnSpc>
-              <a:spcBef>
-                <a:spcPts val="0"/>
-              </a:spcBef>
-              <a:spcAft>
-                <a:spcPts val="0"/>
-              </a:spcAft>
-              <a:buSzPts val="1400"/>
-              <a:buNone/>
-            </a:pPr>
-            <a:endParaRPr/>
-          </a:p>
-          <a:p>
-            <a:pPr marL="0" lvl="0" indent="0" algn="l" rtl="0">
-              <a:lnSpc>
-                <a:spcPct val="100000"/>
-              </a:lnSpc>
-              <a:spcBef>
-                <a:spcPts val="0"/>
-              </a:spcBef>
-              <a:spcAft>
-                <a:spcPts val="0"/>
-              </a:spcAft>
-              <a:buSzPts val="1400"/>
-              <a:buNone/>
-            </a:pPr>
-            <a:r>
-              <a:rPr lang="en-US"/>
-              <a:t>So throughout the workshops, we will try to emphasize the virtue of breaking your problems into smaller pieces</a:t>
-            </a:r>
-            <a:endParaRPr/>
-          </a:p>
-          <a:p>
-            <a:pPr marL="0" lvl="0" indent="0" algn="l" rtl="0">
-              <a:lnSpc>
-                <a:spcPct val="100000"/>
-              </a:lnSpc>
-              <a:spcBef>
-                <a:spcPts val="0"/>
-              </a:spcBef>
-              <a:spcAft>
-                <a:spcPts val="0"/>
-              </a:spcAft>
-              <a:buSzPts val="1400"/>
-              <a:buNone/>
-            </a:pPr>
-            <a:r>
-              <a:rPr lang="en-US"/>
-              <a:t>And then testing them relentlessly to convince yourself they are doing what you expect them to do.</a:t>
-            </a:r>
-            <a:endParaRPr/>
-          </a:p>
-          <a:p>
-            <a:pPr marL="0" lvl="0" indent="0" algn="l" rtl="0">
-              <a:lnSpc>
-                <a:spcPct val="100000"/>
-              </a:lnSpc>
-              <a:spcBef>
-                <a:spcPts val="0"/>
-              </a:spcBef>
-              <a:spcAft>
-                <a:spcPts val="0"/>
-              </a:spcAft>
-              <a:buSzPts val="1400"/>
-              <a:buNone/>
-            </a:pPr>
-            <a:r>
-              <a:rPr lang="en-US"/>
-              <a:t>Near the end of the series, one of our hours will be dedicated to helping you make your code “bulletproof.”</a:t>
-            </a:r>
-            <a:endParaRPr/>
+            <a:endParaRPr dirty="0"/>
           </a:p>
         </p:txBody>
       </p:sp>
@@ -5262,107 +3779,7 @@
               <a:buSzPts val="1400"/>
               <a:buNone/>
             </a:pPr>
-            <a:r>
-              <a:rPr lang="en-US"/>
-              <a:t>One final thought about repdocudibility…</a:t>
-            </a:r>
-            <a:endParaRPr/>
-          </a:p>
-          <a:p>
-            <a:pPr marL="0" lvl="0" indent="0" algn="l" rtl="0">
-              <a:lnSpc>
-                <a:spcPct val="100000"/>
-              </a:lnSpc>
-              <a:spcBef>
-                <a:spcPts val="0"/>
-              </a:spcBef>
-              <a:spcAft>
-                <a:spcPts val="0"/>
-              </a:spcAft>
-              <a:buSzPts val="1400"/>
-              <a:buNone/>
-            </a:pPr>
-            <a:r>
-              <a:rPr lang="en-US"/>
-              <a:t>To reproduce results implies that you were able to produce them correctly in the first place.</a:t>
-            </a:r>
-            <a:endParaRPr/>
-          </a:p>
-          <a:p>
-            <a:pPr marL="0" lvl="0" indent="0" algn="l" rtl="0">
-              <a:lnSpc>
-                <a:spcPct val="100000"/>
-              </a:lnSpc>
-              <a:spcBef>
-                <a:spcPts val="0"/>
-              </a:spcBef>
-              <a:spcAft>
-                <a:spcPts val="0"/>
-              </a:spcAft>
-              <a:buSzPts val="1400"/>
-              <a:buNone/>
-            </a:pPr>
-            <a:endParaRPr/>
-          </a:p>
-          <a:p>
-            <a:pPr marL="0" lvl="0" indent="0" algn="l" rtl="0">
-              <a:lnSpc>
-                <a:spcPct val="100000"/>
-              </a:lnSpc>
-              <a:spcBef>
-                <a:spcPts val="0"/>
-              </a:spcBef>
-              <a:spcAft>
-                <a:spcPts val="0"/>
-              </a:spcAft>
-              <a:buSzPts val="1400"/>
-              <a:buNone/>
-            </a:pPr>
-            <a:r>
-              <a:rPr lang="en-US"/>
-              <a:t>So throughout the workshops, we will try to emphasize the virtue of breaking your problems into smaller pieces</a:t>
-            </a:r>
-            <a:endParaRPr/>
-          </a:p>
-          <a:p>
-            <a:pPr marL="0" lvl="0" indent="0" algn="l" rtl="0">
-              <a:lnSpc>
-                <a:spcPct val="100000"/>
-              </a:lnSpc>
-              <a:spcBef>
-                <a:spcPts val="0"/>
-              </a:spcBef>
-              <a:spcAft>
-                <a:spcPts val="0"/>
-              </a:spcAft>
-              <a:buSzPts val="1400"/>
-              <a:buNone/>
-            </a:pPr>
-            <a:r>
-              <a:rPr lang="en-US"/>
-              <a:t>And then testing them relentlessly to convince yourself they are doing what you expect them to do.</a:t>
-            </a:r>
-            <a:endParaRPr/>
-          </a:p>
-          <a:p>
-            <a:pPr marL="0" lvl="0" indent="0" algn="l" rtl="0">
-              <a:lnSpc>
-                <a:spcPct val="100000"/>
-              </a:lnSpc>
-              <a:spcBef>
-                <a:spcPts val="0"/>
-              </a:spcBef>
-              <a:spcAft>
-                <a:spcPts val="0"/>
-              </a:spcAft>
-              <a:buSzPts val="1400"/>
-              <a:buNone/>
-            </a:pPr>
-            <a:r>
-              <a:rPr lang="en-US"/>
-              <a:t>Near the end of the series, one of our hours will be dedicated to helping you make your code “bulletproof.”</a:t>
-            </a:r>
-            <a:endParaRPr/>
+            <a:endParaRPr dirty="0"/>
           </a:p>
         </p:txBody>
       </p:sp>
@@ -5534,107 +3951,7 @@
               <a:buSzPts val="1400"/>
               <a:buNone/>
             </a:pPr>
-            <a:r>
-              <a:rPr lang="en-US"/>
-              <a:t>One final thought about repdocudibility…</a:t>
-            </a:r>
-            <a:endParaRPr/>
-          </a:p>
-          <a:p>
-            <a:pPr marL="0" lvl="0" indent="0" algn="l" rtl="0">
-              <a:lnSpc>
-                <a:spcPct val="100000"/>
-              </a:lnSpc>
-              <a:spcBef>
-                <a:spcPts val="0"/>
-              </a:spcBef>
-              <a:spcAft>
-                <a:spcPts val="0"/>
-              </a:spcAft>
-              <a:buSzPts val="1400"/>
-              <a:buNone/>
-            </a:pPr>
-            <a:r>
-              <a:rPr lang="en-US"/>
-              <a:t>To reproduce results implies that you were able to produce them correctly in the first place.</a:t>
-            </a:r>
-            <a:endParaRPr/>
-          </a:p>
-          <a:p>
-            <a:pPr marL="0" lvl="0" indent="0" algn="l" rtl="0">
-              <a:lnSpc>
-                <a:spcPct val="100000"/>
-              </a:lnSpc>
-              <a:spcBef>
-                <a:spcPts val="0"/>
-              </a:spcBef>
-              <a:spcAft>
-                <a:spcPts val="0"/>
-              </a:spcAft>
-              <a:buSzPts val="1400"/>
-              <a:buNone/>
-            </a:pPr>
-            <a:endParaRPr/>
-          </a:p>
-          <a:p>
-            <a:pPr marL="0" lvl="0" indent="0" algn="l" rtl="0">
-              <a:lnSpc>
-                <a:spcPct val="100000"/>
-              </a:lnSpc>
-              <a:spcBef>
-                <a:spcPts val="0"/>
-              </a:spcBef>
-              <a:spcAft>
-                <a:spcPts val="0"/>
-              </a:spcAft>
-              <a:buSzPts val="1400"/>
-              <a:buNone/>
-            </a:pPr>
-            <a:r>
-              <a:rPr lang="en-US"/>
-              <a:t>So throughout the workshops, we will try to emphasize the virtue of breaking your problems into smaller pieces</a:t>
-            </a:r>
-            <a:endParaRPr/>
-          </a:p>
-          <a:p>
-            <a:pPr marL="0" lvl="0" indent="0" algn="l" rtl="0">
-              <a:lnSpc>
-                <a:spcPct val="100000"/>
-              </a:lnSpc>
-              <a:spcBef>
-                <a:spcPts val="0"/>
-              </a:spcBef>
-              <a:spcAft>
-                <a:spcPts val="0"/>
-              </a:spcAft>
-              <a:buSzPts val="1400"/>
-              <a:buNone/>
-            </a:pPr>
-            <a:r>
-              <a:rPr lang="en-US"/>
-              <a:t>And then testing them relentlessly to convince yourself they are doing what you expect them to do.</a:t>
-            </a:r>
-            <a:endParaRPr/>
-          </a:p>
-          <a:p>
-            <a:pPr marL="0" lvl="0" indent="0" algn="l" rtl="0">
-              <a:lnSpc>
-                <a:spcPct val="100000"/>
-              </a:lnSpc>
-              <a:spcBef>
-                <a:spcPts val="0"/>
-              </a:spcBef>
-              <a:spcAft>
-                <a:spcPts val="0"/>
-              </a:spcAft>
-              <a:buSzPts val="1400"/>
-              <a:buNone/>
-            </a:pPr>
-            <a:r>
-              <a:rPr lang="en-US"/>
-              <a:t>Near the end of the series, one of our hours will be dedicated to helping you make your code “bulletproof.”</a:t>
-            </a:r>
-            <a:endParaRPr/>
+            <a:endParaRPr dirty="0"/>
           </a:p>
         </p:txBody>
       </p:sp>
@@ -5806,107 +4123,7 @@
               <a:buSzPts val="1400"/>
               <a:buNone/>
             </a:pPr>
-            <a:r>
-              <a:rPr lang="en-US"/>
-              <a:t>One final thought about repdocudibility…</a:t>
-            </a:r>
-            <a:endParaRPr/>
-          </a:p>
-          <a:p>
-            <a:pPr marL="0" lvl="0" indent="0" algn="l" rtl="0">
-              <a:lnSpc>
-                <a:spcPct val="100000"/>
-              </a:lnSpc>
-              <a:spcBef>
-                <a:spcPts val="0"/>
-              </a:spcBef>
-              <a:spcAft>
-                <a:spcPts val="0"/>
-              </a:spcAft>
-              <a:buSzPts val="1400"/>
-              <a:buNone/>
-            </a:pPr>
-            <a:r>
-              <a:rPr lang="en-US"/>
-              <a:t>To reproduce results implies that you were able to produce them correctly in the first place.</a:t>
-            </a:r>
-            <a:endParaRPr/>
-          </a:p>
-          <a:p>
-            <a:pPr marL="0" lvl="0" indent="0" algn="l" rtl="0">
-              <a:lnSpc>
-                <a:spcPct val="100000"/>
-              </a:lnSpc>
-              <a:spcBef>
-                <a:spcPts val="0"/>
-              </a:spcBef>
-              <a:spcAft>
-                <a:spcPts val="0"/>
-              </a:spcAft>
-              <a:buSzPts val="1400"/>
-              <a:buNone/>
-            </a:pPr>
-            <a:endParaRPr/>
-          </a:p>
-          <a:p>
-            <a:pPr marL="0" lvl="0" indent="0" algn="l" rtl="0">
-              <a:lnSpc>
-                <a:spcPct val="100000"/>
-              </a:lnSpc>
-              <a:spcBef>
-                <a:spcPts val="0"/>
-              </a:spcBef>
-              <a:spcAft>
-                <a:spcPts val="0"/>
-              </a:spcAft>
-              <a:buSzPts val="1400"/>
-              <a:buNone/>
-            </a:pPr>
-            <a:r>
-              <a:rPr lang="en-US"/>
-              <a:t>So throughout the workshops, we will try to emphasize the virtue of breaking your problems into smaller pieces</a:t>
-            </a:r>
-            <a:endParaRPr/>
-          </a:p>
-          <a:p>
-            <a:pPr marL="0" lvl="0" indent="0" algn="l" rtl="0">
-              <a:lnSpc>
-                <a:spcPct val="100000"/>
-              </a:lnSpc>
-              <a:spcBef>
-                <a:spcPts val="0"/>
-              </a:spcBef>
-              <a:spcAft>
-                <a:spcPts val="0"/>
-              </a:spcAft>
-              <a:buSzPts val="1400"/>
-              <a:buNone/>
-            </a:pPr>
-            <a:r>
-              <a:rPr lang="en-US"/>
-              <a:t>And then testing them relentlessly to convince yourself they are doing what you expect them to do.</a:t>
-            </a:r>
-            <a:endParaRPr/>
-          </a:p>
-          <a:p>
-            <a:pPr marL="0" lvl="0" indent="0" algn="l" rtl="0">
-              <a:lnSpc>
-                <a:spcPct val="100000"/>
-              </a:lnSpc>
-              <a:spcBef>
-                <a:spcPts val="0"/>
-              </a:spcBef>
-              <a:spcAft>
-                <a:spcPts val="0"/>
-              </a:spcAft>
-              <a:buSzPts val="1400"/>
-              <a:buNone/>
-            </a:pPr>
-            <a:r>
-              <a:rPr lang="en-US"/>
-              <a:t>Near the end of the series, one of our hours will be dedicated to helping you make your code “bulletproof.”</a:t>
-            </a:r>
-            <a:endParaRPr/>
+            <a:endParaRPr dirty="0"/>
           </a:p>
         </p:txBody>
       </p:sp>
@@ -12966,7 +11183,7 @@
                 <a:cs typeface="Consolas"/>
                 <a:sym typeface="Consolas"/>
               </a:rPr>
-              <a:t>module load R/4.1.1</a:t>
+              <a:t>module load R/4.0.3</a:t>
             </a:r>
             <a:endParaRPr sz="1700" dirty="0">
               <a:latin typeface="Consolas"/>
@@ -17016,7 +15233,7 @@
         <p:spPr>
           <a:xfrm>
             <a:off x="554325" y="873125"/>
-            <a:ext cx="8132400" cy="5433600"/>
+            <a:ext cx="8132400" cy="5432226"/>
           </a:xfrm>
           <a:prstGeom prst="rect">
             <a:avLst/>
@@ -17175,7 +15392,7 @@
                 <a:cs typeface="Consolas"/>
                 <a:sym typeface="Consolas"/>
               </a:rPr>
-              <a:t> create -n &lt;</a:t>
+              <a:t> create -n </a:t>
             </a:r>
             <a:r>
               <a:rPr lang="en-US" sz="1800" dirty="0" err="1">
@@ -17187,7 +15404,7 @@
                 <a:cs typeface="Consolas"/>
                 <a:sym typeface="Consolas"/>
               </a:rPr>
-              <a:t>environment_name</a:t>
+              <a:t>automate_env</a:t>
             </a:r>
             <a:r>
               <a:rPr lang="en-US" sz="1800" dirty="0">
@@ -17199,7 +15416,7 @@
                 <a:cs typeface="Consolas"/>
                 <a:sym typeface="Consolas"/>
               </a:rPr>
-              <a:t>&gt; r-essentials r-base</a:t>
+              <a:t> r-essentials r-base</a:t>
             </a:r>
             <a:endParaRPr sz="1800" dirty="0">
               <a:solidFill>
@@ -17244,7 +15461,7 @@
                 <a:cs typeface="Consolas"/>
                 <a:sym typeface="Consolas"/>
               </a:rPr>
-              <a:t>source activate &lt;</a:t>
+              <a:t>source activate </a:t>
             </a:r>
             <a:r>
               <a:rPr lang="en-US" sz="1800" dirty="0" err="1">
@@ -17256,21 +15473,9 @@
                 <a:cs typeface="Consolas"/>
                 <a:sym typeface="Consolas"/>
               </a:rPr>
-              <a:t>environment_name</a:t>
+              <a:t>automate_env</a:t>
             </a:r>
-            <a:r>
-              <a:rPr lang="en-US" sz="1800" dirty="0">
-                <a:solidFill>
-                  <a:schemeClr val="dk1"/>
-                </a:solidFill>
-                <a:latin typeface="Consolas"/>
-                <a:ea typeface="Consolas"/>
-                <a:cs typeface="Consolas"/>
-                <a:sym typeface="Consolas"/>
-              </a:rPr>
-              <a:t>&gt;</a:t>
-            </a:r>
-            <a:endParaRPr sz="1800" dirty="0">
+            <a:endParaRPr lang="en-US" sz="1800" dirty="0">
               <a:solidFill>
                 <a:schemeClr val="dk1"/>
               </a:solidFill>
@@ -17329,17 +15534,8 @@
                 <a:cs typeface="Consolas"/>
                 <a:sym typeface="Consolas"/>
               </a:rPr>
-              <a:t> install &lt;any R or python package&gt;</a:t>
+              <a:t> install r-fs</a:t>
             </a:r>
-            <a:endParaRPr sz="1800" dirty="0">
-              <a:solidFill>
-                <a:schemeClr val="dk1"/>
-              </a:solidFill>
-              <a:latin typeface="Consolas"/>
-              <a:ea typeface="Consolas"/>
-              <a:cs typeface="Consolas"/>
-              <a:sym typeface="Consolas"/>
-            </a:endParaRPr>
           </a:p>
           <a:p>
             <a:pPr marL="0" lvl="0" indent="0" algn="l" rtl="0">
@@ -17390,7 +15586,7 @@
                 <a:cs typeface="Consolas"/>
                 <a:sym typeface="Consolas"/>
               </a:rPr>
-              <a:t> install r-</a:t>
+              <a:t> install </a:t>
             </a:r>
             <a:r>
               <a:rPr lang="en-US" sz="1800" dirty="0" err="1">
@@ -17402,7 +15598,7 @@
                 <a:cs typeface="Consolas"/>
                 <a:sym typeface="Consolas"/>
               </a:rPr>
-              <a:t>tidyverse</a:t>
+              <a:t>argparse</a:t>
             </a:r>
             <a:endParaRPr sz="1800" dirty="0">
               <a:solidFill>
@@ -17528,7 +15724,7 @@
                 <a:cs typeface="Consolas"/>
                 <a:sym typeface="Consolas"/>
               </a:rPr>
-              <a:t>source deactivate &lt;</a:t>
+              <a:t>source deactivate </a:t>
             </a:r>
             <a:r>
               <a:rPr lang="en-US" sz="1800" dirty="0" err="1">
@@ -17543,22 +15739,7 @@
                 <a:cs typeface="Consolas"/>
                 <a:sym typeface="Consolas"/>
               </a:rPr>
-              <a:t>environment_name</a:t>
-            </a:r>
-            <a:r>
-              <a:rPr lang="en-US" sz="1800" dirty="0">
-                <a:solidFill>
-                  <a:schemeClr val="dk1"/>
-                </a:solidFill>
-                <a:highlight>
-                  <a:srgbClr val="CCCCCC"/>
-                </a:highlight>
-                <a:latin typeface="Consolas"/>
-                <a:ea typeface="Consolas"/>
-                <a:cs typeface="Consolas"/>
-                <a:sym typeface="Consolas"/>
-              </a:rPr>
-              <a:t>&gt;</a:t>
+              <a:t>automate_env</a:t>
             </a:r>
             <a:endParaRPr sz="1800" dirty="0">
               <a:solidFill>
@@ -17687,7 +15868,7 @@
                 <a:cs typeface="Consolas"/>
                 <a:sym typeface="Consolas"/>
               </a:rPr>
-              <a:t>source activate &lt;</a:t>
+              <a:t>source activate </a:t>
             </a:r>
             <a:r>
               <a:rPr lang="en-US" sz="1800" dirty="0" err="1">
@@ -17702,22 +15883,7 @@
                 <a:cs typeface="Consolas"/>
                 <a:sym typeface="Consolas"/>
               </a:rPr>
-              <a:t>environment_name</a:t>
-            </a:r>
-            <a:r>
-              <a:rPr lang="en-US" sz="1800" dirty="0">
-                <a:solidFill>
-                  <a:schemeClr val="dk1"/>
-                </a:solidFill>
-                <a:highlight>
-                  <a:srgbClr val="CCCCCC"/>
-                </a:highlight>
-                <a:latin typeface="Consolas"/>
-                <a:ea typeface="Consolas"/>
-                <a:cs typeface="Consolas"/>
-                <a:sym typeface="Consolas"/>
-              </a:rPr>
-              <a:t>&gt;</a:t>
+              <a:t>automate_env</a:t>
             </a:r>
             <a:endParaRPr sz="1800" dirty="0">
               <a:solidFill>
@@ -18321,7 +16487,7 @@
         <p14:flip dir="l"/>
       </p:transition>
     </mc:Choice>
-    <mc:Fallback xmlns:ahyp="http://schemas.microsoft.com/office/drawing/2018/hyperlinkcolor" xmlns:p15="http://schemas.microsoft.com/office/powerpoint/2012/main" xmlns:com="http://schemas.openxmlformats.org/drawingml/2006/compatibility" xmlns:pvml="urn:schemas-microsoft-com:office:powerpoint" xmlns:v="urn:schemas-microsoft-com:vml" xmlns:o="urn:schemas-microsoft-com:office:office" xmlns:dgm="http://schemas.openxmlformats.org/drawingml/2006/diagram" xmlns:c="http://schemas.openxmlformats.org/drawingml/2006/chart" xmlns:mv="urn:schemas-microsoft-com:mac:vml" xmlns="">
+    <mc:Fallback xmlns="" xmlns:mv="urn:schemas-microsoft-com:mac:vml" xmlns:c="http://schemas.openxmlformats.org/drawingml/2006/chart" xmlns:dgm="http://schemas.openxmlformats.org/drawingml/2006/diagram" xmlns:o="urn:schemas-microsoft-com:office:office" xmlns:v="urn:schemas-microsoft-com:vml" xmlns:pvml="urn:schemas-microsoft-com:office:powerpoint" xmlns:com="http://schemas.openxmlformats.org/drawingml/2006/compatibility" xmlns:p15="http://schemas.microsoft.com/office/powerpoint/2012/main" xmlns:ahyp="http://schemas.microsoft.com/office/drawing/2018/hyperlinkcolor">
       <p:transition spd="slow">
         <p:fade/>
       </p:transition>
@@ -19618,7 +17784,7 @@
                 <a:cs typeface="Consolas"/>
                 <a:sym typeface="Consolas"/>
               </a:rPr>
-              <a:t>module avail R/4.1.1</a:t>
+              <a:t>module avail R/4.0.3</a:t>
             </a:r>
             <a:endParaRPr sz="1800" dirty="0">
               <a:solidFill>

--- a/Session4_Automate/Session4_Automation.pptx
+++ b/Session4_Automate/Session4_Automation.pptx
@@ -5,7 +5,7 @@
     <p:sldMasterId id="2147483648" r:id="rId1"/>
   </p:sldMasterIdLst>
   <p:notesMasterIdLst>
-    <p:notesMasterId r:id="rId21"/>
+    <p:notesMasterId r:id="rId24"/>
   </p:notesMasterIdLst>
   <p:sldIdLst>
     <p:sldId id="271" r:id="rId2"/>
@@ -14,43 +14,46 @@
     <p:sldId id="275" r:id="rId5"/>
     <p:sldId id="259" r:id="rId6"/>
     <p:sldId id="262" r:id="rId7"/>
-    <p:sldId id="278" r:id="rId8"/>
-    <p:sldId id="263" r:id="rId9"/>
-    <p:sldId id="279" r:id="rId10"/>
-    <p:sldId id="264" r:id="rId11"/>
-    <p:sldId id="266" r:id="rId12"/>
-    <p:sldId id="281" r:id="rId13"/>
-    <p:sldId id="270" r:id="rId14"/>
-    <p:sldId id="267" r:id="rId15"/>
-    <p:sldId id="268" r:id="rId16"/>
-    <p:sldId id="269" r:id="rId17"/>
-    <p:sldId id="280" r:id="rId18"/>
-    <p:sldId id="277" r:id="rId19"/>
-    <p:sldId id="265" r:id="rId20"/>
+    <p:sldId id="282" r:id="rId8"/>
+    <p:sldId id="278" r:id="rId9"/>
+    <p:sldId id="263" r:id="rId10"/>
+    <p:sldId id="279" r:id="rId11"/>
+    <p:sldId id="264" r:id="rId12"/>
+    <p:sldId id="266" r:id="rId13"/>
+    <p:sldId id="283" r:id="rId14"/>
+    <p:sldId id="281" r:id="rId15"/>
+    <p:sldId id="270" r:id="rId16"/>
+    <p:sldId id="267" r:id="rId17"/>
+    <p:sldId id="268" r:id="rId18"/>
+    <p:sldId id="269" r:id="rId19"/>
+    <p:sldId id="284" r:id="rId20"/>
+    <p:sldId id="280" r:id="rId21"/>
+    <p:sldId id="277" r:id="rId22"/>
+    <p:sldId id="265" r:id="rId23"/>
   </p:sldIdLst>
   <p:sldSz cx="9144000" cy="6858000" type="screen4x3"/>
   <p:notesSz cx="7010400" cy="9236075"/>
   <p:embeddedFontLst>
     <p:embeddedFont>
       <p:font typeface="Calibri" panose="020F0502020204030204" pitchFamily="34" charset="0"/>
-      <p:regular r:id="rId22"/>
-      <p:bold r:id="rId23"/>
-      <p:italic r:id="rId24"/>
-      <p:boldItalic r:id="rId25"/>
+      <p:regular r:id="rId25"/>
+      <p:bold r:id="rId26"/>
+      <p:italic r:id="rId27"/>
+      <p:boldItalic r:id="rId28"/>
     </p:embeddedFont>
     <p:embeddedFont>
       <p:font typeface="Consolas" panose="020B0609020204030204" pitchFamily="49" charset="0"/>
-      <p:regular r:id="rId26"/>
-      <p:bold r:id="rId27"/>
-      <p:italic r:id="rId28"/>
-      <p:boldItalic r:id="rId29"/>
+      <p:regular r:id="rId29"/>
+      <p:bold r:id="rId30"/>
+      <p:italic r:id="rId31"/>
+      <p:boldItalic r:id="rId32"/>
     </p:embeddedFont>
     <p:embeddedFont>
       <p:font typeface="Roboto Medium" panose="020F0502020204030204" pitchFamily="34" charset="0"/>
-      <p:regular r:id="rId30"/>
-      <p:bold r:id="rId31"/>
-      <p:italic r:id="rId32"/>
-      <p:boldItalic r:id="rId33"/>
+      <p:regular r:id="rId33"/>
+      <p:bold r:id="rId34"/>
+      <p:italic r:id="rId35"/>
+      <p:boldItalic r:id="rId36"/>
     </p:embeddedFont>
   </p:embeddedFontLst>
   <p:defaultTextStyle>
@@ -298,7 +301,7 @@
       </p15:sldGuideLst>
     </p:ext>
     <p:ext uri="http://customooxmlschemas.google.com/">
-      <go:slidesCustomData xmlns="" xmlns:mc="http://schemas.openxmlformats.org/markup-compatibility/2006" xmlns:mv="urn:schemas-microsoft-com:mac:vml" xmlns:c="http://schemas.openxmlformats.org/drawingml/2006/chart" xmlns:dgm="http://schemas.openxmlformats.org/drawingml/2006/diagram" xmlns:o="urn:schemas-microsoft-com:office:office" xmlns:v="urn:schemas-microsoft-com:vml" xmlns:pvml="urn:schemas-microsoft-com:office:powerpoint" xmlns:com="http://schemas.openxmlformats.org/drawingml/2006/compatibility" xmlns:p14="http://schemas.microsoft.com/office/powerpoint/2010/main" xmlns:p15="http://schemas.microsoft.com/office/powerpoint/2012/main" xmlns:ahyp="http://schemas.microsoft.com/office/drawing/2018/hyperlinkcolor" xmlns:go="http://customooxmlschemas.google.com/" r:id="rId34" roundtripDataSignature="AMtx7mgJb/dxg8SBACTioISI2Z3PoJo6hg=="/>
+      <go:slidesCustomData xmlns:go="http://customooxmlschemas.google.com/" xmlns:ahyp="http://schemas.microsoft.com/office/drawing/2018/hyperlinkcolor" xmlns:p15="http://schemas.microsoft.com/office/powerpoint/2012/main" xmlns:p14="http://schemas.microsoft.com/office/powerpoint/2010/main" xmlns:com="http://schemas.openxmlformats.org/drawingml/2006/compatibility" xmlns:pvml="urn:schemas-microsoft-com:office:powerpoint" xmlns:v="urn:schemas-microsoft-com:vml" xmlns:o="urn:schemas-microsoft-com:office:office" xmlns:dgm="http://schemas.openxmlformats.org/drawingml/2006/diagram" xmlns:c="http://schemas.openxmlformats.org/drawingml/2006/chart" xmlns:mv="urn:schemas-microsoft-com:mac:vml" xmlns:mc="http://schemas.openxmlformats.org/markup-compatibility/2006" xmlns="" r:id="rId37" roundtripDataSignature="AMtx7mgJb/dxg8SBACTioISI2Z3PoJo6hg=="/>
     </p:ext>
   </p:extLst>
 </p:presentation>
@@ -1934,6 +1937,355 @@
   <p:cSld>
     <p:spTree>
       <p:nvGrpSpPr>
+        <p:cNvPr id="1" name="Shape 97"/>
+        <p:cNvGrpSpPr/>
+        <p:nvPr/>
+      </p:nvGrpSpPr>
+      <p:grpSpPr>
+        <a:xfrm>
+          <a:off x="0" y="0"/>
+          <a:ext cx="0" cy="0"/>
+          <a:chOff x="0" y="0"/>
+          <a:chExt cx="0" cy="0"/>
+        </a:xfrm>
+      </p:grpSpPr>
+      <p:sp>
+        <p:nvSpPr>
+          <p:cNvPr id="98" name="Google Shape;98;ge6d407e7a1_0_0:notes"/>
+          <p:cNvSpPr>
+            <a:spLocks noGrp="1" noRot="1" noChangeAspect="1"/>
+          </p:cNvSpPr>
+          <p:nvPr>
+            <p:ph type="sldImg" idx="2"/>
+          </p:nvPr>
+        </p:nvSpPr>
+        <p:spPr>
+          <a:xfrm>
+            <a:off x="1195388" y="692150"/>
+            <a:ext cx="4619625" cy="3463925"/>
+          </a:xfrm>
+          <a:custGeom>
+            <a:avLst/>
+            <a:gdLst/>
+            <a:ahLst/>
+            <a:cxnLst/>
+            <a:rect l="l" t="t" r="r" b="b"/>
+            <a:pathLst>
+              <a:path w="120000" h="120000" extrusionOk="0">
+                <a:moveTo>
+                  <a:pt x="0" y="0"/>
+                </a:moveTo>
+                <a:lnTo>
+                  <a:pt x="120000" y="0"/>
+                </a:lnTo>
+                <a:lnTo>
+                  <a:pt x="120000" y="120000"/>
+                </a:lnTo>
+                <a:lnTo>
+                  <a:pt x="0" y="120000"/>
+                </a:lnTo>
+                <a:close/>
+              </a:path>
+            </a:pathLst>
+          </a:custGeom>
+          <a:noFill/>
+          <a:ln w="12700" cap="flat" cmpd="sng">
+            <a:solidFill>
+              <a:srgbClr val="000000"/>
+            </a:solidFill>
+            <a:prstDash val="solid"/>
+            <a:round/>
+            <a:headEnd type="none" w="sm" len="sm"/>
+            <a:tailEnd type="none" w="sm" len="sm"/>
+          </a:ln>
+        </p:spPr>
+      </p:sp>
+      <p:sp>
+        <p:nvSpPr>
+          <p:cNvPr id="99" name="Google Shape;99;ge6d407e7a1_0_0:notes"/>
+          <p:cNvSpPr txBox="1">
+            <a:spLocks noGrp="1"/>
+          </p:cNvSpPr>
+          <p:nvPr>
+            <p:ph type="body" idx="1"/>
+          </p:nvPr>
+        </p:nvSpPr>
+        <p:spPr>
+          <a:xfrm>
+            <a:off x="701040" y="4387136"/>
+            <a:ext cx="5608200" cy="4156200"/>
+          </a:xfrm>
+          <a:prstGeom prst="rect">
+            <a:avLst/>
+          </a:prstGeom>
+          <a:noFill/>
+          <a:ln>
+            <a:noFill/>
+          </a:ln>
+        </p:spPr>
+        <p:txBody>
+          <a:bodyPr spcFirstLastPara="1" wrap="square" lIns="93175" tIns="46575" rIns="93175" bIns="46575" anchor="t" anchorCtr="0">
+            <a:noAutofit/>
+          </a:bodyPr>
+          <a:lstStyle/>
+          <a:p>
+            <a:pPr marL="0" lvl="0" indent="0" algn="l" rtl="0">
+              <a:lnSpc>
+                <a:spcPct val="100000"/>
+              </a:lnSpc>
+              <a:spcBef>
+                <a:spcPts val="0"/>
+              </a:spcBef>
+              <a:spcAft>
+                <a:spcPts val="0"/>
+              </a:spcAft>
+              <a:buSzPts val="1400"/>
+              <a:buNone/>
+            </a:pPr>
+            <a:endParaRPr dirty="0"/>
+          </a:p>
+        </p:txBody>
+      </p:sp>
+      <p:sp>
+        <p:nvSpPr>
+          <p:cNvPr id="100" name="Google Shape;100;ge6d407e7a1_0_0:notes"/>
+          <p:cNvSpPr txBox="1">
+            <a:spLocks noGrp="1"/>
+          </p:cNvSpPr>
+          <p:nvPr>
+            <p:ph type="sldNum" idx="12"/>
+          </p:nvPr>
+        </p:nvSpPr>
+        <p:spPr>
+          <a:xfrm>
+            <a:off x="3970938" y="8772669"/>
+            <a:ext cx="3037800" cy="461700"/>
+          </a:xfrm>
+          <a:prstGeom prst="rect">
+            <a:avLst/>
+          </a:prstGeom>
+          <a:noFill/>
+          <a:ln>
+            <a:noFill/>
+          </a:ln>
+        </p:spPr>
+        <p:txBody>
+          <a:bodyPr spcFirstLastPara="1" wrap="square" lIns="93175" tIns="46575" rIns="93175" bIns="46575" anchor="b" anchorCtr="0">
+            <a:noAutofit/>
+          </a:bodyPr>
+          <a:lstStyle/>
+          <a:p>
+            <a:pPr marL="0" lvl="0" indent="0" algn="r" rtl="0">
+              <a:lnSpc>
+                <a:spcPct val="100000"/>
+              </a:lnSpc>
+              <a:spcBef>
+                <a:spcPts val="0"/>
+              </a:spcBef>
+              <a:spcAft>
+                <a:spcPts val="0"/>
+              </a:spcAft>
+              <a:buSzPts val="1400"/>
+              <a:buNone/>
+            </a:pPr>
+            <a:fld id="{00000000-1234-1234-1234-123412341234}" type="slidenum">
+              <a:rPr lang="en-US"/>
+              <a:t>13</a:t>
+            </a:fld>
+            <a:endParaRPr/>
+          </a:p>
+        </p:txBody>
+      </p:sp>
+    </p:spTree>
+    <p:extLst>
+      <p:ext uri="{BB962C8B-B14F-4D97-AF65-F5344CB8AC3E}">
+        <p14:creationId xmlns:p14="http://schemas.microsoft.com/office/powerpoint/2010/main" val="3622118230"/>
+      </p:ext>
+    </p:extLst>
+  </p:cSld>
+  <p:clrMapOvr>
+    <a:masterClrMapping/>
+  </p:clrMapOvr>
+</p:notes>
+</file>
+
+<file path=ppt/notesSlides/notesSlide11.xml><?xml version="1.0" encoding="utf-8"?>
+<p:notes xmlns:a="http://schemas.openxmlformats.org/drawingml/2006/main" xmlns:r="http://schemas.openxmlformats.org/officeDocument/2006/relationships" xmlns:p="http://schemas.openxmlformats.org/presentationml/2006/main" showMasterSp="0" showMasterPhAnim="0">
+  <p:cSld>
+    <p:spTree>
+      <p:nvGrpSpPr>
+        <p:cNvPr id="1" name="Shape 171"/>
+        <p:cNvGrpSpPr/>
+        <p:nvPr/>
+      </p:nvGrpSpPr>
+      <p:grpSpPr>
+        <a:xfrm>
+          <a:off x="0" y="0"/>
+          <a:ext cx="0" cy="0"/>
+          <a:chOff x="0" y="0"/>
+          <a:chExt cx="0" cy="0"/>
+        </a:xfrm>
+      </p:grpSpPr>
+      <p:sp>
+        <p:nvSpPr>
+          <p:cNvPr id="172" name="Google Shape;172;ge6d407e7a1_0_73:notes"/>
+          <p:cNvSpPr>
+            <a:spLocks noGrp="1" noRot="1" noChangeAspect="1"/>
+          </p:cNvSpPr>
+          <p:nvPr>
+            <p:ph type="sldImg" idx="2"/>
+          </p:nvPr>
+        </p:nvSpPr>
+        <p:spPr>
+          <a:xfrm>
+            <a:off x="1195388" y="692150"/>
+            <a:ext cx="4619625" cy="3463925"/>
+          </a:xfrm>
+          <a:custGeom>
+            <a:avLst/>
+            <a:gdLst/>
+            <a:ahLst/>
+            <a:cxnLst/>
+            <a:rect l="l" t="t" r="r" b="b"/>
+            <a:pathLst>
+              <a:path w="120000" h="120000" extrusionOk="0">
+                <a:moveTo>
+                  <a:pt x="0" y="0"/>
+                </a:moveTo>
+                <a:lnTo>
+                  <a:pt x="120000" y="0"/>
+                </a:lnTo>
+                <a:lnTo>
+                  <a:pt x="120000" y="120000"/>
+                </a:lnTo>
+                <a:lnTo>
+                  <a:pt x="0" y="120000"/>
+                </a:lnTo>
+                <a:close/>
+              </a:path>
+            </a:pathLst>
+          </a:custGeom>
+          <a:noFill/>
+          <a:ln w="12700" cap="flat" cmpd="sng">
+            <a:solidFill>
+              <a:srgbClr val="000000"/>
+            </a:solidFill>
+            <a:prstDash val="solid"/>
+            <a:round/>
+            <a:headEnd type="none" w="sm" len="sm"/>
+            <a:tailEnd type="none" w="sm" len="sm"/>
+          </a:ln>
+        </p:spPr>
+      </p:sp>
+      <p:sp>
+        <p:nvSpPr>
+          <p:cNvPr id="173" name="Google Shape;173;ge6d407e7a1_0_73:notes"/>
+          <p:cNvSpPr txBox="1">
+            <a:spLocks noGrp="1"/>
+          </p:cNvSpPr>
+          <p:nvPr>
+            <p:ph type="body" idx="1"/>
+          </p:nvPr>
+        </p:nvSpPr>
+        <p:spPr>
+          <a:xfrm>
+            <a:off x="701040" y="4387136"/>
+            <a:ext cx="5608200" cy="4156200"/>
+          </a:xfrm>
+          <a:prstGeom prst="rect">
+            <a:avLst/>
+          </a:prstGeom>
+          <a:noFill/>
+          <a:ln>
+            <a:noFill/>
+          </a:ln>
+        </p:spPr>
+        <p:txBody>
+          <a:bodyPr spcFirstLastPara="1" wrap="square" lIns="93175" tIns="46575" rIns="93175" bIns="46575" anchor="t" anchorCtr="0">
+            <a:noAutofit/>
+          </a:bodyPr>
+          <a:lstStyle/>
+          <a:p>
+            <a:pPr marL="0" lvl="0" indent="0" algn="l" rtl="0">
+              <a:lnSpc>
+                <a:spcPct val="100000"/>
+              </a:lnSpc>
+              <a:spcBef>
+                <a:spcPts val="0"/>
+              </a:spcBef>
+              <a:spcAft>
+                <a:spcPts val="0"/>
+              </a:spcAft>
+              <a:buSzPts val="1400"/>
+              <a:buNone/>
+            </a:pPr>
+            <a:endParaRPr dirty="0"/>
+          </a:p>
+        </p:txBody>
+      </p:sp>
+      <p:sp>
+        <p:nvSpPr>
+          <p:cNvPr id="174" name="Google Shape;174;ge6d407e7a1_0_73:notes"/>
+          <p:cNvSpPr txBox="1">
+            <a:spLocks noGrp="1"/>
+          </p:cNvSpPr>
+          <p:nvPr>
+            <p:ph type="sldNum" idx="12"/>
+          </p:nvPr>
+        </p:nvSpPr>
+        <p:spPr>
+          <a:xfrm>
+            <a:off x="3970938" y="8772669"/>
+            <a:ext cx="3037800" cy="461700"/>
+          </a:xfrm>
+          <a:prstGeom prst="rect">
+            <a:avLst/>
+          </a:prstGeom>
+          <a:noFill/>
+          <a:ln>
+            <a:noFill/>
+          </a:ln>
+        </p:spPr>
+        <p:txBody>
+          <a:bodyPr spcFirstLastPara="1" wrap="square" lIns="93175" tIns="46575" rIns="93175" bIns="46575" anchor="b" anchorCtr="0">
+            <a:noAutofit/>
+          </a:bodyPr>
+          <a:lstStyle/>
+          <a:p>
+            <a:pPr marL="0" lvl="0" indent="0" algn="r" rtl="0">
+              <a:lnSpc>
+                <a:spcPct val="100000"/>
+              </a:lnSpc>
+              <a:spcBef>
+                <a:spcPts val="0"/>
+              </a:spcBef>
+              <a:spcAft>
+                <a:spcPts val="0"/>
+              </a:spcAft>
+              <a:buSzPts val="1400"/>
+              <a:buNone/>
+            </a:pPr>
+            <a:fld id="{00000000-1234-1234-1234-123412341234}" type="slidenum">
+              <a:rPr lang="en-US"/>
+              <a:t>15</a:t>
+            </a:fld>
+            <a:endParaRPr/>
+          </a:p>
+        </p:txBody>
+      </p:sp>
+    </p:spTree>
+  </p:cSld>
+  <p:clrMapOvr>
+    <a:masterClrMapping/>
+  </p:clrMapOvr>
+</p:notes>
+</file>
+
+<file path=ppt/notesSlides/notesSlide12.xml><?xml version="1.0" encoding="utf-8"?>
+<p:notes xmlns:a="http://schemas.openxmlformats.org/drawingml/2006/main" xmlns:r="http://schemas.openxmlformats.org/officeDocument/2006/relationships" xmlns:p="http://schemas.openxmlformats.org/presentationml/2006/main" showMasterSp="0" showMasterPhAnim="0">
+  <p:cSld>
+    <p:spTree>
+      <p:nvGrpSpPr>
         <p:cNvPr id="1" name="Shape 143"/>
         <p:cNvGrpSpPr/>
         <p:nvPr/>
@@ -2087,7 +2439,7 @@
             </a:pPr>
             <a:fld id="{00000000-1234-1234-1234-123412341234}" type="slidenum">
               <a:rPr lang="en-US"/>
-              <a:t>14</a:t>
+              <a:t>16</a:t>
             </a:fld>
             <a:endParaRPr/>
           </a:p>
@@ -2101,7 +2453,7 @@
 </p:notes>
 </file>
 
-<file path=ppt/notesSlides/notesSlide11.xml><?xml version="1.0" encoding="utf-8"?>
+<file path=ppt/notesSlides/notesSlide13.xml><?xml version="1.0" encoding="utf-8"?>
 <p:notes xmlns:a="http://schemas.openxmlformats.org/drawingml/2006/main" xmlns:r="http://schemas.openxmlformats.org/officeDocument/2006/relationships" xmlns:p="http://schemas.openxmlformats.org/presentationml/2006/main" showMasterSp="0" showMasterPhAnim="0">
   <p:cSld>
     <p:spTree>
@@ -2259,7 +2611,7 @@
             </a:pPr>
             <a:fld id="{00000000-1234-1234-1234-123412341234}" type="slidenum">
               <a:rPr lang="en-US"/>
-              <a:t>15</a:t>
+              <a:t>17</a:t>
             </a:fld>
             <a:endParaRPr/>
           </a:p>
@@ -2273,7 +2625,7 @@
 </p:notes>
 </file>
 
-<file path=ppt/notesSlides/notesSlide12.xml><?xml version="1.0" encoding="utf-8"?>
+<file path=ppt/notesSlides/notesSlide14.xml><?xml version="1.0" encoding="utf-8"?>
 <p:notes xmlns:a="http://schemas.openxmlformats.org/drawingml/2006/main" xmlns:r="http://schemas.openxmlformats.org/officeDocument/2006/relationships" xmlns:p="http://schemas.openxmlformats.org/presentationml/2006/main" showMasterSp="0" showMasterPhAnim="0">
   <p:cSld>
     <p:spTree>
@@ -2431,7 +2783,7 @@
             </a:pPr>
             <a:fld id="{00000000-1234-1234-1234-123412341234}" type="slidenum">
               <a:rPr lang="en-US"/>
-              <a:t>16</a:t>
+              <a:t>18</a:t>
             </a:fld>
             <a:endParaRPr/>
           </a:p>
@@ -2445,7 +2797,7 @@
 </p:notes>
 </file>
 
-<file path=ppt/notesSlides/notesSlide13.xml><?xml version="1.0" encoding="utf-8"?>
+<file path=ppt/notesSlides/notesSlide15.xml><?xml version="1.0" encoding="utf-8"?>
 <p:notes xmlns:a="http://schemas.openxmlformats.org/drawingml/2006/main" xmlns:r="http://schemas.openxmlformats.org/officeDocument/2006/relationships" xmlns:p="http://schemas.openxmlformats.org/presentationml/2006/main" showMasterSp="0" showMasterPhAnim="0">
   <p:cSld>
     <p:spTree>
@@ -2603,7 +2955,184 @@
             </a:pPr>
             <a:fld id="{00000000-1234-1234-1234-123412341234}" type="slidenum">
               <a:rPr lang="en-US"/>
-              <a:t>18</a:t>
+              <a:t>19</a:t>
+            </a:fld>
+            <a:endParaRPr/>
+          </a:p>
+        </p:txBody>
+      </p:sp>
+    </p:spTree>
+    <p:extLst>
+      <p:ext uri="{BB962C8B-B14F-4D97-AF65-F5344CB8AC3E}">
+        <p14:creationId xmlns:p14="http://schemas.microsoft.com/office/powerpoint/2010/main" val="2781525287"/>
+      </p:ext>
+    </p:extLst>
+  </p:cSld>
+  <p:clrMapOvr>
+    <a:masterClrMapping/>
+  </p:clrMapOvr>
+</p:notes>
+</file>
+
+<file path=ppt/notesSlides/notesSlide16.xml><?xml version="1.0" encoding="utf-8"?>
+<p:notes xmlns:a="http://schemas.openxmlformats.org/drawingml/2006/main" xmlns:r="http://schemas.openxmlformats.org/officeDocument/2006/relationships" xmlns:p="http://schemas.openxmlformats.org/presentationml/2006/main" showMasterSp="0" showMasterPhAnim="0">
+  <p:cSld>
+    <p:spTree>
+      <p:nvGrpSpPr>
+        <p:cNvPr id="1" name="Shape 97"/>
+        <p:cNvGrpSpPr/>
+        <p:nvPr/>
+      </p:nvGrpSpPr>
+      <p:grpSpPr>
+        <a:xfrm>
+          <a:off x="0" y="0"/>
+          <a:ext cx="0" cy="0"/>
+          <a:chOff x="0" y="0"/>
+          <a:chExt cx="0" cy="0"/>
+        </a:xfrm>
+      </p:grpSpPr>
+      <p:sp>
+        <p:nvSpPr>
+          <p:cNvPr id="98" name="Google Shape;98;ge6d407e7a1_0_0:notes"/>
+          <p:cNvSpPr>
+            <a:spLocks noGrp="1" noRot="1" noChangeAspect="1"/>
+          </p:cNvSpPr>
+          <p:nvPr>
+            <p:ph type="sldImg" idx="2"/>
+          </p:nvPr>
+        </p:nvSpPr>
+        <p:spPr>
+          <a:xfrm>
+            <a:off x="1195388" y="692150"/>
+            <a:ext cx="4619625" cy="3463925"/>
+          </a:xfrm>
+          <a:custGeom>
+            <a:avLst/>
+            <a:gdLst/>
+            <a:ahLst/>
+            <a:cxnLst/>
+            <a:rect l="l" t="t" r="r" b="b"/>
+            <a:pathLst>
+              <a:path w="120000" h="120000" extrusionOk="0">
+                <a:moveTo>
+                  <a:pt x="0" y="0"/>
+                </a:moveTo>
+                <a:lnTo>
+                  <a:pt x="120000" y="0"/>
+                </a:lnTo>
+                <a:lnTo>
+                  <a:pt x="120000" y="120000"/>
+                </a:lnTo>
+                <a:lnTo>
+                  <a:pt x="0" y="120000"/>
+                </a:lnTo>
+                <a:close/>
+              </a:path>
+            </a:pathLst>
+          </a:custGeom>
+          <a:noFill/>
+          <a:ln w="12700" cap="flat" cmpd="sng">
+            <a:solidFill>
+              <a:srgbClr val="000000"/>
+            </a:solidFill>
+            <a:prstDash val="solid"/>
+            <a:round/>
+            <a:headEnd type="none" w="sm" len="sm"/>
+            <a:tailEnd type="none" w="sm" len="sm"/>
+          </a:ln>
+        </p:spPr>
+      </p:sp>
+      <p:sp>
+        <p:nvSpPr>
+          <p:cNvPr id="99" name="Google Shape;99;ge6d407e7a1_0_0:notes"/>
+          <p:cNvSpPr txBox="1">
+            <a:spLocks noGrp="1"/>
+          </p:cNvSpPr>
+          <p:nvPr>
+            <p:ph type="body" idx="1"/>
+          </p:nvPr>
+        </p:nvSpPr>
+        <p:spPr>
+          <a:xfrm>
+            <a:off x="701040" y="4387136"/>
+            <a:ext cx="5608200" cy="4156200"/>
+          </a:xfrm>
+          <a:prstGeom prst="rect">
+            <a:avLst/>
+          </a:prstGeom>
+          <a:noFill/>
+          <a:ln>
+            <a:noFill/>
+          </a:ln>
+        </p:spPr>
+        <p:txBody>
+          <a:bodyPr spcFirstLastPara="1" wrap="square" lIns="93175" tIns="46575" rIns="93175" bIns="46575" anchor="t" anchorCtr="0">
+            <a:noAutofit/>
+          </a:bodyPr>
+          <a:lstStyle/>
+          <a:p>
+            <a:pPr marL="0" lvl="0" indent="0" algn="l" rtl="0">
+              <a:lnSpc>
+                <a:spcPct val="100000"/>
+              </a:lnSpc>
+              <a:spcBef>
+                <a:spcPts val="0"/>
+              </a:spcBef>
+              <a:spcAft>
+                <a:spcPts val="0"/>
+              </a:spcAft>
+              <a:buSzPts val="1400"/>
+              <a:buNone/>
+            </a:pPr>
+            <a:endParaRPr dirty="0"/>
+          </a:p>
+        </p:txBody>
+      </p:sp>
+      <p:sp>
+        <p:nvSpPr>
+          <p:cNvPr id="100" name="Google Shape;100;ge6d407e7a1_0_0:notes"/>
+          <p:cNvSpPr txBox="1">
+            <a:spLocks noGrp="1"/>
+          </p:cNvSpPr>
+          <p:nvPr>
+            <p:ph type="sldNum" idx="12"/>
+          </p:nvPr>
+        </p:nvSpPr>
+        <p:spPr>
+          <a:xfrm>
+            <a:off x="3970938" y="8772669"/>
+            <a:ext cx="3037800" cy="461700"/>
+          </a:xfrm>
+          <a:prstGeom prst="rect">
+            <a:avLst/>
+          </a:prstGeom>
+          <a:noFill/>
+          <a:ln>
+            <a:noFill/>
+          </a:ln>
+        </p:spPr>
+        <p:txBody>
+          <a:bodyPr spcFirstLastPara="1" wrap="square" lIns="93175" tIns="46575" rIns="93175" bIns="46575" anchor="b" anchorCtr="0">
+            <a:noAutofit/>
+          </a:bodyPr>
+          <a:lstStyle/>
+          <a:p>
+            <a:pPr marL="0" lvl="0" indent="0" algn="r" rtl="0">
+              <a:lnSpc>
+                <a:spcPct val="100000"/>
+              </a:lnSpc>
+              <a:spcBef>
+                <a:spcPts val="0"/>
+              </a:spcBef>
+              <a:spcAft>
+                <a:spcPts val="0"/>
+              </a:spcAft>
+              <a:buSzPts val="1400"/>
+              <a:buNone/>
+            </a:pPr>
+            <a:fld id="{00000000-1234-1234-1234-123412341234}" type="slidenum">
+              <a:rPr lang="en-US"/>
+              <a:t>21</a:t>
             </a:fld>
             <a:endParaRPr/>
           </a:p>
@@ -2622,7 +3151,7 @@
 </p:notes>
 </file>
 
-<file path=ppt/notesSlides/notesSlide14.xml><?xml version="1.0" encoding="utf-8"?>
+<file path=ppt/notesSlides/notesSlide17.xml><?xml version="1.0" encoding="utf-8"?>
 <p:notes xmlns:a="http://schemas.openxmlformats.org/drawingml/2006/main" xmlns:r="http://schemas.openxmlformats.org/officeDocument/2006/relationships" xmlns:p="http://schemas.openxmlformats.org/presentationml/2006/main" showMasterSp="0" showMasterPhAnim="0">
   <p:cSld>
     <p:spTree>
@@ -2780,7 +3309,7 @@
             </a:pPr>
             <a:fld id="{00000000-1234-1234-1234-123412341234}" type="slidenum">
               <a:rPr lang="en-US"/>
-              <a:t>19</a:t>
+              <a:t>22</a:t>
             </a:fld>
             <a:endParaRPr/>
           </a:p>
@@ -3502,6 +4031,183 @@
   <p:cSld>
     <p:spTree>
       <p:nvGrpSpPr>
+        <p:cNvPr id="1" name="Shape 97"/>
+        <p:cNvGrpSpPr/>
+        <p:nvPr/>
+      </p:nvGrpSpPr>
+      <p:grpSpPr>
+        <a:xfrm>
+          <a:off x="0" y="0"/>
+          <a:ext cx="0" cy="0"/>
+          <a:chOff x="0" y="0"/>
+          <a:chExt cx="0" cy="0"/>
+        </a:xfrm>
+      </p:grpSpPr>
+      <p:sp>
+        <p:nvSpPr>
+          <p:cNvPr id="98" name="Google Shape;98;ge6d407e7a1_0_0:notes"/>
+          <p:cNvSpPr>
+            <a:spLocks noGrp="1" noRot="1" noChangeAspect="1"/>
+          </p:cNvSpPr>
+          <p:nvPr>
+            <p:ph type="sldImg" idx="2"/>
+          </p:nvPr>
+        </p:nvSpPr>
+        <p:spPr>
+          <a:xfrm>
+            <a:off x="1195388" y="692150"/>
+            <a:ext cx="4619625" cy="3463925"/>
+          </a:xfrm>
+          <a:custGeom>
+            <a:avLst/>
+            <a:gdLst/>
+            <a:ahLst/>
+            <a:cxnLst/>
+            <a:rect l="l" t="t" r="r" b="b"/>
+            <a:pathLst>
+              <a:path w="120000" h="120000" extrusionOk="0">
+                <a:moveTo>
+                  <a:pt x="0" y="0"/>
+                </a:moveTo>
+                <a:lnTo>
+                  <a:pt x="120000" y="0"/>
+                </a:lnTo>
+                <a:lnTo>
+                  <a:pt x="120000" y="120000"/>
+                </a:lnTo>
+                <a:lnTo>
+                  <a:pt x="0" y="120000"/>
+                </a:lnTo>
+                <a:close/>
+              </a:path>
+            </a:pathLst>
+          </a:custGeom>
+          <a:noFill/>
+          <a:ln w="12700" cap="flat" cmpd="sng">
+            <a:solidFill>
+              <a:srgbClr val="000000"/>
+            </a:solidFill>
+            <a:prstDash val="solid"/>
+            <a:round/>
+            <a:headEnd type="none" w="sm" len="sm"/>
+            <a:tailEnd type="none" w="sm" len="sm"/>
+          </a:ln>
+        </p:spPr>
+      </p:sp>
+      <p:sp>
+        <p:nvSpPr>
+          <p:cNvPr id="99" name="Google Shape;99;ge6d407e7a1_0_0:notes"/>
+          <p:cNvSpPr txBox="1">
+            <a:spLocks noGrp="1"/>
+          </p:cNvSpPr>
+          <p:nvPr>
+            <p:ph type="body" idx="1"/>
+          </p:nvPr>
+        </p:nvSpPr>
+        <p:spPr>
+          <a:xfrm>
+            <a:off x="701040" y="4387136"/>
+            <a:ext cx="5608200" cy="4156200"/>
+          </a:xfrm>
+          <a:prstGeom prst="rect">
+            <a:avLst/>
+          </a:prstGeom>
+          <a:noFill/>
+          <a:ln>
+            <a:noFill/>
+          </a:ln>
+        </p:spPr>
+        <p:txBody>
+          <a:bodyPr spcFirstLastPara="1" wrap="square" lIns="93175" tIns="46575" rIns="93175" bIns="46575" anchor="t" anchorCtr="0">
+            <a:noAutofit/>
+          </a:bodyPr>
+          <a:lstStyle/>
+          <a:p>
+            <a:pPr marL="0" lvl="0" indent="0" algn="l" rtl="0">
+              <a:lnSpc>
+                <a:spcPct val="100000"/>
+              </a:lnSpc>
+              <a:spcBef>
+                <a:spcPts val="0"/>
+              </a:spcBef>
+              <a:spcAft>
+                <a:spcPts val="0"/>
+              </a:spcAft>
+              <a:buSzPts val="1400"/>
+              <a:buNone/>
+            </a:pPr>
+            <a:endParaRPr dirty="0"/>
+          </a:p>
+        </p:txBody>
+      </p:sp>
+      <p:sp>
+        <p:nvSpPr>
+          <p:cNvPr id="100" name="Google Shape;100;ge6d407e7a1_0_0:notes"/>
+          <p:cNvSpPr txBox="1">
+            <a:spLocks noGrp="1"/>
+          </p:cNvSpPr>
+          <p:nvPr>
+            <p:ph type="sldNum" idx="12"/>
+          </p:nvPr>
+        </p:nvSpPr>
+        <p:spPr>
+          <a:xfrm>
+            <a:off x="3970938" y="8772669"/>
+            <a:ext cx="3037800" cy="461700"/>
+          </a:xfrm>
+          <a:prstGeom prst="rect">
+            <a:avLst/>
+          </a:prstGeom>
+          <a:noFill/>
+          <a:ln>
+            <a:noFill/>
+          </a:ln>
+        </p:spPr>
+        <p:txBody>
+          <a:bodyPr spcFirstLastPara="1" wrap="square" lIns="93175" tIns="46575" rIns="93175" bIns="46575" anchor="b" anchorCtr="0">
+            <a:noAutofit/>
+          </a:bodyPr>
+          <a:lstStyle/>
+          <a:p>
+            <a:pPr marL="0" lvl="0" indent="0" algn="r" rtl="0">
+              <a:lnSpc>
+                <a:spcPct val="100000"/>
+              </a:lnSpc>
+              <a:spcBef>
+                <a:spcPts val="0"/>
+              </a:spcBef>
+              <a:spcAft>
+                <a:spcPts val="0"/>
+              </a:spcAft>
+              <a:buSzPts val="1400"/>
+              <a:buNone/>
+            </a:pPr>
+            <a:fld id="{00000000-1234-1234-1234-123412341234}" type="slidenum">
+              <a:rPr lang="en-US"/>
+              <a:t>7</a:t>
+            </a:fld>
+            <a:endParaRPr/>
+          </a:p>
+        </p:txBody>
+      </p:sp>
+    </p:spTree>
+    <p:extLst>
+      <p:ext uri="{BB962C8B-B14F-4D97-AF65-F5344CB8AC3E}">
+        <p14:creationId xmlns:p14="http://schemas.microsoft.com/office/powerpoint/2010/main" val="2009141270"/>
+      </p:ext>
+    </p:extLst>
+  </p:cSld>
+  <p:clrMapOvr>
+    <a:masterClrMapping/>
+  </p:clrMapOvr>
+</p:notes>
+</file>
+
+<file path=ppt/notesSlides/notesSlide7.xml><?xml version="1.0" encoding="utf-8"?>
+<p:notes xmlns:a="http://schemas.openxmlformats.org/drawingml/2006/main" xmlns:r="http://schemas.openxmlformats.org/officeDocument/2006/relationships" xmlns:p="http://schemas.openxmlformats.org/presentationml/2006/main" showMasterSp="0" showMasterPhAnim="0">
+  <p:cSld>
+    <p:spTree>
+      <p:nvGrpSpPr>
         <p:cNvPr id="1" name="Shape 106"/>
         <p:cNvGrpSpPr/>
         <p:nvPr/>
@@ -3655,7 +4361,7 @@
             </a:pPr>
             <a:fld id="{00000000-1234-1234-1234-123412341234}" type="slidenum">
               <a:rPr lang="en-US"/>
-              <a:t>8</a:t>
+              <a:t>9</a:t>
             </a:fld>
             <a:endParaRPr/>
           </a:p>
@@ -3669,7 +4375,7 @@
 </p:notes>
 </file>
 
-<file path=ppt/notesSlides/notesSlide7.xml><?xml version="1.0" encoding="utf-8"?>
+<file path=ppt/notesSlides/notesSlide8.xml><?xml version="1.0" encoding="utf-8"?>
 <p:notes xmlns:a="http://schemas.openxmlformats.org/drawingml/2006/main" xmlns:r="http://schemas.openxmlformats.org/officeDocument/2006/relationships" xmlns:p="http://schemas.openxmlformats.org/presentationml/2006/main" showMasterSp="0" showMasterPhAnim="0">
   <p:cSld>
     <p:spTree>
@@ -3827,7 +4533,7 @@
             </a:pPr>
             <a:fld id="{00000000-1234-1234-1234-123412341234}" type="slidenum">
               <a:rPr lang="en-US"/>
-              <a:t>10</a:t>
+              <a:t>11</a:t>
             </a:fld>
             <a:endParaRPr/>
           </a:p>
@@ -3841,7 +4547,7 @@
 </p:notes>
 </file>
 
-<file path=ppt/notesSlides/notesSlide8.xml><?xml version="1.0" encoding="utf-8"?>
+<file path=ppt/notesSlides/notesSlide9.xml><?xml version="1.0" encoding="utf-8"?>
 <p:notes xmlns:a="http://schemas.openxmlformats.org/drawingml/2006/main" xmlns:r="http://schemas.openxmlformats.org/officeDocument/2006/relationships" xmlns:p="http://schemas.openxmlformats.org/presentationml/2006/main" showMasterSp="0" showMasterPhAnim="0">
   <p:cSld>
     <p:spTree>
@@ -3999,179 +4705,7 @@
             </a:pPr>
             <a:fld id="{00000000-1234-1234-1234-123412341234}" type="slidenum">
               <a:rPr lang="en-US"/>
-              <a:t>11</a:t>
-            </a:fld>
-            <a:endParaRPr/>
-          </a:p>
-        </p:txBody>
-      </p:sp>
-    </p:spTree>
-  </p:cSld>
-  <p:clrMapOvr>
-    <a:masterClrMapping/>
-  </p:clrMapOvr>
-</p:notes>
-</file>
-
-<file path=ppt/notesSlides/notesSlide9.xml><?xml version="1.0" encoding="utf-8"?>
-<p:notes xmlns:a="http://schemas.openxmlformats.org/drawingml/2006/main" xmlns:r="http://schemas.openxmlformats.org/officeDocument/2006/relationships" xmlns:p="http://schemas.openxmlformats.org/presentationml/2006/main" showMasterSp="0" showMasterPhAnim="0">
-  <p:cSld>
-    <p:spTree>
-      <p:nvGrpSpPr>
-        <p:cNvPr id="1" name="Shape 171"/>
-        <p:cNvGrpSpPr/>
-        <p:nvPr/>
-      </p:nvGrpSpPr>
-      <p:grpSpPr>
-        <a:xfrm>
-          <a:off x="0" y="0"/>
-          <a:ext cx="0" cy="0"/>
-          <a:chOff x="0" y="0"/>
-          <a:chExt cx="0" cy="0"/>
-        </a:xfrm>
-      </p:grpSpPr>
-      <p:sp>
-        <p:nvSpPr>
-          <p:cNvPr id="172" name="Google Shape;172;ge6d407e7a1_0_73:notes"/>
-          <p:cNvSpPr>
-            <a:spLocks noGrp="1" noRot="1" noChangeAspect="1"/>
-          </p:cNvSpPr>
-          <p:nvPr>
-            <p:ph type="sldImg" idx="2"/>
-          </p:nvPr>
-        </p:nvSpPr>
-        <p:spPr>
-          <a:xfrm>
-            <a:off x="1195388" y="692150"/>
-            <a:ext cx="4619625" cy="3463925"/>
-          </a:xfrm>
-          <a:custGeom>
-            <a:avLst/>
-            <a:gdLst/>
-            <a:ahLst/>
-            <a:cxnLst/>
-            <a:rect l="l" t="t" r="r" b="b"/>
-            <a:pathLst>
-              <a:path w="120000" h="120000" extrusionOk="0">
-                <a:moveTo>
-                  <a:pt x="0" y="0"/>
-                </a:moveTo>
-                <a:lnTo>
-                  <a:pt x="120000" y="0"/>
-                </a:lnTo>
-                <a:lnTo>
-                  <a:pt x="120000" y="120000"/>
-                </a:lnTo>
-                <a:lnTo>
-                  <a:pt x="0" y="120000"/>
-                </a:lnTo>
-                <a:close/>
-              </a:path>
-            </a:pathLst>
-          </a:custGeom>
-          <a:noFill/>
-          <a:ln w="12700" cap="flat" cmpd="sng">
-            <a:solidFill>
-              <a:srgbClr val="000000"/>
-            </a:solidFill>
-            <a:prstDash val="solid"/>
-            <a:round/>
-            <a:headEnd type="none" w="sm" len="sm"/>
-            <a:tailEnd type="none" w="sm" len="sm"/>
-          </a:ln>
-        </p:spPr>
-      </p:sp>
-      <p:sp>
-        <p:nvSpPr>
-          <p:cNvPr id="173" name="Google Shape;173;ge6d407e7a1_0_73:notes"/>
-          <p:cNvSpPr txBox="1">
-            <a:spLocks noGrp="1"/>
-          </p:cNvSpPr>
-          <p:nvPr>
-            <p:ph type="body" idx="1"/>
-          </p:nvPr>
-        </p:nvSpPr>
-        <p:spPr>
-          <a:xfrm>
-            <a:off x="701040" y="4387136"/>
-            <a:ext cx="5608200" cy="4156200"/>
-          </a:xfrm>
-          <a:prstGeom prst="rect">
-            <a:avLst/>
-          </a:prstGeom>
-          <a:noFill/>
-          <a:ln>
-            <a:noFill/>
-          </a:ln>
-        </p:spPr>
-        <p:txBody>
-          <a:bodyPr spcFirstLastPara="1" wrap="square" lIns="93175" tIns="46575" rIns="93175" bIns="46575" anchor="t" anchorCtr="0">
-            <a:noAutofit/>
-          </a:bodyPr>
-          <a:lstStyle/>
-          <a:p>
-            <a:pPr marL="0" lvl="0" indent="0" algn="l" rtl="0">
-              <a:lnSpc>
-                <a:spcPct val="100000"/>
-              </a:lnSpc>
-              <a:spcBef>
-                <a:spcPts val="0"/>
-              </a:spcBef>
-              <a:spcAft>
-                <a:spcPts val="0"/>
-              </a:spcAft>
-              <a:buSzPts val="1400"/>
-              <a:buNone/>
-            </a:pPr>
-            <a:endParaRPr dirty="0"/>
-          </a:p>
-        </p:txBody>
-      </p:sp>
-      <p:sp>
-        <p:nvSpPr>
-          <p:cNvPr id="174" name="Google Shape;174;ge6d407e7a1_0_73:notes"/>
-          <p:cNvSpPr txBox="1">
-            <a:spLocks noGrp="1"/>
-          </p:cNvSpPr>
-          <p:nvPr>
-            <p:ph type="sldNum" idx="12"/>
-          </p:nvPr>
-        </p:nvSpPr>
-        <p:spPr>
-          <a:xfrm>
-            <a:off x="3970938" y="8772669"/>
-            <a:ext cx="3037800" cy="461700"/>
-          </a:xfrm>
-          <a:prstGeom prst="rect">
-            <a:avLst/>
-          </a:prstGeom>
-          <a:noFill/>
-          <a:ln>
-            <a:noFill/>
-          </a:ln>
-        </p:spPr>
-        <p:txBody>
-          <a:bodyPr spcFirstLastPara="1" wrap="square" lIns="93175" tIns="46575" rIns="93175" bIns="46575" anchor="b" anchorCtr="0">
-            <a:noAutofit/>
-          </a:bodyPr>
-          <a:lstStyle/>
-          <a:p>
-            <a:pPr marL="0" lvl="0" indent="0" algn="r" rtl="0">
-              <a:lnSpc>
-                <a:spcPct val="100000"/>
-              </a:lnSpc>
-              <a:spcBef>
-                <a:spcPts val="0"/>
-              </a:spcBef>
-              <a:spcAft>
-                <a:spcPts val="0"/>
-              </a:spcAft>
-              <a:buSzPts val="1400"/>
-              <a:buNone/>
-            </a:pPr>
-            <a:fld id="{00000000-1234-1234-1234-123412341234}" type="slidenum">
-              <a:rPr lang="en-US"/>
-              <a:t>13</a:t>
+              <a:t>12</a:t>
             </a:fld>
             <a:endParaRPr/>
           </a:p>
@@ -10641,6 +11175,152 @@
   <p:cSld>
     <p:spTree>
       <p:nvGrpSpPr>
+        <p:cNvPr id="1" name=""/>
+        <p:cNvGrpSpPr/>
+        <p:nvPr/>
+      </p:nvGrpSpPr>
+      <p:grpSpPr>
+        <a:xfrm>
+          <a:off x="0" y="0"/>
+          <a:ext cx="0" cy="0"/>
+          <a:chOff x="0" y="0"/>
+          <a:chExt cx="0" cy="0"/>
+        </a:xfrm>
+      </p:grpSpPr>
+      <p:sp>
+        <p:nvSpPr>
+          <p:cNvPr id="3" name="Text Placeholder 2">
+            <a:extLst>
+              <a:ext uri="{FF2B5EF4-FFF2-40B4-BE49-F238E27FC236}">
+                <a16:creationId xmlns:a16="http://schemas.microsoft.com/office/drawing/2014/main" id="{260A9A2C-F016-9F7E-FBF4-AD32DF3E1D69}"/>
+              </a:ext>
+            </a:extLst>
+          </p:cNvPr>
+          <p:cNvSpPr>
+            <a:spLocks noGrp="1"/>
+          </p:cNvSpPr>
+          <p:nvPr>
+            <p:ph type="body" idx="1"/>
+          </p:nvPr>
+        </p:nvSpPr>
+        <p:spPr>
+          <a:xfrm>
+            <a:off x="0" y="-2719"/>
+            <a:ext cx="9144000" cy="6524883"/>
+          </a:xfrm>
+          <a:solidFill>
+            <a:srgbClr val="7030A0"/>
+          </a:solidFill>
+        </p:spPr>
+        <p:txBody>
+          <a:bodyPr spcFirstLastPara="1" wrap="square" lIns="91425" tIns="45700" rIns="91425" bIns="45700" anchor="ctr" anchorCtr="0">
+            <a:noAutofit/>
+          </a:bodyPr>
+          <a:lstStyle/>
+          <a:p>
+            <a:pPr marL="114300" indent="0" algn="ctr">
+              <a:buNone/>
+            </a:pPr>
+            <a:r>
+              <a:rPr lang="en-US" dirty="0">
+                <a:solidFill>
+                  <a:srgbClr val="FFFFFF"/>
+                </a:solidFill>
+              </a:rPr>
+              <a:t>Scripting Multiple Tasks at Once</a:t>
+            </a:r>
+          </a:p>
+        </p:txBody>
+      </p:sp>
+      <p:sp>
+        <p:nvSpPr>
+          <p:cNvPr id="5" name="Slide Number Placeholder 4">
+            <a:extLst>
+              <a:ext uri="{FF2B5EF4-FFF2-40B4-BE49-F238E27FC236}">
+                <a16:creationId xmlns:a16="http://schemas.microsoft.com/office/drawing/2014/main" id="{D3611BF0-AAA1-2EE9-F80C-6B809FC36E83}"/>
+              </a:ext>
+            </a:extLst>
+          </p:cNvPr>
+          <p:cNvSpPr>
+            <a:spLocks noGrp="1"/>
+          </p:cNvSpPr>
+          <p:nvPr>
+            <p:ph type="sldNum" idx="12"/>
+          </p:nvPr>
+        </p:nvSpPr>
+        <p:spPr/>
+        <p:txBody>
+          <a:bodyPr/>
+          <a:lstStyle/>
+          <a:p>
+            <a:pPr marL="0" lvl="0" indent="0" algn="r" rtl="0">
+              <a:spcBef>
+                <a:spcPts val="0"/>
+              </a:spcBef>
+              <a:spcAft>
+                <a:spcPts val="0"/>
+              </a:spcAft>
+              <a:buNone/>
+            </a:pPr>
+            <a:fld id="{00000000-1234-1234-1234-123412341234}" type="slidenum">
+              <a:rPr lang="en-US"/>
+              <a:t>10</a:t>
+            </a:fld>
+            <a:endParaRPr lang="en-US"/>
+          </a:p>
+        </p:txBody>
+      </p:sp>
+      <p:sp>
+        <p:nvSpPr>
+          <p:cNvPr id="2" name="Footer Placeholder 1">
+            <a:extLst>
+              <a:ext uri="{FF2B5EF4-FFF2-40B4-BE49-F238E27FC236}">
+                <a16:creationId xmlns:a16="http://schemas.microsoft.com/office/drawing/2014/main" id="{956FE5DE-8225-4241-1BB5-4A8AA1605DD9}"/>
+              </a:ext>
+            </a:extLst>
+          </p:cNvPr>
+          <p:cNvSpPr>
+            <a:spLocks noGrp="1"/>
+          </p:cNvSpPr>
+          <p:nvPr>
+            <p:ph type="ftr" idx="11"/>
+          </p:nvPr>
+        </p:nvSpPr>
+        <p:spPr>
+          <a:xfrm>
+            <a:off x="4572000" y="6506896"/>
+            <a:ext cx="4114800" cy="365125"/>
+          </a:xfrm>
+        </p:spPr>
+        <p:txBody>
+          <a:bodyPr/>
+          <a:lstStyle/>
+          <a:p>
+            <a:r>
+              <a:rPr lang="en-US" dirty="0"/>
+              <a:t>Automation</a:t>
+            </a:r>
+          </a:p>
+        </p:txBody>
+      </p:sp>
+    </p:spTree>
+    <p:extLst>
+      <p:ext uri="{BB962C8B-B14F-4D97-AF65-F5344CB8AC3E}">
+        <p14:creationId xmlns:p14="http://schemas.microsoft.com/office/powerpoint/2010/main" val="2363131282"/>
+      </p:ext>
+    </p:extLst>
+  </p:cSld>
+  <p:clrMapOvr>
+    <a:masterClrMapping/>
+  </p:clrMapOvr>
+</p:sld>
+</file>
+
+<file path=ppt/slides/slide11.xml><?xml version="1.0" encoding="utf-8"?>
+<p:sld xmlns:a="http://schemas.openxmlformats.org/drawingml/2006/main" xmlns:r="http://schemas.openxmlformats.org/officeDocument/2006/relationships" xmlns:p="http://schemas.openxmlformats.org/presentationml/2006/main">
+  <p:cSld>
+    <p:spTree>
+      <p:nvGrpSpPr>
         <p:cNvPr id="1" name="Shape 119"/>
         <p:cNvGrpSpPr/>
         <p:nvPr/>
@@ -10793,7 +11473,7 @@
             </a:pPr>
             <a:fld id="{00000000-1234-1234-1234-123412341234}" type="slidenum">
               <a:rPr lang="en-US"/>
-              <a:t>10</a:t>
+              <a:t>11</a:t>
             </a:fld>
             <a:endParaRPr/>
           </a:p>
@@ -11509,7 +12189,7 @@
 </p:sld>
 </file>
 
-<file path=ppt/slides/slide11.xml><?xml version="1.0" encoding="utf-8"?>
+<file path=ppt/slides/slide12.xml><?xml version="1.0" encoding="utf-8"?>
 <p:sld xmlns:a="http://schemas.openxmlformats.org/drawingml/2006/main" xmlns:r="http://schemas.openxmlformats.org/officeDocument/2006/relationships" xmlns:p="http://schemas.openxmlformats.org/presentationml/2006/main">
   <p:cSld>
     <p:spTree>
@@ -11620,7 +12300,7 @@
             </a:pPr>
             <a:fld id="{00000000-1234-1234-1234-123412341234}" type="slidenum">
               <a:rPr lang="en-US"/>
-              <a:t>11</a:t>
+              <a:t>12</a:t>
             </a:fld>
             <a:endParaRPr/>
           </a:p>
@@ -12092,7 +12772,217 @@
 </p:sld>
 </file>
 
-<file path=ppt/slides/slide12.xml><?xml version="1.0" encoding="utf-8"?>
+<file path=ppt/slides/slide13.xml><?xml version="1.0" encoding="utf-8"?>
+<p:sld xmlns:a="http://schemas.openxmlformats.org/drawingml/2006/main" xmlns:r="http://schemas.openxmlformats.org/officeDocument/2006/relationships" xmlns:p="http://schemas.openxmlformats.org/presentationml/2006/main">
+  <p:cSld>
+    <p:spTree>
+      <p:nvGrpSpPr>
+        <p:cNvPr id="1" name="Shape 101"/>
+        <p:cNvGrpSpPr/>
+        <p:nvPr/>
+      </p:nvGrpSpPr>
+      <p:grpSpPr>
+        <a:xfrm>
+          <a:off x="0" y="0"/>
+          <a:ext cx="0" cy="0"/>
+          <a:chOff x="0" y="0"/>
+          <a:chExt cx="0" cy="0"/>
+        </a:xfrm>
+      </p:grpSpPr>
+      <p:sp>
+        <p:nvSpPr>
+          <p:cNvPr id="102" name="Google Shape;102;ge6d407e7a1_0_0"/>
+          <p:cNvSpPr txBox="1">
+            <a:spLocks noGrp="1"/>
+          </p:cNvSpPr>
+          <p:nvPr>
+            <p:ph type="title"/>
+          </p:nvPr>
+        </p:nvSpPr>
+        <p:spPr>
+          <a:xfrm>
+            <a:off x="457200" y="0"/>
+            <a:ext cx="8645700" cy="1143000"/>
+          </a:xfrm>
+          <a:prstGeom prst="rect">
+            <a:avLst/>
+          </a:prstGeom>
+          <a:noFill/>
+          <a:ln>
+            <a:noFill/>
+          </a:ln>
+        </p:spPr>
+        <p:txBody>
+          <a:bodyPr spcFirstLastPara="1" wrap="square" lIns="91425" tIns="45700" rIns="91425" bIns="45700" anchor="ctr" anchorCtr="0">
+            <a:noAutofit/>
+          </a:bodyPr>
+          <a:lstStyle/>
+          <a:p>
+            <a:pPr marL="0" lvl="0" indent="0" algn="l" rtl="0">
+              <a:lnSpc>
+                <a:spcPct val="100000"/>
+              </a:lnSpc>
+              <a:spcBef>
+                <a:spcPts val="0"/>
+              </a:spcBef>
+              <a:spcAft>
+                <a:spcPts val="0"/>
+              </a:spcAft>
+              <a:buSzPts val="3200"/>
+              <a:buNone/>
+            </a:pPr>
+            <a:r>
+              <a:rPr lang="en-US" dirty="0"/>
+              <a:t>Exercise 2 – Shell Script Practice</a:t>
+            </a:r>
+            <a:endParaRPr dirty="0"/>
+          </a:p>
+        </p:txBody>
+      </p:sp>
+      <p:sp>
+        <p:nvSpPr>
+          <p:cNvPr id="104" name="Google Shape;104;ge6d407e7a1_0_0"/>
+          <p:cNvSpPr txBox="1">
+            <a:spLocks noGrp="1"/>
+          </p:cNvSpPr>
+          <p:nvPr>
+            <p:ph type="sldNum" idx="12"/>
+          </p:nvPr>
+        </p:nvSpPr>
+        <p:spPr>
+          <a:xfrm>
+            <a:off x="8686800" y="6506896"/>
+            <a:ext cx="416100" cy="365100"/>
+          </a:xfrm>
+          <a:prstGeom prst="rect">
+            <a:avLst/>
+          </a:prstGeom>
+          <a:noFill/>
+          <a:ln>
+            <a:noFill/>
+          </a:ln>
+        </p:spPr>
+        <p:txBody>
+          <a:bodyPr spcFirstLastPara="1" wrap="square" lIns="91425" tIns="45700" rIns="91425" bIns="45700" anchor="ctr" anchorCtr="0">
+            <a:noAutofit/>
+          </a:bodyPr>
+          <a:lstStyle/>
+          <a:p>
+            <a:pPr marL="0" lvl="0" indent="0" algn="r" rtl="0">
+              <a:lnSpc>
+                <a:spcPct val="100000"/>
+              </a:lnSpc>
+              <a:spcBef>
+                <a:spcPts val="0"/>
+              </a:spcBef>
+              <a:spcAft>
+                <a:spcPts val="0"/>
+              </a:spcAft>
+              <a:buSzPts val="1000"/>
+              <a:buNone/>
+            </a:pPr>
+            <a:fld id="{00000000-1234-1234-1234-123412341234}" type="slidenum">
+              <a:rPr lang="en-US"/>
+              <a:t>13</a:t>
+            </a:fld>
+            <a:endParaRPr/>
+          </a:p>
+        </p:txBody>
+      </p:sp>
+      <p:sp>
+        <p:nvSpPr>
+          <p:cNvPr id="105" name="Google Shape;105;ge6d407e7a1_0_0"/>
+          <p:cNvSpPr txBox="1"/>
+          <p:nvPr/>
+        </p:nvSpPr>
+        <p:spPr>
+          <a:xfrm>
+            <a:off x="684211" y="2255318"/>
+            <a:ext cx="7340400" cy="2031295"/>
+          </a:xfrm>
+          <a:prstGeom prst="rect">
+            <a:avLst/>
+          </a:prstGeom>
+          <a:noFill/>
+          <a:ln>
+            <a:noFill/>
+          </a:ln>
+        </p:spPr>
+        <p:txBody>
+          <a:bodyPr spcFirstLastPara="1" wrap="square" lIns="91425" tIns="91425" rIns="91425" bIns="91425" anchor="t" anchorCtr="0">
+            <a:spAutoFit/>
+          </a:bodyPr>
+          <a:lstStyle/>
+          <a:p>
+            <a:pPr marL="0" lvl="0" indent="0" algn="l" rtl="0">
+              <a:spcBef>
+                <a:spcPts val="0"/>
+              </a:spcBef>
+              <a:spcAft>
+                <a:spcPts val="0"/>
+              </a:spcAft>
+              <a:buClr>
+                <a:schemeClr val="dk1"/>
+              </a:buClr>
+              <a:buSzPts val="1100"/>
+              <a:buFont typeface="Arial"/>
+              <a:buNone/>
+            </a:pPr>
+            <a:r>
+              <a:rPr lang="en-US" sz="3000" i="1" dirty="0"/>
+              <a:t>Write a shell script that uses any existing code you have on KLC.  Feel free to use the interest rate code in the programming language of your choice.  </a:t>
+            </a:r>
+            <a:endParaRPr sz="3000" i="1" dirty="0"/>
+          </a:p>
+        </p:txBody>
+      </p:sp>
+      <p:sp>
+        <p:nvSpPr>
+          <p:cNvPr id="3" name="Footer Placeholder 1">
+            <a:extLst>
+              <a:ext uri="{FF2B5EF4-FFF2-40B4-BE49-F238E27FC236}">
+                <a16:creationId xmlns:a16="http://schemas.microsoft.com/office/drawing/2014/main" id="{6A57CBA6-EA93-3943-6265-79A3C99876D9}"/>
+              </a:ext>
+            </a:extLst>
+          </p:cNvPr>
+          <p:cNvSpPr>
+            <a:spLocks noGrp="1"/>
+          </p:cNvSpPr>
+          <p:nvPr>
+            <p:ph type="ftr" idx="11"/>
+          </p:nvPr>
+        </p:nvSpPr>
+        <p:spPr>
+          <a:xfrm>
+            <a:off x="4572000" y="6506896"/>
+            <a:ext cx="4114800" cy="365125"/>
+          </a:xfrm>
+        </p:spPr>
+        <p:txBody>
+          <a:bodyPr/>
+          <a:lstStyle/>
+          <a:p>
+            <a:r>
+              <a:rPr lang="en-US" dirty="0"/>
+              <a:t>Automation</a:t>
+            </a:r>
+          </a:p>
+        </p:txBody>
+      </p:sp>
+    </p:spTree>
+    <p:extLst>
+      <p:ext uri="{BB962C8B-B14F-4D97-AF65-F5344CB8AC3E}">
+        <p14:creationId xmlns:p14="http://schemas.microsoft.com/office/powerpoint/2010/main" val="2668783215"/>
+      </p:ext>
+    </p:extLst>
+  </p:cSld>
+  <p:clrMapOvr>
+    <a:masterClrMapping/>
+  </p:clrMapOvr>
+</p:sld>
+</file>
+
+<file path=ppt/slides/slide14.xml><?xml version="1.0" encoding="utf-8"?>
 <p:sld xmlns:a="http://schemas.openxmlformats.org/drawingml/2006/main" xmlns:r="http://schemas.openxmlformats.org/officeDocument/2006/relationships" xmlns:p="http://schemas.openxmlformats.org/presentationml/2006/main">
   <p:cSld>
     <p:spTree>
@@ -12186,7 +13076,7 @@
             </a:pPr>
             <a:fld id="{00000000-1234-1234-1234-123412341234}" type="slidenum">
               <a:rPr lang="en-US"/>
-              <a:t>12</a:t>
+              <a:t>14</a:t>
             </a:fld>
             <a:endParaRPr lang="en-US"/>
           </a:p>
@@ -12238,7 +13128,7 @@
 </p:sld>
 </file>
 
-<file path=ppt/slides/slide13.xml><?xml version="1.0" encoding="utf-8"?>
+<file path=ppt/slides/slide15.xml><?xml version="1.0" encoding="utf-8"?>
 <p:sld xmlns:a="http://schemas.openxmlformats.org/drawingml/2006/main" xmlns:r="http://schemas.openxmlformats.org/officeDocument/2006/relationships" xmlns:p="http://schemas.openxmlformats.org/presentationml/2006/main">
   <p:cSld>
     <p:spTree>
@@ -12349,7 +13239,7 @@
             </a:pPr>
             <a:fld id="{00000000-1234-1234-1234-123412341234}" type="slidenum">
               <a:rPr lang="en-US"/>
-              <a:t>13</a:t>
+              <a:t>15</a:t>
             </a:fld>
             <a:endParaRPr/>
           </a:p>
@@ -12792,7 +13682,7 @@
 </p:sld>
 </file>
 
-<file path=ppt/slides/slide14.xml><?xml version="1.0" encoding="utf-8"?>
+<file path=ppt/slides/slide16.xml><?xml version="1.0" encoding="utf-8"?>
 <p:sld xmlns:a="http://schemas.openxmlformats.org/drawingml/2006/main" xmlns:r="http://schemas.openxmlformats.org/officeDocument/2006/relationships" xmlns:p="http://schemas.openxmlformats.org/presentationml/2006/main">
   <p:cSld>
     <p:spTree>
@@ -12903,7 +13793,7 @@
             </a:pPr>
             <a:fld id="{00000000-1234-1234-1234-123412341234}" type="slidenum">
               <a:rPr lang="en-US"/>
-              <a:t>14</a:t>
+              <a:t>16</a:t>
             </a:fld>
             <a:endParaRPr/>
           </a:p>
@@ -12978,7 +13868,7 @@
 </p:sld>
 </file>
 
-<file path=ppt/slides/slide15.xml><?xml version="1.0" encoding="utf-8"?>
+<file path=ppt/slides/slide17.xml><?xml version="1.0" encoding="utf-8"?>
 <p:sld xmlns:a="http://schemas.openxmlformats.org/drawingml/2006/main" xmlns:r="http://schemas.openxmlformats.org/officeDocument/2006/relationships" xmlns:p="http://schemas.openxmlformats.org/presentationml/2006/main">
   <p:cSld>
     <p:spTree>
@@ -13089,7 +13979,7 @@
             </a:pPr>
             <a:fld id="{00000000-1234-1234-1234-123412341234}" type="slidenum">
               <a:rPr lang="en-US"/>
-              <a:t>15</a:t>
+              <a:t>17</a:t>
             </a:fld>
             <a:endParaRPr/>
           </a:p>
@@ -13702,7 +14592,7 @@
 </p:sld>
 </file>
 
-<file path=ppt/slides/slide16.xml><?xml version="1.0" encoding="utf-8"?>
+<file path=ppt/slides/slide18.xml><?xml version="1.0" encoding="utf-8"?>
 <p:sld xmlns:a="http://schemas.openxmlformats.org/drawingml/2006/main" xmlns:r="http://schemas.openxmlformats.org/officeDocument/2006/relationships" xmlns:p="http://schemas.openxmlformats.org/presentationml/2006/main">
   <p:cSld>
     <p:spTree>
@@ -13859,7 +14749,7 @@
             </a:pPr>
             <a:fld id="{00000000-1234-1234-1234-123412341234}" type="slidenum">
               <a:rPr lang="en-US"/>
-              <a:t>16</a:t>
+              <a:t>18</a:t>
             </a:fld>
             <a:endParaRPr/>
           </a:p>
@@ -14410,7 +15300,423 @@
 </p:sld>
 </file>
 
-<file path=ppt/slides/slide17.xml><?xml version="1.0" encoding="utf-8"?>
+<file path=ppt/slides/slide19.xml><?xml version="1.0" encoding="utf-8"?>
+<p:sld xmlns:a="http://schemas.openxmlformats.org/drawingml/2006/main" xmlns:r="http://schemas.openxmlformats.org/officeDocument/2006/relationships" xmlns:p="http://schemas.openxmlformats.org/presentationml/2006/main">
+  <p:cSld>
+    <p:spTree>
+      <p:nvGrpSpPr>
+        <p:cNvPr id="1" name="Shape 101"/>
+        <p:cNvGrpSpPr/>
+        <p:nvPr/>
+      </p:nvGrpSpPr>
+      <p:grpSpPr>
+        <a:xfrm>
+          <a:off x="0" y="0"/>
+          <a:ext cx="0" cy="0"/>
+          <a:chOff x="0" y="0"/>
+          <a:chExt cx="0" cy="0"/>
+        </a:xfrm>
+      </p:grpSpPr>
+      <p:sp>
+        <p:nvSpPr>
+          <p:cNvPr id="102" name="Google Shape;102;ge6d407e7a1_0_0"/>
+          <p:cNvSpPr txBox="1">
+            <a:spLocks noGrp="1"/>
+          </p:cNvSpPr>
+          <p:nvPr>
+            <p:ph type="title"/>
+          </p:nvPr>
+        </p:nvSpPr>
+        <p:spPr>
+          <a:xfrm>
+            <a:off x="457200" y="0"/>
+            <a:ext cx="8645700" cy="1143000"/>
+          </a:xfrm>
+          <a:prstGeom prst="rect">
+            <a:avLst/>
+          </a:prstGeom>
+          <a:noFill/>
+          <a:ln>
+            <a:noFill/>
+          </a:ln>
+        </p:spPr>
+        <p:txBody>
+          <a:bodyPr spcFirstLastPara="1" wrap="square" lIns="91425" tIns="45700" rIns="91425" bIns="45700" anchor="ctr" anchorCtr="0">
+            <a:noAutofit/>
+          </a:bodyPr>
+          <a:lstStyle/>
+          <a:p>
+            <a:pPr marL="0" lvl="0" indent="0" algn="l" rtl="0">
+              <a:lnSpc>
+                <a:spcPct val="100000"/>
+              </a:lnSpc>
+              <a:spcBef>
+                <a:spcPts val="0"/>
+              </a:spcBef>
+              <a:spcAft>
+                <a:spcPts val="0"/>
+              </a:spcAft>
+              <a:buSzPts val="3200"/>
+              <a:buNone/>
+            </a:pPr>
+            <a:r>
+              <a:rPr lang="en-US" dirty="0"/>
+              <a:t>Exercise 3 – Cron Job Practice</a:t>
+            </a:r>
+            <a:endParaRPr dirty="0"/>
+          </a:p>
+        </p:txBody>
+      </p:sp>
+      <p:sp>
+        <p:nvSpPr>
+          <p:cNvPr id="104" name="Google Shape;104;ge6d407e7a1_0_0"/>
+          <p:cNvSpPr txBox="1">
+            <a:spLocks noGrp="1"/>
+          </p:cNvSpPr>
+          <p:nvPr>
+            <p:ph type="sldNum" idx="12"/>
+          </p:nvPr>
+        </p:nvSpPr>
+        <p:spPr>
+          <a:xfrm>
+            <a:off x="8686800" y="6506896"/>
+            <a:ext cx="416100" cy="365100"/>
+          </a:xfrm>
+          <a:prstGeom prst="rect">
+            <a:avLst/>
+          </a:prstGeom>
+          <a:noFill/>
+          <a:ln>
+            <a:noFill/>
+          </a:ln>
+        </p:spPr>
+        <p:txBody>
+          <a:bodyPr spcFirstLastPara="1" wrap="square" lIns="91425" tIns="45700" rIns="91425" bIns="45700" anchor="ctr" anchorCtr="0">
+            <a:noAutofit/>
+          </a:bodyPr>
+          <a:lstStyle/>
+          <a:p>
+            <a:pPr marL="0" lvl="0" indent="0" algn="r" rtl="0">
+              <a:lnSpc>
+                <a:spcPct val="100000"/>
+              </a:lnSpc>
+              <a:spcBef>
+                <a:spcPts val="0"/>
+              </a:spcBef>
+              <a:spcAft>
+                <a:spcPts val="0"/>
+              </a:spcAft>
+              <a:buSzPts val="1000"/>
+              <a:buNone/>
+            </a:pPr>
+            <a:fld id="{00000000-1234-1234-1234-123412341234}" type="slidenum">
+              <a:rPr lang="en-US"/>
+              <a:t>19</a:t>
+            </a:fld>
+            <a:endParaRPr/>
+          </a:p>
+        </p:txBody>
+      </p:sp>
+      <p:sp>
+        <p:nvSpPr>
+          <p:cNvPr id="105" name="Google Shape;105;ge6d407e7a1_0_0"/>
+          <p:cNvSpPr txBox="1"/>
+          <p:nvPr/>
+        </p:nvSpPr>
+        <p:spPr>
+          <a:xfrm>
+            <a:off x="684211" y="2255318"/>
+            <a:ext cx="7340400" cy="2031295"/>
+          </a:xfrm>
+          <a:prstGeom prst="rect">
+            <a:avLst/>
+          </a:prstGeom>
+          <a:noFill/>
+          <a:ln>
+            <a:noFill/>
+          </a:ln>
+        </p:spPr>
+        <p:txBody>
+          <a:bodyPr spcFirstLastPara="1" wrap="square" lIns="91425" tIns="91425" rIns="91425" bIns="91425" anchor="t" anchorCtr="0">
+            <a:spAutoFit/>
+          </a:bodyPr>
+          <a:lstStyle/>
+          <a:p>
+            <a:pPr marL="0" lvl="0" indent="0" algn="l" rtl="0">
+              <a:spcBef>
+                <a:spcPts val="0"/>
+              </a:spcBef>
+              <a:spcAft>
+                <a:spcPts val="0"/>
+              </a:spcAft>
+              <a:buClr>
+                <a:schemeClr val="dk1"/>
+              </a:buClr>
+              <a:buSzPts val="1100"/>
+              <a:buFont typeface="Arial"/>
+              <a:buNone/>
+            </a:pPr>
+            <a:r>
+              <a:rPr lang="en-US" sz="3000" i="1" dirty="0"/>
+              <a:t>Setup a </a:t>
+            </a:r>
+            <a:r>
+              <a:rPr lang="en-US" sz="3000" i="1" dirty="0" err="1"/>
+              <a:t>cron</a:t>
+            </a:r>
+            <a:r>
+              <a:rPr lang="en-US" sz="3000" i="1" dirty="0"/>
+              <a:t> tab with an email notification on KLC.  If needed, setup the </a:t>
+            </a:r>
+            <a:r>
+              <a:rPr lang="en-US" sz="3000" i="1" dirty="0" err="1"/>
+              <a:t>cron</a:t>
+            </a:r>
+            <a:r>
+              <a:rPr lang="en-US" sz="3000" i="1" dirty="0"/>
+              <a:t> job to run the interest rate code in your preferred programming language.</a:t>
+            </a:r>
+            <a:endParaRPr sz="3000" i="1" dirty="0"/>
+          </a:p>
+        </p:txBody>
+      </p:sp>
+      <p:sp>
+        <p:nvSpPr>
+          <p:cNvPr id="3" name="Footer Placeholder 1">
+            <a:extLst>
+              <a:ext uri="{FF2B5EF4-FFF2-40B4-BE49-F238E27FC236}">
+                <a16:creationId xmlns:a16="http://schemas.microsoft.com/office/drawing/2014/main" id="{6A57CBA6-EA93-3943-6265-79A3C99876D9}"/>
+              </a:ext>
+            </a:extLst>
+          </p:cNvPr>
+          <p:cNvSpPr>
+            <a:spLocks noGrp="1"/>
+          </p:cNvSpPr>
+          <p:nvPr>
+            <p:ph type="ftr" idx="11"/>
+          </p:nvPr>
+        </p:nvSpPr>
+        <p:spPr>
+          <a:xfrm>
+            <a:off x="4572000" y="6506896"/>
+            <a:ext cx="4114800" cy="365125"/>
+          </a:xfrm>
+        </p:spPr>
+        <p:txBody>
+          <a:bodyPr/>
+          <a:lstStyle/>
+          <a:p>
+            <a:r>
+              <a:rPr lang="en-US" dirty="0"/>
+              <a:t>Automation</a:t>
+            </a:r>
+          </a:p>
+        </p:txBody>
+      </p:sp>
+    </p:spTree>
+    <p:extLst>
+      <p:ext uri="{BB962C8B-B14F-4D97-AF65-F5344CB8AC3E}">
+        <p14:creationId xmlns:p14="http://schemas.microsoft.com/office/powerpoint/2010/main" val="349527780"/>
+      </p:ext>
+    </p:extLst>
+  </p:cSld>
+  <p:clrMapOvr>
+    <a:masterClrMapping/>
+  </p:clrMapOvr>
+</p:sld>
+</file>
+
+<file path=ppt/slides/slide2.xml><?xml version="1.0" encoding="utf-8"?>
+<p:sld xmlns:a="http://schemas.openxmlformats.org/drawingml/2006/main" xmlns:r="http://schemas.openxmlformats.org/officeDocument/2006/relationships" xmlns:p="http://schemas.openxmlformats.org/presentationml/2006/main">
+  <p:cSld>
+    <p:spTree>
+      <p:nvGrpSpPr>
+        <p:cNvPr id="1" name="Shape 55"/>
+        <p:cNvGrpSpPr/>
+        <p:nvPr/>
+      </p:nvGrpSpPr>
+      <p:grpSpPr>
+        <a:xfrm>
+          <a:off x="0" y="0"/>
+          <a:ext cx="0" cy="0"/>
+          <a:chOff x="0" y="0"/>
+          <a:chExt cx="0" cy="0"/>
+        </a:xfrm>
+      </p:grpSpPr>
+      <p:sp>
+        <p:nvSpPr>
+          <p:cNvPr id="56" name="Google Shape;56;p2"/>
+          <p:cNvSpPr txBox="1">
+            <a:spLocks noGrp="1"/>
+          </p:cNvSpPr>
+          <p:nvPr>
+            <p:ph type="title"/>
+          </p:nvPr>
+        </p:nvSpPr>
+        <p:spPr>
+          <a:xfrm>
+            <a:off x="457200" y="0"/>
+            <a:ext cx="8229600" cy="1143000"/>
+          </a:xfrm>
+          <a:prstGeom prst="rect">
+            <a:avLst/>
+          </a:prstGeom>
+          <a:noFill/>
+          <a:ln>
+            <a:noFill/>
+          </a:ln>
+        </p:spPr>
+        <p:txBody>
+          <a:bodyPr spcFirstLastPara="1" wrap="square" lIns="91425" tIns="45700" rIns="91425" bIns="45700" anchor="ctr" anchorCtr="0">
+            <a:noAutofit/>
+          </a:bodyPr>
+          <a:lstStyle/>
+          <a:p>
+            <a:pPr marL="0" lvl="0" indent="0" algn="l" rtl="0">
+              <a:lnSpc>
+                <a:spcPct val="100000"/>
+              </a:lnSpc>
+              <a:spcBef>
+                <a:spcPts val="0"/>
+              </a:spcBef>
+              <a:spcAft>
+                <a:spcPts val="0"/>
+              </a:spcAft>
+              <a:buClr>
+                <a:srgbClr val="3D146F"/>
+              </a:buClr>
+              <a:buSzPts val="3200"/>
+              <a:buFont typeface="Arial"/>
+              <a:buNone/>
+            </a:pPr>
+            <a:r>
+              <a:rPr lang="en-US"/>
+              <a:t>Automating and Scripting on KLC</a:t>
+            </a:r>
+            <a:endParaRPr/>
+          </a:p>
+        </p:txBody>
+      </p:sp>
+      <p:sp>
+        <p:nvSpPr>
+          <p:cNvPr id="58" name="Google Shape;58;p2"/>
+          <p:cNvSpPr txBox="1">
+            <a:spLocks noGrp="1"/>
+          </p:cNvSpPr>
+          <p:nvPr>
+            <p:ph type="sldNum" idx="12"/>
+          </p:nvPr>
+        </p:nvSpPr>
+        <p:spPr>
+          <a:xfrm>
+            <a:off x="8686800" y="6506896"/>
+            <a:ext cx="416244" cy="365125"/>
+          </a:xfrm>
+          <a:prstGeom prst="rect">
+            <a:avLst/>
+          </a:prstGeom>
+          <a:noFill/>
+          <a:ln>
+            <a:noFill/>
+          </a:ln>
+        </p:spPr>
+        <p:txBody>
+          <a:bodyPr spcFirstLastPara="1" wrap="square" lIns="91425" tIns="45700" rIns="91425" bIns="45700" anchor="ctr" anchorCtr="0">
+            <a:noAutofit/>
+          </a:bodyPr>
+          <a:lstStyle/>
+          <a:p>
+            <a:pPr marL="0" lvl="0" indent="0" algn="r" rtl="0">
+              <a:lnSpc>
+                <a:spcPct val="100000"/>
+              </a:lnSpc>
+              <a:spcBef>
+                <a:spcPts val="0"/>
+              </a:spcBef>
+              <a:spcAft>
+                <a:spcPts val="0"/>
+              </a:spcAft>
+              <a:buSzPts val="1000"/>
+              <a:buNone/>
+            </a:pPr>
+            <a:fld id="{00000000-1234-1234-1234-123412341234}" type="slidenum">
+              <a:rPr lang="en-US"/>
+              <a:t>2</a:t>
+            </a:fld>
+            <a:endParaRPr/>
+          </a:p>
+        </p:txBody>
+      </p:sp>
+      <p:pic>
+        <p:nvPicPr>
+          <p:cNvPr id="59" name="Google Shape;59;p2"/>
+          <p:cNvPicPr preferRelativeResize="0"/>
+          <p:nvPr/>
+        </p:nvPicPr>
+        <p:blipFill>
+          <a:blip r:embed="rId3">
+            <a:alphaModFix/>
+          </a:blip>
+          <a:stretch>
+            <a:fillRect/>
+          </a:stretch>
+        </p:blipFill>
+        <p:spPr>
+          <a:xfrm>
+            <a:off x="846075" y="1047037"/>
+            <a:ext cx="7304700" cy="4763925"/>
+          </a:xfrm>
+          <a:prstGeom prst="rect">
+            <a:avLst/>
+          </a:prstGeom>
+          <a:noFill/>
+          <a:ln>
+            <a:noFill/>
+          </a:ln>
+        </p:spPr>
+      </p:pic>
+      <p:sp>
+        <p:nvSpPr>
+          <p:cNvPr id="2" name="Footer Placeholder 1">
+            <a:extLst>
+              <a:ext uri="{FF2B5EF4-FFF2-40B4-BE49-F238E27FC236}">
+                <a16:creationId xmlns:a16="http://schemas.microsoft.com/office/drawing/2014/main" id="{60DC7831-8AF5-C7AC-BD81-5F39F900493B}"/>
+              </a:ext>
+            </a:extLst>
+          </p:cNvPr>
+          <p:cNvSpPr>
+            <a:spLocks noGrp="1"/>
+          </p:cNvSpPr>
+          <p:nvPr>
+            <p:ph type="ftr" idx="11"/>
+          </p:nvPr>
+        </p:nvSpPr>
+        <p:spPr>
+          <a:xfrm>
+            <a:off x="4572000" y="6506896"/>
+            <a:ext cx="4114800" cy="365125"/>
+          </a:xfrm>
+        </p:spPr>
+        <p:txBody>
+          <a:bodyPr/>
+          <a:lstStyle/>
+          <a:p>
+            <a:r>
+              <a:rPr lang="en-US" dirty="0"/>
+              <a:t>Automation</a:t>
+            </a:r>
+          </a:p>
+        </p:txBody>
+      </p:sp>
+    </p:spTree>
+  </p:cSld>
+  <p:clrMapOvr>
+    <a:masterClrMapping/>
+  </p:clrMapOvr>
+</p:sld>
+</file>
+
+<file path=ppt/slides/slide20.xml><?xml version="1.0" encoding="utf-8"?>
 <p:sld xmlns:a="http://schemas.openxmlformats.org/drawingml/2006/main" xmlns:r="http://schemas.openxmlformats.org/officeDocument/2006/relationships" xmlns:p="http://schemas.openxmlformats.org/presentationml/2006/main">
   <p:cSld>
     <p:spTree>
@@ -14504,7 +15810,7 @@
             </a:pPr>
             <a:fld id="{00000000-1234-1234-1234-123412341234}" type="slidenum">
               <a:rPr lang="en-US"/>
-              <a:t>17</a:t>
+              <a:t>20</a:t>
             </a:fld>
             <a:endParaRPr lang="en-US"/>
           </a:p>
@@ -14556,7 +15862,7 @@
 </p:sld>
 </file>
 
-<file path=ppt/slides/slide18.xml><?xml version="1.0" encoding="utf-8"?>
+<file path=ppt/slides/slide21.xml><?xml version="1.0" encoding="utf-8"?>
 <p:sld xmlns:a="http://schemas.openxmlformats.org/drawingml/2006/main" xmlns:r="http://schemas.openxmlformats.org/officeDocument/2006/relationships" xmlns:p="http://schemas.openxmlformats.org/presentationml/2006/main">
   <p:cSld>
     <p:spTree>
@@ -14667,7 +15973,7 @@
             </a:pPr>
             <a:fld id="{00000000-1234-1234-1234-123412341234}" type="slidenum">
               <a:rPr lang="en-US"/>
-              <a:t>18</a:t>
+              <a:t>21</a:t>
             </a:fld>
             <a:endParaRPr/>
           </a:p>
@@ -15099,7 +16405,7 @@
 </p:sld>
 </file>
 
-<file path=ppt/slides/slide19.xml><?xml version="1.0" encoding="utf-8"?>
+<file path=ppt/slides/slide22.xml><?xml version="1.0" encoding="utf-8"?>
 <p:sld xmlns:a="http://schemas.openxmlformats.org/drawingml/2006/main" xmlns:r="http://schemas.openxmlformats.org/officeDocument/2006/relationships" xmlns:p="http://schemas.openxmlformats.org/presentationml/2006/main">
   <p:cSld>
     <p:spTree>
@@ -15218,7 +16524,7 @@
             </a:pPr>
             <a:fld id="{00000000-1234-1234-1234-123412341234}" type="slidenum">
               <a:rPr lang="en-US"/>
-              <a:t>19</a:t>
+              <a:t>22</a:t>
             </a:fld>
             <a:endParaRPr/>
           </a:p>
@@ -15586,19 +16892,7 @@
                 <a:cs typeface="Consolas"/>
                 <a:sym typeface="Consolas"/>
               </a:rPr>
-              <a:t> install </a:t>
-            </a:r>
-            <a:r>
-              <a:rPr lang="en-US" sz="1800" dirty="0" err="1">
-                <a:solidFill>
-                  <a:schemeClr val="dk1"/>
-                </a:solidFill>
-                <a:latin typeface="Consolas"/>
-                <a:ea typeface="Consolas"/>
-                <a:cs typeface="Consolas"/>
-                <a:sym typeface="Consolas"/>
-              </a:rPr>
-              <a:t>argparse</a:t>
+              <a:t> install pandas</a:t>
             </a:r>
             <a:endParaRPr sz="1800" dirty="0">
               <a:solidFill>
@@ -15939,196 +17233,6 @@
         <p14:creationId xmlns:p14="http://schemas.microsoft.com/office/powerpoint/2010/main" val="279065345"/>
       </p:ext>
     </p:extLst>
-  </p:cSld>
-  <p:clrMapOvr>
-    <a:masterClrMapping/>
-  </p:clrMapOvr>
-</p:sld>
-</file>
-
-<file path=ppt/slides/slide2.xml><?xml version="1.0" encoding="utf-8"?>
-<p:sld xmlns:a="http://schemas.openxmlformats.org/drawingml/2006/main" xmlns:r="http://schemas.openxmlformats.org/officeDocument/2006/relationships" xmlns:p="http://schemas.openxmlformats.org/presentationml/2006/main">
-  <p:cSld>
-    <p:spTree>
-      <p:nvGrpSpPr>
-        <p:cNvPr id="1" name="Shape 55"/>
-        <p:cNvGrpSpPr/>
-        <p:nvPr/>
-      </p:nvGrpSpPr>
-      <p:grpSpPr>
-        <a:xfrm>
-          <a:off x="0" y="0"/>
-          <a:ext cx="0" cy="0"/>
-          <a:chOff x="0" y="0"/>
-          <a:chExt cx="0" cy="0"/>
-        </a:xfrm>
-      </p:grpSpPr>
-      <p:sp>
-        <p:nvSpPr>
-          <p:cNvPr id="56" name="Google Shape;56;p2"/>
-          <p:cNvSpPr txBox="1">
-            <a:spLocks noGrp="1"/>
-          </p:cNvSpPr>
-          <p:nvPr>
-            <p:ph type="title"/>
-          </p:nvPr>
-        </p:nvSpPr>
-        <p:spPr>
-          <a:xfrm>
-            <a:off x="457200" y="0"/>
-            <a:ext cx="8229600" cy="1143000"/>
-          </a:xfrm>
-          <a:prstGeom prst="rect">
-            <a:avLst/>
-          </a:prstGeom>
-          <a:noFill/>
-          <a:ln>
-            <a:noFill/>
-          </a:ln>
-        </p:spPr>
-        <p:txBody>
-          <a:bodyPr spcFirstLastPara="1" wrap="square" lIns="91425" tIns="45700" rIns="91425" bIns="45700" anchor="ctr" anchorCtr="0">
-            <a:noAutofit/>
-          </a:bodyPr>
-          <a:lstStyle/>
-          <a:p>
-            <a:pPr marL="0" lvl="0" indent="0" algn="l" rtl="0">
-              <a:lnSpc>
-                <a:spcPct val="100000"/>
-              </a:lnSpc>
-              <a:spcBef>
-                <a:spcPts val="0"/>
-              </a:spcBef>
-              <a:spcAft>
-                <a:spcPts val="0"/>
-              </a:spcAft>
-              <a:buClr>
-                <a:srgbClr val="3D146F"/>
-              </a:buClr>
-              <a:buSzPts val="3200"/>
-              <a:buFont typeface="Arial"/>
-              <a:buNone/>
-            </a:pPr>
-            <a:r>
-              <a:rPr lang="en-US"/>
-              <a:t>Automating and Scripting on KLC</a:t>
-            </a:r>
-            <a:endParaRPr/>
-          </a:p>
-        </p:txBody>
-      </p:sp>
-      <p:sp>
-        <p:nvSpPr>
-          <p:cNvPr id="58" name="Google Shape;58;p2"/>
-          <p:cNvSpPr txBox="1">
-            <a:spLocks noGrp="1"/>
-          </p:cNvSpPr>
-          <p:nvPr>
-            <p:ph type="sldNum" idx="12"/>
-          </p:nvPr>
-        </p:nvSpPr>
-        <p:spPr>
-          <a:xfrm>
-            <a:off x="8686800" y="6506896"/>
-            <a:ext cx="416244" cy="365125"/>
-          </a:xfrm>
-          <a:prstGeom prst="rect">
-            <a:avLst/>
-          </a:prstGeom>
-          <a:noFill/>
-          <a:ln>
-            <a:noFill/>
-          </a:ln>
-        </p:spPr>
-        <p:txBody>
-          <a:bodyPr spcFirstLastPara="1" wrap="square" lIns="91425" tIns="45700" rIns="91425" bIns="45700" anchor="ctr" anchorCtr="0">
-            <a:noAutofit/>
-          </a:bodyPr>
-          <a:lstStyle/>
-          <a:p>
-            <a:pPr marL="0" lvl="0" indent="0" algn="r" rtl="0">
-              <a:lnSpc>
-                <a:spcPct val="100000"/>
-              </a:lnSpc>
-              <a:spcBef>
-                <a:spcPts val="0"/>
-              </a:spcBef>
-              <a:spcAft>
-                <a:spcPts val="0"/>
-              </a:spcAft>
-              <a:buSzPts val="1000"/>
-              <a:buNone/>
-            </a:pPr>
-            <a:fld id="{00000000-1234-1234-1234-123412341234}" type="slidenum">
-              <a:rPr lang="en-US"/>
-              <a:t>2</a:t>
-            </a:fld>
-            <a:endParaRPr/>
-          </a:p>
-        </p:txBody>
-      </p:sp>
-      <p:pic>
-        <p:nvPicPr>
-          <p:cNvPr id="59" name="Google Shape;59;p2"/>
-          <p:cNvPicPr preferRelativeResize="0"/>
-          <p:nvPr/>
-        </p:nvPicPr>
-        <p:blipFill>
-          <a:blip r:embed="rId3">
-            <a:alphaModFix/>
-          </a:blip>
-          <a:stretch>
-            <a:fillRect/>
-          </a:stretch>
-        </p:blipFill>
-        <p:spPr>
-          <a:xfrm>
-            <a:off x="846075" y="1047037"/>
-            <a:ext cx="7304700" cy="4763925"/>
-          </a:xfrm>
-          <a:prstGeom prst="rect">
-            <a:avLst/>
-          </a:prstGeom>
-          <a:noFill/>
-          <a:ln>
-            <a:noFill/>
-          </a:ln>
-        </p:spPr>
-      </p:pic>
-      <p:sp>
-        <p:nvSpPr>
-          <p:cNvPr id="2" name="Footer Placeholder 1">
-            <a:extLst>
-              <a:ext uri="{FF2B5EF4-FFF2-40B4-BE49-F238E27FC236}">
-                <a16:creationId xmlns:a16="http://schemas.microsoft.com/office/drawing/2014/main" id="{60DC7831-8AF5-C7AC-BD81-5F39F900493B}"/>
-              </a:ext>
-            </a:extLst>
-          </p:cNvPr>
-          <p:cNvSpPr>
-            <a:spLocks noGrp="1"/>
-          </p:cNvSpPr>
-          <p:nvPr>
-            <p:ph type="ftr" idx="11"/>
-          </p:nvPr>
-        </p:nvSpPr>
-        <p:spPr>
-          <a:xfrm>
-            <a:off x="4572000" y="6506896"/>
-            <a:ext cx="4114800" cy="365125"/>
-          </a:xfrm>
-        </p:spPr>
-        <p:txBody>
-          <a:bodyPr/>
-          <a:lstStyle/>
-          <a:p>
-            <a:r>
-              <a:rPr lang="en-US" dirty="0"/>
-              <a:t>Automation</a:t>
-            </a:r>
-          </a:p>
-        </p:txBody>
-      </p:sp>
-    </p:spTree>
   </p:cSld>
   <p:clrMapOvr>
     <a:masterClrMapping/>
@@ -16487,7 +17591,7 @@
         <p14:flip dir="l"/>
       </p:transition>
     </mc:Choice>
-    <mc:Fallback xmlns="" xmlns:mv="urn:schemas-microsoft-com:mac:vml" xmlns:c="http://schemas.openxmlformats.org/drawingml/2006/chart" xmlns:dgm="http://schemas.openxmlformats.org/drawingml/2006/diagram" xmlns:o="urn:schemas-microsoft-com:office:office" xmlns:v="urn:schemas-microsoft-com:vml" xmlns:pvml="urn:schemas-microsoft-com:office:powerpoint" xmlns:com="http://schemas.openxmlformats.org/drawingml/2006/compatibility" xmlns:p15="http://schemas.microsoft.com/office/powerpoint/2012/main" xmlns:ahyp="http://schemas.microsoft.com/office/drawing/2018/hyperlinkcolor">
+    <mc:Fallback xmlns:ahyp="http://schemas.microsoft.com/office/drawing/2018/hyperlinkcolor" xmlns:p15="http://schemas.microsoft.com/office/powerpoint/2012/main" xmlns:com="http://schemas.openxmlformats.org/drawingml/2006/compatibility" xmlns:pvml="urn:schemas-microsoft-com:office:powerpoint" xmlns:v="urn:schemas-microsoft-com:vml" xmlns:o="urn:schemas-microsoft-com:office:office" xmlns:dgm="http://schemas.openxmlformats.org/drawingml/2006/diagram" xmlns:c="http://schemas.openxmlformats.org/drawingml/2006/chart" xmlns:mv="urn:schemas-microsoft-com:mac:vml" xmlns="">
       <p:transition spd="slow">
         <p:fade/>
       </p:transition>
@@ -18155,7 +19259,7 @@
   <p:cSld>
     <p:spTree>
       <p:nvGrpSpPr>
-        <p:cNvPr id="1" name=""/>
+        <p:cNvPr id="1" name="Shape 101"/>
         <p:cNvGrpSpPr/>
         <p:nvPr/>
       </p:nvGrpSpPr>
@@ -18169,153 +19273,7 @@
       </p:grpSpPr>
       <p:sp>
         <p:nvSpPr>
-          <p:cNvPr id="3" name="Text Placeholder 2">
-            <a:extLst>
-              <a:ext uri="{FF2B5EF4-FFF2-40B4-BE49-F238E27FC236}">
-                <a16:creationId xmlns:a16="http://schemas.microsoft.com/office/drawing/2014/main" id="{260A9A2C-F016-9F7E-FBF4-AD32DF3E1D69}"/>
-              </a:ext>
-            </a:extLst>
-          </p:cNvPr>
-          <p:cNvSpPr>
-            <a:spLocks noGrp="1"/>
-          </p:cNvSpPr>
-          <p:nvPr>
-            <p:ph type="body" idx="1"/>
-          </p:nvPr>
-        </p:nvSpPr>
-        <p:spPr>
-          <a:xfrm>
-            <a:off x="0" y="-2719"/>
-            <a:ext cx="9144000" cy="6524883"/>
-          </a:xfrm>
-          <a:solidFill>
-            <a:srgbClr val="7030A0"/>
-          </a:solidFill>
-        </p:spPr>
-        <p:txBody>
-          <a:bodyPr spcFirstLastPara="1" wrap="square" lIns="91425" tIns="45700" rIns="91425" bIns="45700" anchor="ctr" anchorCtr="0">
-            <a:noAutofit/>
-          </a:bodyPr>
-          <a:lstStyle/>
-          <a:p>
-            <a:pPr marL="114300" indent="0" algn="ctr">
-              <a:buNone/>
-            </a:pPr>
-            <a:r>
-              <a:rPr lang="en-US" dirty="0">
-                <a:solidFill>
-                  <a:srgbClr val="FFFFFF"/>
-                </a:solidFill>
-              </a:rPr>
-              <a:t>Launching Code from Command Line</a:t>
-            </a:r>
-          </a:p>
-        </p:txBody>
-      </p:sp>
-      <p:sp>
-        <p:nvSpPr>
-          <p:cNvPr id="5" name="Slide Number Placeholder 4">
-            <a:extLst>
-              <a:ext uri="{FF2B5EF4-FFF2-40B4-BE49-F238E27FC236}">
-                <a16:creationId xmlns:a16="http://schemas.microsoft.com/office/drawing/2014/main" id="{D3611BF0-AAA1-2EE9-F80C-6B809FC36E83}"/>
-              </a:ext>
-            </a:extLst>
-          </p:cNvPr>
-          <p:cNvSpPr>
-            <a:spLocks noGrp="1"/>
-          </p:cNvSpPr>
-          <p:nvPr>
-            <p:ph type="sldNum" idx="12"/>
-          </p:nvPr>
-        </p:nvSpPr>
-        <p:spPr/>
-        <p:txBody>
-          <a:bodyPr/>
-          <a:lstStyle/>
-          <a:p>
-            <a:pPr marL="0" lvl="0" indent="0" algn="r" rtl="0">
-              <a:spcBef>
-                <a:spcPts val="0"/>
-              </a:spcBef>
-              <a:spcAft>
-                <a:spcPts val="0"/>
-              </a:spcAft>
-              <a:buNone/>
-            </a:pPr>
-            <a:fld id="{00000000-1234-1234-1234-123412341234}" type="slidenum">
-              <a:rPr lang="en-US"/>
-              <a:t>7</a:t>
-            </a:fld>
-            <a:endParaRPr lang="en-US"/>
-          </a:p>
-        </p:txBody>
-      </p:sp>
-      <p:sp>
-        <p:nvSpPr>
-          <p:cNvPr id="2" name="Footer Placeholder 1">
-            <a:extLst>
-              <a:ext uri="{FF2B5EF4-FFF2-40B4-BE49-F238E27FC236}">
-                <a16:creationId xmlns:a16="http://schemas.microsoft.com/office/drawing/2014/main" id="{956FE5DE-8225-4241-1BB5-4A8AA1605DD9}"/>
-              </a:ext>
-            </a:extLst>
-          </p:cNvPr>
-          <p:cNvSpPr>
-            <a:spLocks noGrp="1"/>
-          </p:cNvSpPr>
-          <p:nvPr>
-            <p:ph type="ftr" idx="11"/>
-          </p:nvPr>
-        </p:nvSpPr>
-        <p:spPr>
-          <a:xfrm>
-            <a:off x="4572000" y="6506896"/>
-            <a:ext cx="4114800" cy="365125"/>
-          </a:xfrm>
-        </p:spPr>
-        <p:txBody>
-          <a:bodyPr/>
-          <a:lstStyle/>
-          <a:p>
-            <a:r>
-              <a:rPr lang="en-US" dirty="0"/>
-              <a:t>Automation</a:t>
-            </a:r>
-          </a:p>
-        </p:txBody>
-      </p:sp>
-    </p:spTree>
-    <p:extLst>
-      <p:ext uri="{BB962C8B-B14F-4D97-AF65-F5344CB8AC3E}">
-        <p14:creationId xmlns:p14="http://schemas.microsoft.com/office/powerpoint/2010/main" val="3050406601"/>
-      </p:ext>
-    </p:extLst>
-  </p:cSld>
-  <p:clrMapOvr>
-    <a:masterClrMapping/>
-  </p:clrMapOvr>
-</p:sld>
-</file>
-
-<file path=ppt/slides/slide8.xml><?xml version="1.0" encoding="utf-8"?>
-<p:sld xmlns:a="http://schemas.openxmlformats.org/drawingml/2006/main" xmlns:r="http://schemas.openxmlformats.org/officeDocument/2006/relationships" xmlns:p="http://schemas.openxmlformats.org/presentationml/2006/main">
-  <p:cSld>
-    <p:spTree>
-      <p:nvGrpSpPr>
-        <p:cNvPr id="1" name="Shape 110"/>
-        <p:cNvGrpSpPr/>
-        <p:nvPr/>
-      </p:nvGrpSpPr>
-      <p:grpSpPr>
-        <a:xfrm>
-          <a:off x="0" y="0"/>
-          <a:ext cx="0" cy="0"/>
-          <a:chOff x="0" y="0"/>
-          <a:chExt cx="0" cy="0"/>
-        </a:xfrm>
-      </p:grpSpPr>
-      <p:sp>
-        <p:nvSpPr>
-          <p:cNvPr id="111" name="Google Shape;111;ge6d407e7a1_0_10"/>
+          <p:cNvPr id="102" name="Google Shape;102;ge6d407e7a1_0_0"/>
           <p:cNvSpPr txBox="1">
             <a:spLocks noGrp="1"/>
           </p:cNvSpPr>
@@ -18356,16 +19314,16 @@
               <a:buNone/>
             </a:pPr>
             <a:r>
-              <a:rPr lang="en-US"/>
-              <a:t>Launching Code from Terminal</a:t>
+              <a:rPr lang="en-US" dirty="0"/>
+              <a:t>Exercise 1 – Using Regex</a:t>
             </a:r>
-            <a:endParaRPr/>
+            <a:endParaRPr dirty="0"/>
           </a:p>
         </p:txBody>
       </p:sp>
       <p:sp>
         <p:nvSpPr>
-          <p:cNvPr id="113" name="Google Shape;113;ge6d407e7a1_0_10"/>
+          <p:cNvPr id="104" name="Google Shape;104;ge6d407e7a1_0_0"/>
           <p:cNvSpPr txBox="1">
             <a:spLocks noGrp="1"/>
           </p:cNvSpPr>
@@ -18407,7 +19365,7 @@
             </a:pPr>
             <a:fld id="{00000000-1234-1234-1234-123412341234}" type="slidenum">
               <a:rPr lang="en-US"/>
-              <a:t>8</a:t>
+              <a:t>7</a:t>
             </a:fld>
             <a:endParaRPr/>
           </a:p>
@@ -18415,14 +19373,14 @@
       </p:sp>
       <p:sp>
         <p:nvSpPr>
-          <p:cNvPr id="114" name="Google Shape;114;ge6d407e7a1_0_10"/>
+          <p:cNvPr id="105" name="Google Shape;105;ge6d407e7a1_0_0"/>
           <p:cNvSpPr txBox="1"/>
           <p:nvPr/>
         </p:nvSpPr>
         <p:spPr>
           <a:xfrm>
-            <a:off x="538450" y="1143000"/>
-            <a:ext cx="7340400" cy="3432600"/>
+            <a:off x="684211" y="2255318"/>
+            <a:ext cx="7340400" cy="1569630"/>
           </a:xfrm>
           <a:prstGeom prst="rect">
             <a:avLst/>
@@ -18452,307 +19410,20 @@
               <a:buFont typeface="Arial"/>
               <a:buNone/>
             </a:pPr>
-            <a:endParaRPr sz="1800"/>
-          </a:p>
-          <a:p>
-            <a:pPr marL="0" lvl="0" indent="0" algn="l" rtl="0">
-              <a:spcBef>
-                <a:spcPts val="0"/>
-              </a:spcBef>
-              <a:spcAft>
-                <a:spcPts val="0"/>
-              </a:spcAft>
-              <a:buClr>
-                <a:schemeClr val="dk1"/>
-              </a:buClr>
-              <a:buSzPts val="1100"/>
-              <a:buFont typeface="Arial"/>
-              <a:buNone/>
-            </a:pPr>
             <a:r>
-              <a:rPr lang="en-US" sz="1800"/>
-              <a:t>To launch an R file:</a:t>
+              <a:rPr lang="en-US" sz="3000" i="1" dirty="0"/>
+              <a:t>In the Interest Rate dataset, use Regular Expressions to separate the Month and Year from the “Month” variable.</a:t>
             </a:r>
-            <a:endParaRPr sz="1800"/>
-          </a:p>
-          <a:p>
-            <a:pPr marL="0" lvl="0" indent="0" algn="l" rtl="0">
-              <a:spcBef>
-                <a:spcPts val="0"/>
-              </a:spcBef>
-              <a:spcAft>
-                <a:spcPts val="0"/>
-              </a:spcAft>
-              <a:buClr>
-                <a:schemeClr val="dk1"/>
-              </a:buClr>
-              <a:buSzPts val="1100"/>
-              <a:buFont typeface="Arial"/>
-              <a:buNone/>
-            </a:pPr>
-            <a:endParaRPr sz="1800"/>
-          </a:p>
-          <a:p>
-            <a:pPr marL="457200" lvl="0" indent="0" algn="l" rtl="0">
-              <a:spcBef>
-                <a:spcPts val="0"/>
-              </a:spcBef>
-              <a:spcAft>
-                <a:spcPts val="0"/>
-              </a:spcAft>
-              <a:buClr>
-                <a:schemeClr val="dk1"/>
-              </a:buClr>
-              <a:buSzPts val="1100"/>
-              <a:buFont typeface="Arial"/>
-              <a:buNone/>
-            </a:pPr>
-            <a:r>
-              <a:rPr lang="en-US" sz="1800">
-                <a:highlight>
-                  <a:srgbClr val="CCCCCC"/>
-                </a:highlight>
-                <a:latin typeface="Consolas"/>
-                <a:ea typeface="Consolas"/>
-                <a:cs typeface="Consolas"/>
-                <a:sym typeface="Consolas"/>
-              </a:rPr>
-              <a:t>Rscript &lt;file_name.R&gt;</a:t>
-            </a:r>
-            <a:endParaRPr sz="1800">
-              <a:highlight>
-                <a:srgbClr val="CCCCCC"/>
-              </a:highlight>
-              <a:latin typeface="Consolas"/>
-              <a:ea typeface="Consolas"/>
-              <a:cs typeface="Consolas"/>
-              <a:sym typeface="Consolas"/>
-            </a:endParaRPr>
-          </a:p>
-          <a:p>
-            <a:pPr marL="0" lvl="0" indent="0" algn="l" rtl="0">
-              <a:spcBef>
-                <a:spcPts val="0"/>
-              </a:spcBef>
-              <a:spcAft>
-                <a:spcPts val="0"/>
-              </a:spcAft>
-              <a:buClr>
-                <a:schemeClr val="dk1"/>
-              </a:buClr>
-              <a:buSzPts val="1100"/>
-              <a:buFont typeface="Arial"/>
-              <a:buNone/>
-            </a:pPr>
-            <a:endParaRPr sz="1700"/>
-          </a:p>
-          <a:p>
-            <a:pPr marL="0" lvl="0" indent="0" algn="l" rtl="0">
-              <a:spcBef>
-                <a:spcPts val="0"/>
-              </a:spcBef>
-              <a:spcAft>
-                <a:spcPts val="0"/>
-              </a:spcAft>
-              <a:buClr>
-                <a:schemeClr val="dk1"/>
-              </a:buClr>
-              <a:buSzPts val="1100"/>
-              <a:buFont typeface="Arial"/>
-              <a:buNone/>
-            </a:pPr>
-            <a:r>
-              <a:rPr lang="en-US" sz="1700"/>
-              <a:t>To launch a python file:</a:t>
-            </a:r>
-            <a:endParaRPr sz="1700"/>
-          </a:p>
-          <a:p>
-            <a:pPr marL="0" lvl="0" indent="0" algn="l" rtl="0">
-              <a:spcBef>
-                <a:spcPts val="0"/>
-              </a:spcBef>
-              <a:spcAft>
-                <a:spcPts val="0"/>
-              </a:spcAft>
-              <a:buClr>
-                <a:schemeClr val="dk1"/>
-              </a:buClr>
-              <a:buSzPts val="1100"/>
-              <a:buFont typeface="Arial"/>
-              <a:buNone/>
-            </a:pPr>
-            <a:endParaRPr sz="1700"/>
-          </a:p>
-          <a:p>
-            <a:pPr marL="457200" lvl="0" indent="0" algn="l" rtl="0">
-              <a:spcBef>
-                <a:spcPts val="0"/>
-              </a:spcBef>
-              <a:spcAft>
-                <a:spcPts val="0"/>
-              </a:spcAft>
-              <a:buClr>
-                <a:schemeClr val="dk1"/>
-              </a:buClr>
-              <a:buSzPts val="1100"/>
-              <a:buFont typeface="Arial"/>
-              <a:buNone/>
-            </a:pPr>
-            <a:r>
-              <a:rPr lang="en-US" sz="1800">
-                <a:solidFill>
-                  <a:schemeClr val="dk1"/>
-                </a:solidFill>
-                <a:highlight>
-                  <a:srgbClr val="CCCCCC"/>
-                </a:highlight>
-                <a:latin typeface="Consolas"/>
-                <a:ea typeface="Consolas"/>
-                <a:cs typeface="Consolas"/>
-                <a:sym typeface="Consolas"/>
-              </a:rPr>
-              <a:t>python &lt;file_name.py&gt;</a:t>
-            </a:r>
-            <a:endParaRPr sz="1800">
-              <a:solidFill>
-                <a:schemeClr val="dk1"/>
-              </a:solidFill>
-              <a:highlight>
-                <a:srgbClr val="CCCCCC"/>
-              </a:highlight>
-              <a:latin typeface="Consolas"/>
-              <a:ea typeface="Consolas"/>
-              <a:cs typeface="Consolas"/>
-              <a:sym typeface="Consolas"/>
-            </a:endParaRPr>
-          </a:p>
-          <a:p>
-            <a:pPr marL="457200" lvl="0" indent="0" algn="l" rtl="0">
-              <a:spcBef>
-                <a:spcPts val="0"/>
-              </a:spcBef>
-              <a:spcAft>
-                <a:spcPts val="0"/>
-              </a:spcAft>
-              <a:buClr>
-                <a:schemeClr val="dk1"/>
-              </a:buClr>
-              <a:buSzPts val="1100"/>
-              <a:buFont typeface="Arial"/>
-              <a:buNone/>
-            </a:pPr>
-            <a:endParaRPr sz="1800">
-              <a:solidFill>
-                <a:schemeClr val="dk1"/>
-              </a:solidFill>
-              <a:highlight>
-                <a:srgbClr val="CCCCCC"/>
-              </a:highlight>
-              <a:latin typeface="Roboto Medium"/>
-              <a:ea typeface="Roboto Medium"/>
-              <a:cs typeface="Roboto Medium"/>
-              <a:sym typeface="Roboto Medium"/>
-            </a:endParaRPr>
-          </a:p>
-          <a:p>
-            <a:pPr marL="0" lvl="0" indent="0" algn="l" rtl="0">
-              <a:spcBef>
-                <a:spcPts val="0"/>
-              </a:spcBef>
-              <a:spcAft>
-                <a:spcPts val="0"/>
-              </a:spcAft>
-              <a:buClr>
-                <a:schemeClr val="dk1"/>
-              </a:buClr>
-              <a:buSzPts val="1100"/>
-              <a:buFont typeface="Arial"/>
-              <a:buNone/>
-            </a:pPr>
-            <a:r>
-              <a:rPr lang="en-US" sz="1700">
-                <a:solidFill>
-                  <a:schemeClr val="dk1"/>
-                </a:solidFill>
-              </a:rPr>
-              <a:t>To launch a stata do file:</a:t>
-            </a:r>
-            <a:endParaRPr sz="1700">
-              <a:solidFill>
-                <a:schemeClr val="dk1"/>
-              </a:solidFill>
-            </a:endParaRPr>
-          </a:p>
-          <a:p>
-            <a:pPr marL="0" lvl="0" indent="0" algn="l" rtl="0">
-              <a:spcBef>
-                <a:spcPts val="0"/>
-              </a:spcBef>
-              <a:spcAft>
-                <a:spcPts val="0"/>
-              </a:spcAft>
-              <a:buClr>
-                <a:schemeClr val="dk1"/>
-              </a:buClr>
-              <a:buSzPts val="1100"/>
-              <a:buFont typeface="Arial"/>
-              <a:buNone/>
-            </a:pPr>
-            <a:endParaRPr sz="1700">
-              <a:solidFill>
-                <a:schemeClr val="dk1"/>
-              </a:solidFill>
-            </a:endParaRPr>
-          </a:p>
-          <a:p>
-            <a:pPr marL="457200" lvl="0" indent="0" algn="l" rtl="0">
-              <a:spcBef>
-                <a:spcPts val="0"/>
-              </a:spcBef>
-              <a:spcAft>
-                <a:spcPts val="0"/>
-              </a:spcAft>
-              <a:buClr>
-                <a:schemeClr val="dk1"/>
-              </a:buClr>
-              <a:buSzPts val="1100"/>
-              <a:buFont typeface="Arial"/>
-              <a:buNone/>
-            </a:pPr>
-            <a:r>
-              <a:rPr lang="en-US" sz="1800">
-                <a:solidFill>
-                  <a:schemeClr val="dk1"/>
-                </a:solidFill>
-                <a:highlight>
-                  <a:srgbClr val="CCCCCC"/>
-                </a:highlight>
-                <a:latin typeface="Consolas"/>
-                <a:ea typeface="Consolas"/>
-                <a:cs typeface="Consolas"/>
-                <a:sym typeface="Consolas"/>
-              </a:rPr>
-              <a:t>stata-mp -b do &lt;file_name.do&gt;</a:t>
-            </a:r>
-            <a:endParaRPr sz="1700">
-              <a:highlight>
-                <a:srgbClr val="CCCCCC"/>
-              </a:highlight>
-              <a:latin typeface="Consolas"/>
-              <a:ea typeface="Consolas"/>
-              <a:cs typeface="Consolas"/>
-              <a:sym typeface="Consolas"/>
-            </a:endParaRPr>
+            <a:endParaRPr sz="3000" i="1" dirty="0"/>
           </a:p>
         </p:txBody>
       </p:sp>
       <p:sp>
         <p:nvSpPr>
-          <p:cNvPr id="2" name="Footer Placeholder 1">
+          <p:cNvPr id="3" name="Footer Placeholder 1">
             <a:extLst>
               <a:ext uri="{FF2B5EF4-FFF2-40B4-BE49-F238E27FC236}">
-                <a16:creationId xmlns:a16="http://schemas.microsoft.com/office/drawing/2014/main" id="{5B09C74C-E9C7-D17C-6B4D-8DAA8C73E8F2}"/>
+                <a16:creationId xmlns:a16="http://schemas.microsoft.com/office/drawing/2014/main" id="{6A57CBA6-EA93-3943-6265-79A3C99876D9}"/>
               </a:ext>
             </a:extLst>
           </p:cNvPr>
@@ -18781,6 +19452,11 @@
         </p:txBody>
       </p:sp>
     </p:spTree>
+    <p:extLst>
+      <p:ext uri="{BB962C8B-B14F-4D97-AF65-F5344CB8AC3E}">
+        <p14:creationId xmlns:p14="http://schemas.microsoft.com/office/powerpoint/2010/main" val="2855328537"/>
+      </p:ext>
+    </p:extLst>
   </p:cSld>
   <p:clrMapOvr>
     <a:masterClrMapping/>
@@ -18788,7 +19464,7 @@
 </p:sld>
 </file>
 
-<file path=ppt/slides/slide9.xml><?xml version="1.0" encoding="utf-8"?>
+<file path=ppt/slides/slide8.xml><?xml version="1.0" encoding="utf-8"?>
 <p:sld xmlns:a="http://schemas.openxmlformats.org/drawingml/2006/main" xmlns:r="http://schemas.openxmlformats.org/officeDocument/2006/relationships" xmlns:p="http://schemas.openxmlformats.org/presentationml/2006/main">
   <p:cSld>
     <p:spTree>
@@ -18845,7 +19521,7 @@
                   <a:srgbClr val="FFFFFF"/>
                 </a:solidFill>
               </a:rPr>
-              <a:t>Scripting Multiple Tasks at Once</a:t>
+              <a:t>Launching Code from Command Line</a:t>
             </a:r>
           </a:p>
         </p:txBody>
@@ -18882,7 +19558,7 @@
             </a:pPr>
             <a:fld id="{00000000-1234-1234-1234-123412341234}" type="slidenum">
               <a:rPr lang="en-US"/>
-              <a:t>9</a:t>
+              <a:t>8</a:t>
             </a:fld>
             <a:endParaRPr lang="en-US"/>
           </a:p>
@@ -18924,9 +19600,501 @@
     </p:spTree>
     <p:extLst>
       <p:ext uri="{BB962C8B-B14F-4D97-AF65-F5344CB8AC3E}">
-        <p14:creationId xmlns:p14="http://schemas.microsoft.com/office/powerpoint/2010/main" val="2363131282"/>
+        <p14:creationId xmlns:p14="http://schemas.microsoft.com/office/powerpoint/2010/main" val="3050406601"/>
       </p:ext>
     </p:extLst>
+  </p:cSld>
+  <p:clrMapOvr>
+    <a:masterClrMapping/>
+  </p:clrMapOvr>
+</p:sld>
+</file>
+
+<file path=ppt/slides/slide9.xml><?xml version="1.0" encoding="utf-8"?>
+<p:sld xmlns:a="http://schemas.openxmlformats.org/drawingml/2006/main" xmlns:r="http://schemas.openxmlformats.org/officeDocument/2006/relationships" xmlns:p="http://schemas.openxmlformats.org/presentationml/2006/main">
+  <p:cSld>
+    <p:spTree>
+      <p:nvGrpSpPr>
+        <p:cNvPr id="1" name="Shape 110"/>
+        <p:cNvGrpSpPr/>
+        <p:nvPr/>
+      </p:nvGrpSpPr>
+      <p:grpSpPr>
+        <a:xfrm>
+          <a:off x="0" y="0"/>
+          <a:ext cx="0" cy="0"/>
+          <a:chOff x="0" y="0"/>
+          <a:chExt cx="0" cy="0"/>
+        </a:xfrm>
+      </p:grpSpPr>
+      <p:sp>
+        <p:nvSpPr>
+          <p:cNvPr id="111" name="Google Shape;111;ge6d407e7a1_0_10"/>
+          <p:cNvSpPr txBox="1">
+            <a:spLocks noGrp="1"/>
+          </p:cNvSpPr>
+          <p:nvPr>
+            <p:ph type="title"/>
+          </p:nvPr>
+        </p:nvSpPr>
+        <p:spPr>
+          <a:xfrm>
+            <a:off x="457200" y="0"/>
+            <a:ext cx="8645700" cy="1143000"/>
+          </a:xfrm>
+          <a:prstGeom prst="rect">
+            <a:avLst/>
+          </a:prstGeom>
+          <a:noFill/>
+          <a:ln>
+            <a:noFill/>
+          </a:ln>
+        </p:spPr>
+        <p:txBody>
+          <a:bodyPr spcFirstLastPara="1" wrap="square" lIns="91425" tIns="45700" rIns="91425" bIns="45700" anchor="ctr" anchorCtr="0">
+            <a:noAutofit/>
+          </a:bodyPr>
+          <a:lstStyle/>
+          <a:p>
+            <a:pPr marL="0" lvl="0" indent="0" algn="l" rtl="0">
+              <a:lnSpc>
+                <a:spcPct val="100000"/>
+              </a:lnSpc>
+              <a:spcBef>
+                <a:spcPts val="0"/>
+              </a:spcBef>
+              <a:spcAft>
+                <a:spcPts val="0"/>
+              </a:spcAft>
+              <a:buSzPts val="3200"/>
+              <a:buNone/>
+            </a:pPr>
+            <a:r>
+              <a:rPr lang="en-US"/>
+              <a:t>Launching Code from Terminal</a:t>
+            </a:r>
+            <a:endParaRPr/>
+          </a:p>
+        </p:txBody>
+      </p:sp>
+      <p:sp>
+        <p:nvSpPr>
+          <p:cNvPr id="113" name="Google Shape;113;ge6d407e7a1_0_10"/>
+          <p:cNvSpPr txBox="1">
+            <a:spLocks noGrp="1"/>
+          </p:cNvSpPr>
+          <p:nvPr>
+            <p:ph type="sldNum" idx="12"/>
+          </p:nvPr>
+        </p:nvSpPr>
+        <p:spPr>
+          <a:xfrm>
+            <a:off x="8686800" y="6506896"/>
+            <a:ext cx="416100" cy="365100"/>
+          </a:xfrm>
+          <a:prstGeom prst="rect">
+            <a:avLst/>
+          </a:prstGeom>
+          <a:noFill/>
+          <a:ln>
+            <a:noFill/>
+          </a:ln>
+        </p:spPr>
+        <p:txBody>
+          <a:bodyPr spcFirstLastPara="1" wrap="square" lIns="91425" tIns="45700" rIns="91425" bIns="45700" anchor="ctr" anchorCtr="0">
+            <a:noAutofit/>
+          </a:bodyPr>
+          <a:lstStyle/>
+          <a:p>
+            <a:pPr marL="0" lvl="0" indent="0" algn="r" rtl="0">
+              <a:lnSpc>
+                <a:spcPct val="100000"/>
+              </a:lnSpc>
+              <a:spcBef>
+                <a:spcPts val="0"/>
+              </a:spcBef>
+              <a:spcAft>
+                <a:spcPts val="0"/>
+              </a:spcAft>
+              <a:buSzPts val="1000"/>
+              <a:buNone/>
+            </a:pPr>
+            <a:fld id="{00000000-1234-1234-1234-123412341234}" type="slidenum">
+              <a:rPr lang="en-US"/>
+              <a:t>9</a:t>
+            </a:fld>
+            <a:endParaRPr/>
+          </a:p>
+        </p:txBody>
+      </p:sp>
+      <p:sp>
+        <p:nvSpPr>
+          <p:cNvPr id="114" name="Google Shape;114;ge6d407e7a1_0_10"/>
+          <p:cNvSpPr txBox="1"/>
+          <p:nvPr/>
+        </p:nvSpPr>
+        <p:spPr>
+          <a:xfrm>
+            <a:off x="538450" y="1143000"/>
+            <a:ext cx="7340400" cy="3432600"/>
+          </a:xfrm>
+          <a:prstGeom prst="rect">
+            <a:avLst/>
+          </a:prstGeom>
+          <a:noFill/>
+          <a:ln>
+            <a:noFill/>
+          </a:ln>
+        </p:spPr>
+        <p:txBody>
+          <a:bodyPr spcFirstLastPara="1" wrap="square" lIns="91425" tIns="91425" rIns="91425" bIns="91425" anchor="t" anchorCtr="0">
+            <a:spAutoFit/>
+          </a:bodyPr>
+          <a:lstStyle/>
+          <a:p>
+            <a:pPr marL="0" lvl="0" indent="0" algn="l" rtl="0">
+              <a:spcBef>
+                <a:spcPts val="0"/>
+              </a:spcBef>
+              <a:spcAft>
+                <a:spcPts val="0"/>
+              </a:spcAft>
+              <a:buClr>
+                <a:schemeClr val="dk1"/>
+              </a:buClr>
+              <a:buSzPts val="1100"/>
+              <a:buFont typeface="Arial"/>
+              <a:buNone/>
+            </a:pPr>
+            <a:endParaRPr sz="1800"/>
+          </a:p>
+          <a:p>
+            <a:pPr marL="0" lvl="0" indent="0" algn="l" rtl="0">
+              <a:spcBef>
+                <a:spcPts val="0"/>
+              </a:spcBef>
+              <a:spcAft>
+                <a:spcPts val="0"/>
+              </a:spcAft>
+              <a:buClr>
+                <a:schemeClr val="dk1"/>
+              </a:buClr>
+              <a:buSzPts val="1100"/>
+              <a:buFont typeface="Arial"/>
+              <a:buNone/>
+            </a:pPr>
+            <a:r>
+              <a:rPr lang="en-US" sz="1800"/>
+              <a:t>To launch an R file:</a:t>
+            </a:r>
+            <a:endParaRPr sz="1800"/>
+          </a:p>
+          <a:p>
+            <a:pPr marL="0" lvl="0" indent="0" algn="l" rtl="0">
+              <a:spcBef>
+                <a:spcPts val="0"/>
+              </a:spcBef>
+              <a:spcAft>
+                <a:spcPts val="0"/>
+              </a:spcAft>
+              <a:buClr>
+                <a:schemeClr val="dk1"/>
+              </a:buClr>
+              <a:buSzPts val="1100"/>
+              <a:buFont typeface="Arial"/>
+              <a:buNone/>
+            </a:pPr>
+            <a:endParaRPr sz="1800"/>
+          </a:p>
+          <a:p>
+            <a:pPr marL="457200" lvl="0" indent="0" algn="l" rtl="0">
+              <a:spcBef>
+                <a:spcPts val="0"/>
+              </a:spcBef>
+              <a:spcAft>
+                <a:spcPts val="0"/>
+              </a:spcAft>
+              <a:buClr>
+                <a:schemeClr val="dk1"/>
+              </a:buClr>
+              <a:buSzPts val="1100"/>
+              <a:buFont typeface="Arial"/>
+              <a:buNone/>
+            </a:pPr>
+            <a:r>
+              <a:rPr lang="en-US" sz="1800">
+                <a:highlight>
+                  <a:srgbClr val="CCCCCC"/>
+                </a:highlight>
+                <a:latin typeface="Consolas"/>
+                <a:ea typeface="Consolas"/>
+                <a:cs typeface="Consolas"/>
+                <a:sym typeface="Consolas"/>
+              </a:rPr>
+              <a:t>Rscript &lt;file_name.R&gt;</a:t>
+            </a:r>
+            <a:endParaRPr sz="1800">
+              <a:highlight>
+                <a:srgbClr val="CCCCCC"/>
+              </a:highlight>
+              <a:latin typeface="Consolas"/>
+              <a:ea typeface="Consolas"/>
+              <a:cs typeface="Consolas"/>
+              <a:sym typeface="Consolas"/>
+            </a:endParaRPr>
+          </a:p>
+          <a:p>
+            <a:pPr marL="0" lvl="0" indent="0" algn="l" rtl="0">
+              <a:spcBef>
+                <a:spcPts val="0"/>
+              </a:spcBef>
+              <a:spcAft>
+                <a:spcPts val="0"/>
+              </a:spcAft>
+              <a:buClr>
+                <a:schemeClr val="dk1"/>
+              </a:buClr>
+              <a:buSzPts val="1100"/>
+              <a:buFont typeface="Arial"/>
+              <a:buNone/>
+            </a:pPr>
+            <a:endParaRPr sz="1700"/>
+          </a:p>
+          <a:p>
+            <a:pPr marL="0" lvl="0" indent="0" algn="l" rtl="0">
+              <a:spcBef>
+                <a:spcPts val="0"/>
+              </a:spcBef>
+              <a:spcAft>
+                <a:spcPts val="0"/>
+              </a:spcAft>
+              <a:buClr>
+                <a:schemeClr val="dk1"/>
+              </a:buClr>
+              <a:buSzPts val="1100"/>
+              <a:buFont typeface="Arial"/>
+              <a:buNone/>
+            </a:pPr>
+            <a:r>
+              <a:rPr lang="en-US" sz="1700"/>
+              <a:t>To launch a python file:</a:t>
+            </a:r>
+            <a:endParaRPr sz="1700"/>
+          </a:p>
+          <a:p>
+            <a:pPr marL="0" lvl="0" indent="0" algn="l" rtl="0">
+              <a:spcBef>
+                <a:spcPts val="0"/>
+              </a:spcBef>
+              <a:spcAft>
+                <a:spcPts val="0"/>
+              </a:spcAft>
+              <a:buClr>
+                <a:schemeClr val="dk1"/>
+              </a:buClr>
+              <a:buSzPts val="1100"/>
+              <a:buFont typeface="Arial"/>
+              <a:buNone/>
+            </a:pPr>
+            <a:endParaRPr sz="1700"/>
+          </a:p>
+          <a:p>
+            <a:pPr marL="457200" lvl="0" indent="0" algn="l" rtl="0">
+              <a:spcBef>
+                <a:spcPts val="0"/>
+              </a:spcBef>
+              <a:spcAft>
+                <a:spcPts val="0"/>
+              </a:spcAft>
+              <a:buClr>
+                <a:schemeClr val="dk1"/>
+              </a:buClr>
+              <a:buSzPts val="1100"/>
+              <a:buFont typeface="Arial"/>
+              <a:buNone/>
+            </a:pPr>
+            <a:r>
+              <a:rPr lang="en-US" sz="1800">
+                <a:solidFill>
+                  <a:schemeClr val="dk1"/>
+                </a:solidFill>
+                <a:highlight>
+                  <a:srgbClr val="CCCCCC"/>
+                </a:highlight>
+                <a:latin typeface="Consolas"/>
+                <a:ea typeface="Consolas"/>
+                <a:cs typeface="Consolas"/>
+                <a:sym typeface="Consolas"/>
+              </a:rPr>
+              <a:t>python &lt;file_name.py&gt;</a:t>
+            </a:r>
+            <a:endParaRPr sz="1800">
+              <a:solidFill>
+                <a:schemeClr val="dk1"/>
+              </a:solidFill>
+              <a:highlight>
+                <a:srgbClr val="CCCCCC"/>
+              </a:highlight>
+              <a:latin typeface="Consolas"/>
+              <a:ea typeface="Consolas"/>
+              <a:cs typeface="Consolas"/>
+              <a:sym typeface="Consolas"/>
+            </a:endParaRPr>
+          </a:p>
+          <a:p>
+            <a:pPr marL="457200" lvl="0" indent="0" algn="l" rtl="0">
+              <a:spcBef>
+                <a:spcPts val="0"/>
+              </a:spcBef>
+              <a:spcAft>
+                <a:spcPts val="0"/>
+              </a:spcAft>
+              <a:buClr>
+                <a:schemeClr val="dk1"/>
+              </a:buClr>
+              <a:buSzPts val="1100"/>
+              <a:buFont typeface="Arial"/>
+              <a:buNone/>
+            </a:pPr>
+            <a:endParaRPr sz="1800">
+              <a:solidFill>
+                <a:schemeClr val="dk1"/>
+              </a:solidFill>
+              <a:highlight>
+                <a:srgbClr val="CCCCCC"/>
+              </a:highlight>
+              <a:latin typeface="Roboto Medium"/>
+              <a:ea typeface="Roboto Medium"/>
+              <a:cs typeface="Roboto Medium"/>
+              <a:sym typeface="Roboto Medium"/>
+            </a:endParaRPr>
+          </a:p>
+          <a:p>
+            <a:pPr marL="0" lvl="0" indent="0" algn="l" rtl="0">
+              <a:spcBef>
+                <a:spcPts val="0"/>
+              </a:spcBef>
+              <a:spcAft>
+                <a:spcPts val="0"/>
+              </a:spcAft>
+              <a:buClr>
+                <a:schemeClr val="dk1"/>
+              </a:buClr>
+              <a:buSzPts val="1100"/>
+              <a:buFont typeface="Arial"/>
+              <a:buNone/>
+            </a:pPr>
+            <a:r>
+              <a:rPr lang="en-US" sz="1700">
+                <a:solidFill>
+                  <a:schemeClr val="dk1"/>
+                </a:solidFill>
+              </a:rPr>
+              <a:t>To launch a stata do file:</a:t>
+            </a:r>
+            <a:endParaRPr sz="1700">
+              <a:solidFill>
+                <a:schemeClr val="dk1"/>
+              </a:solidFill>
+            </a:endParaRPr>
+          </a:p>
+          <a:p>
+            <a:pPr marL="0" lvl="0" indent="0" algn="l" rtl="0">
+              <a:spcBef>
+                <a:spcPts val="0"/>
+              </a:spcBef>
+              <a:spcAft>
+                <a:spcPts val="0"/>
+              </a:spcAft>
+              <a:buClr>
+                <a:schemeClr val="dk1"/>
+              </a:buClr>
+              <a:buSzPts val="1100"/>
+              <a:buFont typeface="Arial"/>
+              <a:buNone/>
+            </a:pPr>
+            <a:endParaRPr sz="1700">
+              <a:solidFill>
+                <a:schemeClr val="dk1"/>
+              </a:solidFill>
+            </a:endParaRPr>
+          </a:p>
+          <a:p>
+            <a:pPr marL="457200" lvl="0" indent="0" algn="l" rtl="0">
+              <a:spcBef>
+                <a:spcPts val="0"/>
+              </a:spcBef>
+              <a:spcAft>
+                <a:spcPts val="0"/>
+              </a:spcAft>
+              <a:buClr>
+                <a:schemeClr val="dk1"/>
+              </a:buClr>
+              <a:buSzPts val="1100"/>
+              <a:buFont typeface="Arial"/>
+              <a:buNone/>
+            </a:pPr>
+            <a:r>
+              <a:rPr lang="en-US" sz="1800">
+                <a:solidFill>
+                  <a:schemeClr val="dk1"/>
+                </a:solidFill>
+                <a:highlight>
+                  <a:srgbClr val="CCCCCC"/>
+                </a:highlight>
+                <a:latin typeface="Consolas"/>
+                <a:ea typeface="Consolas"/>
+                <a:cs typeface="Consolas"/>
+                <a:sym typeface="Consolas"/>
+              </a:rPr>
+              <a:t>stata-mp -b do &lt;file_name.do&gt;</a:t>
+            </a:r>
+            <a:endParaRPr sz="1700">
+              <a:highlight>
+                <a:srgbClr val="CCCCCC"/>
+              </a:highlight>
+              <a:latin typeface="Consolas"/>
+              <a:ea typeface="Consolas"/>
+              <a:cs typeface="Consolas"/>
+              <a:sym typeface="Consolas"/>
+            </a:endParaRPr>
+          </a:p>
+        </p:txBody>
+      </p:sp>
+      <p:sp>
+        <p:nvSpPr>
+          <p:cNvPr id="2" name="Footer Placeholder 1">
+            <a:extLst>
+              <a:ext uri="{FF2B5EF4-FFF2-40B4-BE49-F238E27FC236}">
+                <a16:creationId xmlns:a16="http://schemas.microsoft.com/office/drawing/2014/main" id="{5B09C74C-E9C7-D17C-6B4D-8DAA8C73E8F2}"/>
+              </a:ext>
+            </a:extLst>
+          </p:cNvPr>
+          <p:cNvSpPr>
+            <a:spLocks noGrp="1"/>
+          </p:cNvSpPr>
+          <p:nvPr>
+            <p:ph type="ftr" idx="11"/>
+          </p:nvPr>
+        </p:nvSpPr>
+        <p:spPr>
+          <a:xfrm>
+            <a:off x="4572000" y="6506896"/>
+            <a:ext cx="4114800" cy="365125"/>
+          </a:xfrm>
+        </p:spPr>
+        <p:txBody>
+          <a:bodyPr/>
+          <a:lstStyle/>
+          <a:p>
+            <a:r>
+              <a:rPr lang="en-US" dirty="0"/>
+              <a:t>Automation</a:t>
+            </a:r>
+          </a:p>
+        </p:txBody>
+      </p:sp>
+    </p:spTree>
   </p:cSld>
   <p:clrMapOvr>
     <a:masterClrMapping/>

--- a/Session4_Automate/Session4_Automation.pptx
+++ b/Session4_Automate/Session4_Automation.pptx
@@ -301,7 +301,7 @@
       </p15:sldGuideLst>
     </p:ext>
     <p:ext uri="http://customooxmlschemas.google.com/">
-      <go:slidesCustomData xmlns:go="http://customooxmlschemas.google.com/" xmlns:ahyp="http://schemas.microsoft.com/office/drawing/2018/hyperlinkcolor" xmlns:p15="http://schemas.microsoft.com/office/powerpoint/2012/main" xmlns:p14="http://schemas.microsoft.com/office/powerpoint/2010/main" xmlns:com="http://schemas.openxmlformats.org/drawingml/2006/compatibility" xmlns:pvml="urn:schemas-microsoft-com:office:powerpoint" xmlns:v="urn:schemas-microsoft-com:vml" xmlns:o="urn:schemas-microsoft-com:office:office" xmlns:dgm="http://schemas.openxmlformats.org/drawingml/2006/diagram" xmlns:c="http://schemas.openxmlformats.org/drawingml/2006/chart" xmlns:mv="urn:schemas-microsoft-com:mac:vml" xmlns:mc="http://schemas.openxmlformats.org/markup-compatibility/2006" xmlns="" r:id="rId37" roundtripDataSignature="AMtx7mgJb/dxg8SBACTioISI2Z3PoJo6hg=="/>
+      <go:slidesCustomData xmlns="" xmlns:mc="http://schemas.openxmlformats.org/markup-compatibility/2006" xmlns:mv="urn:schemas-microsoft-com:mac:vml" xmlns:c="http://schemas.openxmlformats.org/drawingml/2006/chart" xmlns:dgm="http://schemas.openxmlformats.org/drawingml/2006/diagram" xmlns:o="urn:schemas-microsoft-com:office:office" xmlns:v="urn:schemas-microsoft-com:vml" xmlns:pvml="urn:schemas-microsoft-com:office:powerpoint" xmlns:com="http://schemas.openxmlformats.org/drawingml/2006/compatibility" xmlns:p14="http://schemas.microsoft.com/office/powerpoint/2010/main" xmlns:p15="http://schemas.microsoft.com/office/powerpoint/2012/main" xmlns:ahyp="http://schemas.microsoft.com/office/drawing/2018/hyperlinkcolor" xmlns:go="http://customooxmlschemas.google.com/" r:id="rId37" roundtripDataSignature="AMtx7mgJb/dxg8SBACTioISI2Z3PoJo6hg=="/>
     </p:ext>
   </p:extLst>
 </p:presentation>
@@ -16609,20 +16609,6 @@
             <a:endParaRPr sz="1700" dirty="0"/>
           </a:p>
           <a:p>
-            <a:pPr marL="0" lvl="0" indent="0" algn="l" rtl="0">
-              <a:spcBef>
-                <a:spcPts val="0"/>
-              </a:spcBef>
-              <a:spcAft>
-                <a:spcPts val="0"/>
-              </a:spcAft>
-              <a:buClr>
-                <a:schemeClr val="dk1"/>
-              </a:buClr>
-              <a:buSzPts val="1100"/>
-              <a:buFont typeface="Arial"/>
-              <a:buNone/>
-            </a:pPr>
             <a:r>
               <a:rPr lang="en-US" sz="1700" dirty="0"/>
               <a:t>	</a:t>
@@ -16637,17 +16623,18 @@
                 <a:cs typeface="Consolas"/>
                 <a:sym typeface="Consolas"/>
               </a:rPr>
-              <a:t>module load python/anaconda3.6</a:t>
+              <a:t>module load </a:t>
             </a:r>
-            <a:endParaRPr sz="1800" dirty="0">
-              <a:solidFill>
-                <a:schemeClr val="dk1"/>
-              </a:solidFill>
-              <a:latin typeface="Consolas"/>
-              <a:ea typeface="Consolas"/>
-              <a:cs typeface="Consolas"/>
-              <a:sym typeface="Consolas"/>
-            </a:endParaRPr>
+            <a:r>
+              <a:rPr lang="en-US" sz="1800" dirty="0">
+                <a:solidFill>
+                  <a:schemeClr val="dk1"/>
+                </a:solidFill>
+                <a:latin typeface="Consolas"/>
+                <a:cs typeface="Consolas"/>
+              </a:rPr>
+              <a:t>python-miniconda3/4.12.0 </a:t>
+            </a:r>
           </a:p>
           <a:p>
             <a:pPr marL="0" lvl="0" indent="0" algn="l" rtl="0">
@@ -17591,7 +17578,7 @@
         <p14:flip dir="l"/>
       </p:transition>
     </mc:Choice>
-    <mc:Fallback xmlns:ahyp="http://schemas.microsoft.com/office/drawing/2018/hyperlinkcolor" xmlns:p15="http://schemas.microsoft.com/office/powerpoint/2012/main" xmlns:com="http://schemas.openxmlformats.org/drawingml/2006/compatibility" xmlns:pvml="urn:schemas-microsoft-com:office:powerpoint" xmlns:v="urn:schemas-microsoft-com:vml" xmlns:o="urn:schemas-microsoft-com:office:office" xmlns:dgm="http://schemas.openxmlformats.org/drawingml/2006/diagram" xmlns:c="http://schemas.openxmlformats.org/drawingml/2006/chart" xmlns:mv="urn:schemas-microsoft-com:mac:vml" xmlns="">
+    <mc:Fallback xmlns="" xmlns:mv="urn:schemas-microsoft-com:mac:vml" xmlns:c="http://schemas.openxmlformats.org/drawingml/2006/chart" xmlns:dgm="http://schemas.openxmlformats.org/drawingml/2006/diagram" xmlns:o="urn:schemas-microsoft-com:office:office" xmlns:v="urn:schemas-microsoft-com:vml" xmlns:pvml="urn:schemas-microsoft-com:office:powerpoint" xmlns:com="http://schemas.openxmlformats.org/drawingml/2006/compatibility" xmlns:p15="http://schemas.microsoft.com/office/powerpoint/2012/main" xmlns:ahyp="http://schemas.microsoft.com/office/drawing/2018/hyperlinkcolor">
       <p:transition spd="slow">
         <p:fade/>
       </p:transition>
